--- a/8_report/presentation.pptx
+++ b/8_report/presentation.pptx
@@ -4218,6 +4218,10 @@
           <a:bodyPr/>
           <a:lstStyle/>
           <a:p>
+            <a:r>
+              <a:rPr lang="en-US" dirty="0" smtClean="0"/>
+              <a:t>Our method imposes a minimum component size right at the beginning, unlike their method which imposes it as post processing. Essentially, we merge more than they do, the segmentation is less noisy and looks better, we think.</a:t>
+            </a:r>
             <a:endParaRPr lang="en-US" dirty="0"/>
           </a:p>
         </p:txBody>
@@ -4455,34 +4459,60 @@
             <p:ph type="title"/>
           </p:nvPr>
         </p:nvSpPr>
-        <p:spPr/>
-        <p:txBody>
-          <a:bodyPr/>
-          <a:lstStyle/>
-          <a:p>
-            <a:endParaRPr lang="en-US"/>
-          </a:p>
-        </p:txBody>
-      </p:sp>
-      <p:sp>
-        <p:nvSpPr>
-          <p:cNvPr id="3" name="Content Placeholder 2"/>
-          <p:cNvSpPr>
-            <a:spLocks noGrp="1"/>
-          </p:cNvSpPr>
+        <p:spPr>
+          <a:xfrm>
+            <a:off x="457200" y="152718"/>
+            <a:ext cx="8305800" cy="685482"/>
+          </a:xfrm>
+        </p:spPr>
+        <p:txBody>
+          <a:bodyPr>
+            <a:normAutofit/>
+          </a:bodyPr>
+          <a:lstStyle/>
+          <a:p>
+            <a:r>
+              <a:rPr lang="en-US" dirty="0" err="1" smtClean="0"/>
+              <a:t>Mex</a:t>
+            </a:r>
+            <a:r>
+              <a:rPr lang="en-US" dirty="0" smtClean="0"/>
+              <a:t> results</a:t>
+            </a:r>
+            <a:endParaRPr lang="en-US" dirty="0"/>
+          </a:p>
+        </p:txBody>
+      </p:sp>
+      <p:pic>
+        <p:nvPicPr>
+          <p:cNvPr id="8" name="Content Placeholder 7" descr="dog.jpg"/>
+          <p:cNvPicPr>
+            <a:picLocks noGrp="1" noChangeAspect="1"/>
+          </p:cNvPicPr>
           <p:nvPr>
             <p:ph idx="1"/>
           </p:nvPr>
-        </p:nvSpPr>
-        <p:spPr/>
-        <p:txBody>
-          <a:bodyPr/>
-          <a:lstStyle/>
-          <a:p>
-            <a:endParaRPr lang="en-US"/>
-          </a:p>
-        </p:txBody>
-      </p:sp>
+        </p:nvPicPr>
+        <p:blipFill>
+          <a:blip r:embed="rId2" cstate="print">
+            <a:extLst>
+              <a:ext uri="{28A0092B-C50C-407E-A947-70E740481C1C}">
+                <a14:useLocalDpi xmlns:a14="http://schemas.microsoft.com/office/drawing/2010/main" val="0"/>
+              </a:ext>
+            </a:extLst>
+          </a:blip>
+          <a:srcRect t="4610" b="4610"/>
+          <a:stretch>
+            <a:fillRect/>
+          </a:stretch>
+        </p:blipFill>
+        <p:spPr>
+          <a:xfrm>
+            <a:off x="26545" y="838200"/>
+            <a:ext cx="4012055" cy="2302753"/>
+          </a:xfrm>
+        </p:spPr>
+      </p:pic>
       <p:sp>
         <p:nvSpPr>
           <p:cNvPr id="4" name="Slide Number Placeholder 3"/>
@@ -4676,6 +4706,36 @@
           </a:p>
         </p:txBody>
       </p:sp>
+      <p:pic>
+        <p:nvPicPr>
+          <p:cNvPr id="9" name="Picture 8" descr="dog_s4_k200_compCode.jpg"/>
+          <p:cNvPicPr>
+            <a:picLocks noChangeAspect="1"/>
+          </p:cNvPicPr>
+          <p:nvPr/>
+        </p:nvPicPr>
+        <p:blipFill>
+          <a:blip r:embed="rId3" cstate="print">
+            <a:extLst>
+              <a:ext uri="{28A0092B-C50C-407E-A947-70E740481C1C}">
+                <a14:useLocalDpi xmlns:a14="http://schemas.microsoft.com/office/drawing/2010/main" val="0"/>
+              </a:ext>
+            </a:extLst>
+          </a:blip>
+          <a:stretch>
+            <a:fillRect/>
+          </a:stretch>
+        </p:blipFill>
+        <p:spPr>
+          <a:xfrm>
+            <a:off x="5670" y="3581400"/>
+            <a:ext cx="4443688" cy="2809549"/>
+          </a:xfrm>
+          <a:prstGeom prst="rect">
+            <a:avLst/>
+          </a:prstGeom>
+        </p:spPr>
+      </p:pic>
     </p:spTree>
     <p:extLst>
       <p:ext uri="{BB962C8B-B14F-4D97-AF65-F5344CB8AC3E}">

--- a/8_report/presentation.pptx
+++ b/8_report/presentation.pptx
@@ -5,14 +5,18 @@
     <p:sldMasterId id="2147483912" r:id="rId1"/>
   </p:sldMasterIdLst>
   <p:notesMasterIdLst>
-    <p:notesMasterId r:id="rId7"/>
+    <p:notesMasterId r:id="rId11"/>
   </p:notesMasterIdLst>
   <p:sldIdLst>
     <p:sldId id="256" r:id="rId2"/>
     <p:sldId id="267" r:id="rId3"/>
     <p:sldId id="268" r:id="rId4"/>
     <p:sldId id="269" r:id="rId5"/>
-    <p:sldId id="266" r:id="rId6"/>
+    <p:sldId id="270" r:id="rId6"/>
+    <p:sldId id="272" r:id="rId7"/>
+    <p:sldId id="271" r:id="rId8"/>
+    <p:sldId id="273" r:id="rId9"/>
+    <p:sldId id="266" r:id="rId10"/>
   </p:sldIdLst>
   <p:sldSz cx="9144000" cy="6858000" type="screen4x3"/>
   <p:notesSz cx="6858000" cy="9144000"/>
@@ -4014,8 +4018,16 @@
                   </a:schemeClr>
                 </a:solidFill>
               </a:rPr>
-              <a:t>NS Lab</a:t>
-            </a:r>
+              <a:t>ECE 278</a:t>
+            </a:r>
+            <a:endParaRPr lang="en-US" sz="1400" dirty="0" smtClean="0">
+              <a:solidFill>
+                <a:schemeClr val="accent6">
+                  <a:lumMod val="40000"/>
+                  <a:lumOff val="60000"/>
+                </a:schemeClr>
+              </a:solidFill>
+            </a:endParaRPr>
           </a:p>
           <a:p>
             <a:pPr algn="ctr"/>
@@ -4082,7 +4094,7 @@
                   </a:schemeClr>
                 </a:solidFill>
               </a:rPr>
-              <a:t>Signals on Graphs</a:t>
+              <a:t>Graph-Based Segmentation</a:t>
             </a:r>
             <a:endParaRPr lang="en-US" sz="1400" dirty="0">
               <a:solidFill>
@@ -4252,7 +4264,7 @@
       </p:sp>
       <p:sp>
         <p:nvSpPr>
-          <p:cNvPr id="5" name="Rectangle 4"/>
+          <p:cNvPr id="9" name="Rectangle 8"/>
           <p:cNvSpPr/>
           <p:nvPr/>
         </p:nvSpPr>
@@ -4294,8 +4306,16 @@
                   </a:schemeClr>
                 </a:solidFill>
               </a:rPr>
-              <a:t>NS Lab</a:t>
-            </a:r>
+              <a:t>ECE 278</a:t>
+            </a:r>
+            <a:endParaRPr lang="en-US" sz="1400" dirty="0" smtClean="0">
+              <a:solidFill>
+                <a:schemeClr val="accent6">
+                  <a:lumMod val="40000"/>
+                  <a:lumOff val="60000"/>
+                </a:schemeClr>
+              </a:solidFill>
+            </a:endParaRPr>
           </a:p>
           <a:p>
             <a:pPr algn="ctr"/>
@@ -4315,7 +4335,7 @@
       </p:sp>
       <p:sp>
         <p:nvSpPr>
-          <p:cNvPr id="6" name="Rectangle 5"/>
+          <p:cNvPr id="10" name="Rectangle 9"/>
           <p:cNvSpPr/>
           <p:nvPr/>
         </p:nvSpPr>
@@ -4362,7 +4382,7 @@
                   </a:schemeClr>
                 </a:solidFill>
               </a:rPr>
-              <a:t>Signals on Graphs</a:t>
+              <a:t>Graph-Based Segmentation</a:t>
             </a:r>
             <a:endParaRPr lang="en-US" sz="1400" dirty="0">
               <a:solidFill>
@@ -4377,7 +4397,7 @@
       </p:sp>
       <p:sp>
         <p:nvSpPr>
-          <p:cNvPr id="7" name="Right Triangle 6"/>
+          <p:cNvPr id="11" name="Right Triangle 10"/>
           <p:cNvSpPr/>
           <p:nvPr/>
         </p:nvSpPr>
@@ -4483,9 +4503,210 @@
           </a:p>
         </p:txBody>
       </p:sp>
+      <p:sp>
+        <p:nvSpPr>
+          <p:cNvPr id="4" name="Slide Number Placeholder 3"/>
+          <p:cNvSpPr>
+            <a:spLocks noGrp="1"/>
+          </p:cNvSpPr>
+          <p:nvPr>
+            <p:ph type="sldNum" sz="quarter" idx="12"/>
+          </p:nvPr>
+        </p:nvSpPr>
+        <p:spPr/>
+        <p:txBody>
+          <a:bodyPr/>
+          <a:lstStyle/>
+          <a:p>
+            <a:fld id="{F38DF745-7D3F-47F4-83A3-874385CFAA69}" type="slidenum">
+              <a:rPr lang="en-US" smtClean="0"/>
+              <a:pPr/>
+              <a:t>3</a:t>
+            </a:fld>
+            <a:endParaRPr lang="en-US"/>
+          </a:p>
+        </p:txBody>
+      </p:sp>
+      <p:sp>
+        <p:nvSpPr>
+          <p:cNvPr id="10" name="Rectangle 9"/>
+          <p:cNvSpPr/>
+          <p:nvPr/>
+        </p:nvSpPr>
+        <p:spPr>
+          <a:xfrm>
+            <a:off x="0" y="6400800"/>
+            <a:ext cx="2133600" cy="457200"/>
+          </a:xfrm>
+          <a:prstGeom prst="rect">
+            <a:avLst/>
+          </a:prstGeom>
+          <a:effectLst/>
+        </p:spPr>
+        <p:style>
+          <a:lnRef idx="1">
+            <a:schemeClr val="accent1"/>
+          </a:lnRef>
+          <a:fillRef idx="3">
+            <a:schemeClr val="accent1"/>
+          </a:fillRef>
+          <a:effectRef idx="2">
+            <a:schemeClr val="accent1"/>
+          </a:effectRef>
+          <a:fontRef idx="minor">
+            <a:schemeClr val="lt1"/>
+          </a:fontRef>
+        </p:style>
+        <p:txBody>
+          <a:bodyPr rtlCol="0" anchor="ctr"/>
+          <a:lstStyle/>
+          <a:p>
+            <a:pPr algn="ctr"/>
+            <a:r>
+              <a:rPr lang="en-US" sz="1400" dirty="0" smtClean="0">
+                <a:solidFill>
+                  <a:schemeClr val="accent6">
+                    <a:lumMod val="40000"/>
+                    <a:lumOff val="60000"/>
+                  </a:schemeClr>
+                </a:solidFill>
+              </a:rPr>
+              <a:t>ECE 278</a:t>
+            </a:r>
+            <a:endParaRPr lang="en-US" sz="1400" dirty="0" smtClean="0">
+              <a:solidFill>
+                <a:schemeClr val="accent6">
+                  <a:lumMod val="40000"/>
+                  <a:lumOff val="60000"/>
+                </a:schemeClr>
+              </a:solidFill>
+            </a:endParaRPr>
+          </a:p>
+          <a:p>
+            <a:pPr algn="ctr"/>
+            <a:r>
+              <a:rPr lang="en-US" sz="1400" dirty="0" smtClean="0">
+                <a:solidFill>
+                  <a:schemeClr val="accent6">
+                    <a:lumMod val="40000"/>
+                    <a:lumOff val="60000"/>
+                  </a:schemeClr>
+                </a:solidFill>
+              </a:rPr>
+              <a:t>Winter 2015</a:t>
+            </a:r>
+          </a:p>
+        </p:txBody>
+      </p:sp>
+      <p:sp>
+        <p:nvSpPr>
+          <p:cNvPr id="11" name="Rectangle 10"/>
+          <p:cNvSpPr/>
+          <p:nvPr/>
+        </p:nvSpPr>
+        <p:spPr>
+          <a:xfrm>
+            <a:off x="2514600" y="6400800"/>
+            <a:ext cx="3352800" cy="457200"/>
+          </a:xfrm>
+          <a:prstGeom prst="rect">
+            <a:avLst/>
+          </a:prstGeom>
+          <a:ln>
+            <a:solidFill>
+              <a:schemeClr val="accent1"/>
+            </a:solidFill>
+          </a:ln>
+          <a:effectLst/>
+        </p:spPr>
+        <p:style>
+          <a:lnRef idx="1">
+            <a:schemeClr val="accent1"/>
+          </a:lnRef>
+          <a:fillRef idx="3">
+            <a:schemeClr val="accent1"/>
+          </a:fillRef>
+          <a:effectRef idx="2">
+            <a:schemeClr val="accent1"/>
+          </a:effectRef>
+          <a:fontRef idx="minor">
+            <a:schemeClr val="lt1"/>
+          </a:fontRef>
+        </p:style>
+        <p:txBody>
+          <a:bodyPr rtlCol="0" anchor="ctr"/>
+          <a:lstStyle/>
+          <a:p>
+            <a:pPr algn="ctr"/>
+            <a:r>
+              <a:rPr lang="en-US" sz="1400" dirty="0" smtClean="0">
+                <a:solidFill>
+                  <a:schemeClr val="accent6">
+                    <a:lumMod val="40000"/>
+                    <a:lumOff val="60000"/>
+                  </a:schemeClr>
+                </a:solidFill>
+              </a:rPr>
+              <a:t>Graph-Based Segmentation</a:t>
+            </a:r>
+            <a:endParaRPr lang="en-US" sz="1400" dirty="0">
+              <a:solidFill>
+                <a:schemeClr val="accent6">
+                  <a:lumMod val="40000"/>
+                  <a:lumOff val="60000"/>
+                </a:schemeClr>
+              </a:solidFill>
+            </a:endParaRPr>
+          </a:p>
+        </p:txBody>
+      </p:sp>
+      <p:sp>
+        <p:nvSpPr>
+          <p:cNvPr id="12" name="Right Triangle 11"/>
+          <p:cNvSpPr/>
+          <p:nvPr/>
+        </p:nvSpPr>
+        <p:spPr>
+          <a:xfrm>
+            <a:off x="5867400" y="6400800"/>
+            <a:ext cx="609600" cy="457200"/>
+          </a:xfrm>
+          <a:prstGeom prst="rtTriangle">
+            <a:avLst/>
+          </a:prstGeom>
+          <a:ln>
+            <a:solidFill>
+              <a:schemeClr val="accent1"/>
+            </a:solidFill>
+          </a:ln>
+          <a:effectLst/>
+        </p:spPr>
+        <p:style>
+          <a:lnRef idx="1">
+            <a:schemeClr val="accent1"/>
+          </a:lnRef>
+          <a:fillRef idx="3">
+            <a:schemeClr val="accent1"/>
+          </a:fillRef>
+          <a:effectRef idx="2">
+            <a:schemeClr val="accent1"/>
+          </a:effectRef>
+          <a:fontRef idx="minor">
+            <a:schemeClr val="lt1"/>
+          </a:fontRef>
+        </p:style>
+        <p:txBody>
+          <a:bodyPr rtlCol="0" anchor="ctr"/>
+          <a:lstStyle/>
+          <a:p>
+            <a:pPr algn="ctr"/>
+            <a:endParaRPr lang="en-US"/>
+          </a:p>
+        </p:txBody>
+      </p:sp>
       <p:pic>
         <p:nvPicPr>
-          <p:cNvPr id="8" name="Content Placeholder 7" descr="dog.jpg"/>
+          <p:cNvPr id="14" name="Content Placeholder 13" descr="dog.jpg"/>
           <p:cNvPicPr>
             <a:picLocks noGrp="1" noChangeAspect="1"/>
           </p:cNvPicPr>
@@ -4508,207 +4729,14 @@
         </p:blipFill>
         <p:spPr>
           <a:xfrm>
-            <a:off x="26545" y="838200"/>
-            <a:ext cx="4012055" cy="2302753"/>
+            <a:off x="671002" y="762001"/>
+            <a:ext cx="3982868" cy="2286000"/>
           </a:xfrm>
         </p:spPr>
       </p:pic>
-      <p:sp>
-        <p:nvSpPr>
-          <p:cNvPr id="4" name="Slide Number Placeholder 3"/>
-          <p:cNvSpPr>
-            <a:spLocks noGrp="1"/>
-          </p:cNvSpPr>
-          <p:nvPr>
-            <p:ph type="sldNum" sz="quarter" idx="12"/>
-          </p:nvPr>
-        </p:nvSpPr>
-        <p:spPr/>
-        <p:txBody>
-          <a:bodyPr/>
-          <a:lstStyle/>
-          <a:p>
-            <a:fld id="{F38DF745-7D3F-47F4-83A3-874385CFAA69}" type="slidenum">
-              <a:rPr lang="en-US" smtClean="0"/>
-              <a:pPr/>
-              <a:t>3</a:t>
-            </a:fld>
-            <a:endParaRPr lang="en-US"/>
-          </a:p>
-        </p:txBody>
-      </p:sp>
-      <p:sp>
-        <p:nvSpPr>
-          <p:cNvPr id="5" name="Rectangle 4"/>
-          <p:cNvSpPr/>
-          <p:nvPr/>
-        </p:nvSpPr>
-        <p:spPr>
-          <a:xfrm>
-            <a:off x="0" y="6400800"/>
-            <a:ext cx="2133600" cy="457200"/>
-          </a:xfrm>
-          <a:prstGeom prst="rect">
-            <a:avLst/>
-          </a:prstGeom>
-          <a:effectLst/>
-        </p:spPr>
-        <p:style>
-          <a:lnRef idx="1">
-            <a:schemeClr val="accent1"/>
-          </a:lnRef>
-          <a:fillRef idx="3">
-            <a:schemeClr val="accent1"/>
-          </a:fillRef>
-          <a:effectRef idx="2">
-            <a:schemeClr val="accent1"/>
-          </a:effectRef>
-          <a:fontRef idx="minor">
-            <a:schemeClr val="lt1"/>
-          </a:fontRef>
-        </p:style>
-        <p:txBody>
-          <a:bodyPr rtlCol="0" anchor="ctr"/>
-          <a:lstStyle/>
-          <a:p>
-            <a:pPr algn="ctr"/>
-            <a:r>
-              <a:rPr lang="en-US" sz="1400" dirty="0" smtClean="0">
-                <a:solidFill>
-                  <a:schemeClr val="accent6">
-                    <a:lumMod val="40000"/>
-                    <a:lumOff val="60000"/>
-                  </a:schemeClr>
-                </a:solidFill>
-              </a:rPr>
-              <a:t>NS Lab</a:t>
-            </a:r>
-          </a:p>
-          <a:p>
-            <a:pPr algn="ctr"/>
-            <a:r>
-              <a:rPr lang="en-US" sz="1400" dirty="0" smtClean="0">
-                <a:solidFill>
-                  <a:schemeClr val="accent6">
-                    <a:lumMod val="40000"/>
-                    <a:lumOff val="60000"/>
-                  </a:schemeClr>
-                </a:solidFill>
-              </a:rPr>
-              <a:t>Winter 2015</a:t>
-            </a:r>
-          </a:p>
-        </p:txBody>
-      </p:sp>
-      <p:sp>
-        <p:nvSpPr>
-          <p:cNvPr id="6" name="Rectangle 5"/>
-          <p:cNvSpPr/>
-          <p:nvPr/>
-        </p:nvSpPr>
-        <p:spPr>
-          <a:xfrm>
-            <a:off x="2514600" y="6400800"/>
-            <a:ext cx="3352800" cy="457200"/>
-          </a:xfrm>
-          <a:prstGeom prst="rect">
-            <a:avLst/>
-          </a:prstGeom>
-          <a:ln>
-            <a:solidFill>
-              <a:schemeClr val="accent1"/>
-            </a:solidFill>
-          </a:ln>
-          <a:effectLst/>
-        </p:spPr>
-        <p:style>
-          <a:lnRef idx="1">
-            <a:schemeClr val="accent1"/>
-          </a:lnRef>
-          <a:fillRef idx="3">
-            <a:schemeClr val="accent1"/>
-          </a:fillRef>
-          <a:effectRef idx="2">
-            <a:schemeClr val="accent1"/>
-          </a:effectRef>
-          <a:fontRef idx="minor">
-            <a:schemeClr val="lt1"/>
-          </a:fontRef>
-        </p:style>
-        <p:txBody>
-          <a:bodyPr rtlCol="0" anchor="ctr"/>
-          <a:lstStyle/>
-          <a:p>
-            <a:pPr algn="ctr"/>
-            <a:r>
-              <a:rPr lang="en-US" sz="1400" dirty="0" smtClean="0">
-                <a:solidFill>
-                  <a:schemeClr val="accent6">
-                    <a:lumMod val="40000"/>
-                    <a:lumOff val="60000"/>
-                  </a:schemeClr>
-                </a:solidFill>
-              </a:rPr>
-              <a:t>Signals on Graphs</a:t>
-            </a:r>
-            <a:endParaRPr lang="en-US" sz="1400" dirty="0">
-              <a:solidFill>
-                <a:schemeClr val="accent6">
-                  <a:lumMod val="40000"/>
-                  <a:lumOff val="60000"/>
-                </a:schemeClr>
-              </a:solidFill>
-            </a:endParaRPr>
-          </a:p>
-        </p:txBody>
-      </p:sp>
-      <p:sp>
-        <p:nvSpPr>
-          <p:cNvPr id="7" name="Right Triangle 6"/>
-          <p:cNvSpPr/>
-          <p:nvPr/>
-        </p:nvSpPr>
-        <p:spPr>
-          <a:xfrm>
-            <a:off x="5867400" y="6400800"/>
-            <a:ext cx="609600" cy="457200"/>
-          </a:xfrm>
-          <a:prstGeom prst="rtTriangle">
-            <a:avLst/>
-          </a:prstGeom>
-          <a:ln>
-            <a:solidFill>
-              <a:schemeClr val="accent1"/>
-            </a:solidFill>
-          </a:ln>
-          <a:effectLst/>
-        </p:spPr>
-        <p:style>
-          <a:lnRef idx="1">
-            <a:schemeClr val="accent1"/>
-          </a:lnRef>
-          <a:fillRef idx="3">
-            <a:schemeClr val="accent1"/>
-          </a:fillRef>
-          <a:effectRef idx="2">
-            <a:schemeClr val="accent1"/>
-          </a:effectRef>
-          <a:fontRef idx="minor">
-            <a:schemeClr val="lt1"/>
-          </a:fontRef>
-        </p:style>
-        <p:txBody>
-          <a:bodyPr rtlCol="0" anchor="ctr"/>
-          <a:lstStyle/>
-          <a:p>
-            <a:pPr algn="ctr"/>
-            <a:endParaRPr lang="en-US"/>
-          </a:p>
-        </p:txBody>
-      </p:sp>
       <p:pic>
         <p:nvPicPr>
-          <p:cNvPr id="9" name="Picture 8" descr="dog_s4_k200_compCode.jpg"/>
+          <p:cNvPr id="15" name="Picture 14" descr="dog_RGB_s4.00_K200_mS400.jpg"/>
           <p:cNvPicPr>
             <a:picLocks noChangeAspect="1"/>
           </p:cNvPicPr>
@@ -4728,14 +4756,131 @@
         </p:blipFill>
         <p:spPr>
           <a:xfrm>
-            <a:off x="5670" y="3581400"/>
-            <a:ext cx="4443688" cy="2809549"/>
+            <a:off x="1676400" y="3365088"/>
+            <a:ext cx="4648200" cy="2938851"/>
           </a:xfrm>
           <a:prstGeom prst="rect">
             <a:avLst/>
           </a:prstGeom>
         </p:spPr>
       </p:pic>
+      <p:pic>
+        <p:nvPicPr>
+          <p:cNvPr id="16" name="Picture 15" descr="dog_s4_k200_compCode.jpg"/>
+          <p:cNvPicPr>
+            <a:picLocks noChangeAspect="1"/>
+          </p:cNvPicPr>
+          <p:nvPr/>
+        </p:nvPicPr>
+        <p:blipFill>
+          <a:blip r:embed="rId4" cstate="print">
+            <a:extLst>
+              <a:ext uri="{28A0092B-C50C-407E-A947-70E740481C1C}">
+                <a14:useLocalDpi xmlns:a14="http://schemas.microsoft.com/office/drawing/2010/main" val="0"/>
+              </a:ext>
+            </a:extLst>
+          </a:blip>
+          <a:stretch>
+            <a:fillRect/>
+          </a:stretch>
+        </p:blipFill>
+        <p:spPr>
+          <a:xfrm>
+            <a:off x="4876800" y="762000"/>
+            <a:ext cx="3608628" cy="2281577"/>
+          </a:xfrm>
+          <a:prstGeom prst="rect">
+            <a:avLst/>
+          </a:prstGeom>
+        </p:spPr>
+      </p:pic>
+      <p:sp>
+        <p:nvSpPr>
+          <p:cNvPr id="17" name="TextBox 16"/>
+          <p:cNvSpPr txBox="1"/>
+          <p:nvPr/>
+        </p:nvSpPr>
+        <p:spPr>
+          <a:xfrm>
+            <a:off x="685800" y="2971800"/>
+            <a:ext cx="2590800" cy="369332"/>
+          </a:xfrm>
+          <a:prstGeom prst="rect">
+            <a:avLst/>
+          </a:prstGeom>
+          <a:noFill/>
+        </p:spPr>
+        <p:txBody>
+          <a:bodyPr wrap="square" rtlCol="0">
+            <a:spAutoFit/>
+          </a:bodyPr>
+          <a:lstStyle/>
+          <a:p>
+            <a:r>
+              <a:rPr lang="en-US" dirty="0" smtClean="0"/>
+              <a:t>Original dog</a:t>
+            </a:r>
+          </a:p>
+        </p:txBody>
+      </p:sp>
+      <p:sp>
+        <p:nvSpPr>
+          <p:cNvPr id="18" name="TextBox 17"/>
+          <p:cNvSpPr txBox="1"/>
+          <p:nvPr/>
+        </p:nvSpPr>
+        <p:spPr>
+          <a:xfrm>
+            <a:off x="4800600" y="2971800"/>
+            <a:ext cx="2590800" cy="369332"/>
+          </a:xfrm>
+          <a:prstGeom prst="rect">
+            <a:avLst/>
+          </a:prstGeom>
+          <a:noFill/>
+        </p:spPr>
+        <p:txBody>
+          <a:bodyPr wrap="square" rtlCol="0">
+            <a:spAutoFit/>
+          </a:bodyPr>
+          <a:lstStyle/>
+          <a:p>
+            <a:r>
+              <a:rPr lang="en-US" dirty="0" smtClean="0"/>
+              <a:t>Their Result</a:t>
+            </a:r>
+          </a:p>
+        </p:txBody>
+      </p:sp>
+      <p:sp>
+        <p:nvSpPr>
+          <p:cNvPr id="19" name="TextBox 18"/>
+          <p:cNvSpPr txBox="1"/>
+          <p:nvPr/>
+        </p:nvSpPr>
+        <p:spPr>
+          <a:xfrm>
+            <a:off x="6324600" y="5943600"/>
+            <a:ext cx="2590800" cy="369332"/>
+          </a:xfrm>
+          <a:prstGeom prst="rect">
+            <a:avLst/>
+          </a:prstGeom>
+          <a:noFill/>
+        </p:spPr>
+        <p:txBody>
+          <a:bodyPr wrap="square" rtlCol="0">
+            <a:spAutoFit/>
+          </a:bodyPr>
+          <a:lstStyle/>
+          <a:p>
+            <a:r>
+              <a:rPr lang="en-US" dirty="0" smtClean="0"/>
+              <a:t>Our Result</a:t>
+            </a:r>
+          </a:p>
+        </p:txBody>
+      </p:sp>
     </p:spTree>
     <p:extLst>
       <p:ext uri="{BB962C8B-B14F-4D97-AF65-F5344CB8AC3E}">
@@ -4781,7 +4926,11 @@
           <a:bodyPr/>
           <a:lstStyle/>
           <a:p>
-            <a:endParaRPr lang="en-US"/>
+            <a:r>
+              <a:rPr lang="en-US" dirty="0" smtClean="0"/>
+              <a:t>Android Implementation</a:t>
+            </a:r>
+            <a:endParaRPr lang="en-US" dirty="0"/>
           </a:p>
         </p:txBody>
       </p:sp>
@@ -4800,7 +4949,28 @@
           <a:bodyPr/>
           <a:lstStyle/>
           <a:p>
-            <a:endParaRPr lang="en-US"/>
+            <a:r>
+              <a:rPr lang="en-US" dirty="0" smtClean="0"/>
+              <a:t>Hardware limitations, especially regarding memory require us to down sample the original input image.</a:t>
+            </a:r>
+          </a:p>
+          <a:p>
+            <a:endParaRPr lang="en-US" dirty="0"/>
+          </a:p>
+          <a:p>
+            <a:r>
+              <a:rPr lang="en-US" dirty="0" smtClean="0"/>
+              <a:t>Interface and some function rewritten in Java, but the core code is still in C/C++.</a:t>
+            </a:r>
+          </a:p>
+          <a:p>
+            <a:endParaRPr lang="en-US" dirty="0"/>
+          </a:p>
+          <a:p>
+            <a:r>
+              <a:rPr lang="en-US" dirty="0" smtClean="0"/>
+              <a:t>Need about 5 seconds to segment the image on an average $100 phone.</a:t>
+            </a:r>
           </a:p>
         </p:txBody>
       </p:sp>
@@ -4830,7 +5000,7 @@
       </p:sp>
       <p:sp>
         <p:nvSpPr>
-          <p:cNvPr id="5" name="Rectangle 4"/>
+          <p:cNvPr id="8" name="Rectangle 7"/>
           <p:cNvSpPr/>
           <p:nvPr/>
         </p:nvSpPr>
@@ -4872,8 +5042,16 @@
                   </a:schemeClr>
                 </a:solidFill>
               </a:rPr>
-              <a:t>NS Lab</a:t>
-            </a:r>
+              <a:t>ECE 278</a:t>
+            </a:r>
+            <a:endParaRPr lang="en-US" sz="1400" dirty="0" smtClean="0">
+              <a:solidFill>
+                <a:schemeClr val="accent6">
+                  <a:lumMod val="40000"/>
+                  <a:lumOff val="60000"/>
+                </a:schemeClr>
+              </a:solidFill>
+            </a:endParaRPr>
           </a:p>
           <a:p>
             <a:pPr algn="ctr"/>
@@ -4893,7 +5071,7 @@
       </p:sp>
       <p:sp>
         <p:nvSpPr>
-          <p:cNvPr id="6" name="Rectangle 5"/>
+          <p:cNvPr id="9" name="Rectangle 8"/>
           <p:cNvSpPr/>
           <p:nvPr/>
         </p:nvSpPr>
@@ -4940,7 +5118,7 @@
                   </a:schemeClr>
                 </a:solidFill>
               </a:rPr>
-              <a:t>Signals on Graphs</a:t>
+              <a:t>Graph-Based Segmentation</a:t>
             </a:r>
             <a:endParaRPr lang="en-US" sz="1400" dirty="0">
               <a:solidFill>
@@ -4955,7 +5133,7 @@
       </p:sp>
       <p:sp>
         <p:nvSpPr>
-          <p:cNvPr id="7" name="Right Triangle 6"/>
+          <p:cNvPr id="10" name="Right Triangle 9"/>
           <p:cNvSpPr/>
           <p:nvPr/>
         </p:nvSpPr>
@@ -5044,227 +5222,9 @@
           <a:p>
             <a:r>
               <a:rPr lang="en-US" dirty="0" smtClean="0"/>
-              <a:t>References</a:t>
+              <a:t>Multidimensional graph construct</a:t>
             </a:r>
             <a:endParaRPr lang="en-US" dirty="0"/>
-          </a:p>
-        </p:txBody>
-      </p:sp>
-      <p:sp>
-        <p:nvSpPr>
-          <p:cNvPr id="3" name="Content Placeholder 2"/>
-          <p:cNvSpPr>
-            <a:spLocks noGrp="1"/>
-          </p:cNvSpPr>
-          <p:nvPr>
-            <p:ph idx="1"/>
-          </p:nvPr>
-        </p:nvSpPr>
-        <p:spPr/>
-        <p:txBody>
-          <a:bodyPr>
-            <a:normAutofit/>
-          </a:bodyPr>
-          <a:lstStyle/>
-          <a:p>
-            <a:pPr marL="228600" indent="-228600">
-              <a:buAutoNum type="arabicPeriod"/>
-            </a:pPr>
-            <a:r>
-              <a:rPr lang="en-US" sz="1200" b="0" dirty="0"/>
-              <a:t>David I Shuman, Sunil K. </a:t>
-            </a:r>
-            <a:r>
-              <a:rPr lang="en-US" sz="1200" b="0" dirty="0" err="1"/>
-              <a:t>Narang</a:t>
-            </a:r>
-            <a:r>
-              <a:rPr lang="en-US" sz="1200" b="0" dirty="0"/>
-              <a:t>, Pascal </a:t>
-            </a:r>
-            <a:r>
-              <a:rPr lang="en-US" sz="1200" b="0" dirty="0" err="1"/>
-              <a:t>Frossard</a:t>
-            </a:r>
-            <a:r>
-              <a:rPr lang="en-US" sz="1200" b="0" dirty="0"/>
-              <a:t>, Antonio Ortega, and Pierre </a:t>
-            </a:r>
-            <a:r>
-              <a:rPr lang="en-US" sz="1200" b="0" dirty="0" err="1"/>
-              <a:t>Vandergheynst</a:t>
-            </a:r>
-            <a:r>
-              <a:rPr lang="en-US" sz="1200" b="0" dirty="0"/>
-              <a:t>. IEEE Signal Processing Magazine. May 2013. </a:t>
-            </a:r>
-            <a:r>
-              <a:rPr lang="en-US" sz="1200" b="0" i="1" dirty="0"/>
-              <a:t>The Emerging Field of Signal Processing on Graphs</a:t>
-            </a:r>
-            <a:r>
-              <a:rPr lang="en-US" sz="1200" b="0" dirty="0"/>
-              <a:t>. </a:t>
-            </a:r>
-            <a:r>
-              <a:rPr lang="en-US" sz="1200" b="0" dirty="0">
-                <a:hlinkClick r:id="rId2"/>
-              </a:rPr>
-              <a:t>http://ieeexplore.ieee.org/stamp/stamp.jsp?arnumber=</a:t>
-            </a:r>
-            <a:r>
-              <a:rPr lang="en-US" sz="1200" b="0" dirty="0" smtClean="0">
-                <a:hlinkClick r:id="rId2"/>
-              </a:rPr>
-              <a:t>6494675</a:t>
-            </a:r>
-            <a:endParaRPr lang="en-US" sz="1200" b="0" dirty="0" smtClean="0"/>
-          </a:p>
-          <a:p>
-            <a:pPr marL="228600" indent="-228600">
-              <a:buFont typeface="Arial" pitchFamily="34" charset="0"/>
-              <a:buAutoNum type="arabicPeriod"/>
-            </a:pPr>
-            <a:r>
-              <a:rPr lang="en-US" sz="1200" b="0" dirty="0" err="1" smtClean="0"/>
-              <a:t>Pengfei</a:t>
-            </a:r>
-            <a:r>
-              <a:rPr lang="en-US" sz="1200" b="0" dirty="0" smtClean="0"/>
-              <a:t> </a:t>
-            </a:r>
-            <a:r>
-              <a:rPr lang="en-US" sz="1200" b="0" dirty="0" err="1" smtClean="0"/>
-              <a:t>Lui</a:t>
-            </a:r>
-            <a:r>
-              <a:rPr lang="en-US" sz="1200" b="0" dirty="0" smtClean="0"/>
-              <a:t>, </a:t>
-            </a:r>
-            <a:r>
-              <a:rPr lang="en-US" sz="1200" b="0" dirty="0" err="1" smtClean="0"/>
-              <a:t>Xiaohan</a:t>
-            </a:r>
-            <a:r>
-              <a:rPr lang="en-US" sz="1200" b="0" dirty="0" smtClean="0"/>
-              <a:t> Wang, </a:t>
-            </a:r>
-            <a:r>
-              <a:rPr lang="en-US" sz="1200" b="0" dirty="0" err="1" smtClean="0"/>
-              <a:t>Yuantao</a:t>
-            </a:r>
-            <a:r>
-              <a:rPr lang="en-US" sz="1200" b="0" dirty="0" smtClean="0"/>
-              <a:t> </a:t>
-            </a:r>
-            <a:r>
-              <a:rPr lang="en-US" sz="1200" b="0" dirty="0" err="1" smtClean="0"/>
-              <a:t>Gu</a:t>
-            </a:r>
-            <a:r>
-              <a:rPr lang="en-US" sz="1200" b="0" dirty="0"/>
-              <a:t>. IEEE International Conference on Acoustic, Speech and Signal </a:t>
-            </a:r>
-            <a:r>
-              <a:rPr lang="en-US" sz="1200" b="0" dirty="0" smtClean="0"/>
-              <a:t>Processing. </a:t>
-            </a:r>
-            <a:r>
-              <a:rPr lang="en-US" sz="1200" b="0" dirty="0"/>
-              <a:t>2014. </a:t>
-            </a:r>
-            <a:r>
-              <a:rPr lang="en-US" sz="1200" b="0" i="1" dirty="0" smtClean="0"/>
-              <a:t>Coarsening Graph Signal with Spectral Invariance</a:t>
-            </a:r>
-          </a:p>
-          <a:p>
-            <a:pPr marL="228600" indent="-228600">
-              <a:buFont typeface="Arial" pitchFamily="34" charset="0"/>
-              <a:buAutoNum type="arabicPeriod"/>
-            </a:pPr>
-            <a:r>
-              <a:rPr lang="en-US" sz="1200" b="0" dirty="0" err="1"/>
-              <a:t>Jianbo</a:t>
-            </a:r>
-            <a:r>
-              <a:rPr lang="en-US" sz="1200" b="0" dirty="0"/>
-              <a:t> Shi and </a:t>
-            </a:r>
-            <a:r>
-              <a:rPr lang="en-US" sz="1200" b="0" dirty="0" err="1"/>
-              <a:t>Jitendra</a:t>
-            </a:r>
-            <a:r>
-              <a:rPr lang="en-US" sz="1200" b="0" dirty="0"/>
-              <a:t> Malik. IEEE TRANSACTIONS ON PATTERN ANALYSIS AND MACHINE </a:t>
-            </a:r>
-            <a:r>
-              <a:rPr lang="en-US" sz="1200" b="0" dirty="0" smtClean="0"/>
-              <a:t>INTELLIGENCE. </a:t>
-            </a:r>
-            <a:r>
-              <a:rPr lang="en-US" sz="1200" b="0" dirty="0"/>
-              <a:t>Aug 2000. </a:t>
-            </a:r>
-            <a:r>
-              <a:rPr lang="en-US" sz="1200" b="0" i="1" dirty="0"/>
-              <a:t>Normalized Cuts and Image </a:t>
-            </a:r>
-            <a:r>
-              <a:rPr lang="en-US" sz="1200" b="0" i="1" dirty="0" smtClean="0"/>
-              <a:t>Segmentation</a:t>
-            </a:r>
-          </a:p>
-          <a:p>
-            <a:pPr marL="228600" indent="-228600">
-              <a:buFont typeface="Arial" pitchFamily="34" charset="0"/>
-              <a:buAutoNum type="arabicPeriod"/>
-            </a:pPr>
-            <a:r>
-              <a:rPr lang="en-US" sz="1200" b="0" dirty="0"/>
-              <a:t>Ha Q. Nguyen and Minh N. </a:t>
-            </a:r>
-            <a:r>
-              <a:rPr lang="en-US" sz="1200" b="0" dirty="0" smtClean="0"/>
-              <a:t>Do.</a:t>
-            </a:r>
-            <a:r>
-              <a:rPr lang="en-US" sz="1200" b="0" dirty="0"/>
-              <a:t> IEEE Transactions on </a:t>
-            </a:r>
-            <a:r>
-              <a:rPr lang="en-US" sz="1200" b="0" dirty="0" smtClean="0"/>
-              <a:t>Signal Processing. </a:t>
-            </a:r>
-            <a:r>
-              <a:rPr lang="en-US" sz="1200" b="0" dirty="0"/>
-              <a:t>Jan 2015.</a:t>
-            </a:r>
-            <a:r>
-              <a:rPr lang="en-US" sz="1200" b="0" i="1" dirty="0"/>
-              <a:t> </a:t>
-            </a:r>
-            <a:r>
-              <a:rPr lang="en-US" sz="1200" b="0" i="1" dirty="0" err="1" smtClean="0"/>
-              <a:t>Downsampling</a:t>
-            </a:r>
-            <a:r>
-              <a:rPr lang="en-US" sz="1200" b="0" i="1" dirty="0" smtClean="0"/>
-              <a:t> </a:t>
-            </a:r>
-            <a:r>
-              <a:rPr lang="en-US" sz="1200" b="0" i="1" dirty="0"/>
-              <a:t>of Signals on </a:t>
-            </a:r>
-            <a:r>
-              <a:rPr lang="en-US" sz="1200" b="0" i="1" dirty="0" smtClean="0"/>
-              <a:t>Graphs Via </a:t>
-            </a:r>
-            <a:r>
-              <a:rPr lang="en-US" sz="1200" b="0" i="1" dirty="0"/>
-              <a:t>Maximum Spanning Trees</a:t>
-            </a:r>
           </a:p>
         </p:txBody>
       </p:sp>
@@ -5294,7 +5254,7 @@
       </p:sp>
       <p:sp>
         <p:nvSpPr>
-          <p:cNvPr id="8" name="Rectangle 7"/>
+          <p:cNvPr id="5" name="Rectangle 4"/>
           <p:cNvSpPr/>
           <p:nvPr/>
         </p:nvSpPr>
@@ -5336,8 +5296,16 @@
                   </a:schemeClr>
                 </a:solidFill>
               </a:rPr>
-              <a:t>NS Lab</a:t>
-            </a:r>
+              <a:t>ECE 278</a:t>
+            </a:r>
+            <a:endParaRPr lang="en-US" sz="1400" dirty="0" smtClean="0">
+              <a:solidFill>
+                <a:schemeClr val="accent6">
+                  <a:lumMod val="40000"/>
+                  <a:lumOff val="60000"/>
+                </a:schemeClr>
+              </a:solidFill>
+            </a:endParaRPr>
           </a:p>
           <a:p>
             <a:pPr algn="ctr"/>
@@ -5357,7 +5325,7 @@
       </p:sp>
       <p:sp>
         <p:nvSpPr>
-          <p:cNvPr id="9" name="Rectangle 8"/>
+          <p:cNvPr id="6" name="Rectangle 5"/>
           <p:cNvSpPr/>
           <p:nvPr/>
         </p:nvSpPr>
@@ -5404,7 +5372,7 @@
                   </a:schemeClr>
                 </a:solidFill>
               </a:rPr>
-              <a:t>Signals on Graphs</a:t>
+              <a:t>Graph-Based Segmentation</a:t>
             </a:r>
             <a:endParaRPr lang="en-US" sz="1400" dirty="0">
               <a:solidFill>
@@ -5419,7 +5387,1591 @@
       </p:sp>
       <p:sp>
         <p:nvSpPr>
-          <p:cNvPr id="10" name="Right Triangle 9"/>
+          <p:cNvPr id="7" name="Right Triangle 6"/>
+          <p:cNvSpPr/>
+          <p:nvPr/>
+        </p:nvSpPr>
+        <p:spPr>
+          <a:xfrm>
+            <a:off x="5867400" y="6400800"/>
+            <a:ext cx="609600" cy="457200"/>
+          </a:xfrm>
+          <a:prstGeom prst="rtTriangle">
+            <a:avLst/>
+          </a:prstGeom>
+          <a:ln>
+            <a:solidFill>
+              <a:schemeClr val="accent1"/>
+            </a:solidFill>
+          </a:ln>
+          <a:effectLst/>
+        </p:spPr>
+        <p:style>
+          <a:lnRef idx="1">
+            <a:schemeClr val="accent1"/>
+          </a:lnRef>
+          <a:fillRef idx="3">
+            <a:schemeClr val="accent1"/>
+          </a:fillRef>
+          <a:effectRef idx="2">
+            <a:schemeClr val="accent1"/>
+          </a:effectRef>
+          <a:fontRef idx="minor">
+            <a:schemeClr val="lt1"/>
+          </a:fontRef>
+        </p:style>
+        <p:txBody>
+          <a:bodyPr rtlCol="0" anchor="ctr"/>
+          <a:lstStyle/>
+          <a:p>
+            <a:pPr algn="ctr"/>
+            <a:endParaRPr lang="en-US"/>
+          </a:p>
+        </p:txBody>
+      </p:sp>
+      <p:pic>
+        <p:nvPicPr>
+          <p:cNvPr id="12" name="Content Placeholder 11" descr="lena512AnnYCrCbSmoothMerge.png"/>
+          <p:cNvPicPr>
+            <a:picLocks noGrp="1" noChangeAspect="1"/>
+          </p:cNvPicPr>
+          <p:nvPr>
+            <p:ph idx="1"/>
+          </p:nvPr>
+        </p:nvPicPr>
+        <p:blipFill>
+          <a:blip r:embed="rId2">
+            <a:extLst>
+              <a:ext uri="{28A0092B-C50C-407E-A947-70E740481C1C}">
+                <a14:useLocalDpi xmlns:a14="http://schemas.microsoft.com/office/drawing/2010/main" val="0"/>
+              </a:ext>
+            </a:extLst>
+          </a:blip>
+          <a:srcRect l="-37114" r="-37114"/>
+          <a:stretch>
+            <a:fillRect/>
+          </a:stretch>
+        </p:blipFill>
+        <p:spPr>
+          <a:xfrm>
+            <a:off x="2895600" y="1752600"/>
+            <a:ext cx="7315200" cy="4198620"/>
+          </a:xfrm>
+        </p:spPr>
+      </p:pic>
+      <p:pic>
+        <p:nvPicPr>
+          <p:cNvPr id="13" name="Picture 12" descr="lena.tiff"/>
+          <p:cNvPicPr>
+            <a:picLocks noChangeAspect="1"/>
+          </p:cNvPicPr>
+          <p:nvPr/>
+        </p:nvPicPr>
+        <p:blipFill>
+          <a:blip r:embed="rId3">
+            <a:extLst>
+              <a:ext uri="{28A0092B-C50C-407E-A947-70E740481C1C}">
+                <a14:useLocalDpi xmlns:a14="http://schemas.microsoft.com/office/drawing/2010/main" val="0"/>
+              </a:ext>
+            </a:extLst>
+          </a:blip>
+          <a:stretch>
+            <a:fillRect/>
+          </a:stretch>
+        </p:blipFill>
+        <p:spPr>
+          <a:xfrm>
+            <a:off x="30927" y="1752600"/>
+            <a:ext cx="4191000" cy="4191000"/>
+          </a:xfrm>
+          <a:prstGeom prst="rect">
+            <a:avLst/>
+          </a:prstGeom>
+        </p:spPr>
+      </p:pic>
+      <p:sp>
+        <p:nvSpPr>
+          <p:cNvPr id="14" name="TextBox 13"/>
+          <p:cNvSpPr txBox="1"/>
+          <p:nvPr/>
+        </p:nvSpPr>
+        <p:spPr>
+          <a:xfrm>
+            <a:off x="0" y="5867400"/>
+            <a:ext cx="1557713" cy="369332"/>
+          </a:xfrm>
+          <a:prstGeom prst="rect">
+            <a:avLst/>
+          </a:prstGeom>
+          <a:noFill/>
+        </p:spPr>
+        <p:txBody>
+          <a:bodyPr wrap="none" rtlCol="0">
+            <a:spAutoFit/>
+          </a:bodyPr>
+          <a:lstStyle/>
+          <a:p>
+            <a:r>
+              <a:rPr lang="en-US" dirty="0" smtClean="0"/>
+              <a:t>Original Lena</a:t>
+            </a:r>
+            <a:endParaRPr lang="en-US" dirty="0"/>
+          </a:p>
+        </p:txBody>
+      </p:sp>
+      <p:sp>
+        <p:nvSpPr>
+          <p:cNvPr id="15" name="TextBox 14"/>
+          <p:cNvSpPr txBox="1"/>
+          <p:nvPr/>
+        </p:nvSpPr>
+        <p:spPr>
+          <a:xfrm>
+            <a:off x="4419600" y="5867400"/>
+            <a:ext cx="2562758" cy="369332"/>
+          </a:xfrm>
+          <a:prstGeom prst="rect">
+            <a:avLst/>
+          </a:prstGeom>
+          <a:noFill/>
+        </p:spPr>
+        <p:txBody>
+          <a:bodyPr wrap="none" rtlCol="0">
+            <a:spAutoFit/>
+          </a:bodyPr>
+          <a:lstStyle/>
+          <a:p>
+            <a:r>
+              <a:rPr lang="en-US" dirty="0" err="1"/>
+              <a:t>x</a:t>
+            </a:r>
+            <a:r>
+              <a:rPr lang="en-US" dirty="0" err="1" smtClean="0"/>
+              <a:t>,y,Y,Cr,Cb</a:t>
+            </a:r>
+            <a:r>
+              <a:rPr lang="en-US" dirty="0" smtClean="0"/>
+              <a:t> space Lena</a:t>
+            </a:r>
+            <a:endParaRPr lang="en-US" dirty="0"/>
+          </a:p>
+        </p:txBody>
+      </p:sp>
+    </p:spTree>
+    <p:extLst>
+      <p:ext uri="{BB962C8B-B14F-4D97-AF65-F5344CB8AC3E}">
+        <p14:creationId xmlns:p14="http://schemas.microsoft.com/office/powerpoint/2010/main" val="554404530"/>
+      </p:ext>
+    </p:extLst>
+  </p:cSld>
+  <p:clrMapOvr>
+    <a:masterClrMapping/>
+  </p:clrMapOvr>
+</p:sld>
+</file>
+
+<file path=ppt/slides/slide6.xml><?xml version="1.0" encoding="utf-8"?>
+<p:sld xmlns:a="http://schemas.openxmlformats.org/drawingml/2006/main" xmlns:r="http://schemas.openxmlformats.org/officeDocument/2006/relationships" xmlns:p="http://schemas.openxmlformats.org/presentationml/2006/main">
+  <p:cSld>
+    <p:spTree>
+      <p:nvGrpSpPr>
+        <p:cNvPr id="1" name=""/>
+        <p:cNvGrpSpPr/>
+        <p:nvPr/>
+      </p:nvGrpSpPr>
+      <p:grpSpPr>
+        <a:xfrm>
+          <a:off x="0" y="0"/>
+          <a:ext cx="0" cy="0"/>
+          <a:chOff x="0" y="0"/>
+          <a:chExt cx="0" cy="0"/>
+        </a:xfrm>
+      </p:grpSpPr>
+      <p:sp>
+        <p:nvSpPr>
+          <p:cNvPr id="2" name="Title 1"/>
+          <p:cNvSpPr>
+            <a:spLocks noGrp="1"/>
+          </p:cNvSpPr>
+          <p:nvPr>
+            <p:ph type="title"/>
+          </p:nvPr>
+        </p:nvSpPr>
+        <p:spPr/>
+        <p:txBody>
+          <a:bodyPr/>
+          <a:lstStyle/>
+          <a:p>
+            <a:r>
+              <a:rPr lang="en-US" dirty="0"/>
+              <a:t>Multidimensional graph construct</a:t>
+            </a:r>
+          </a:p>
+        </p:txBody>
+      </p:sp>
+      <p:sp>
+        <p:nvSpPr>
+          <p:cNvPr id="4" name="Slide Number Placeholder 3"/>
+          <p:cNvSpPr>
+            <a:spLocks noGrp="1"/>
+          </p:cNvSpPr>
+          <p:nvPr>
+            <p:ph type="sldNum" sz="quarter" idx="12"/>
+          </p:nvPr>
+        </p:nvSpPr>
+        <p:spPr/>
+        <p:txBody>
+          <a:bodyPr/>
+          <a:lstStyle/>
+          <a:p>
+            <a:fld id="{F38DF745-7D3F-47F4-83A3-874385CFAA69}" type="slidenum">
+              <a:rPr lang="en-US" smtClean="0"/>
+              <a:pPr/>
+              <a:t>6</a:t>
+            </a:fld>
+            <a:endParaRPr lang="en-US"/>
+          </a:p>
+        </p:txBody>
+      </p:sp>
+      <p:sp>
+        <p:nvSpPr>
+          <p:cNvPr id="5" name="Rectangle 4"/>
+          <p:cNvSpPr/>
+          <p:nvPr/>
+        </p:nvSpPr>
+        <p:spPr>
+          <a:xfrm>
+            <a:off x="0" y="6400800"/>
+            <a:ext cx="2133600" cy="457200"/>
+          </a:xfrm>
+          <a:prstGeom prst="rect">
+            <a:avLst/>
+          </a:prstGeom>
+          <a:effectLst/>
+        </p:spPr>
+        <p:style>
+          <a:lnRef idx="1">
+            <a:schemeClr val="accent1"/>
+          </a:lnRef>
+          <a:fillRef idx="3">
+            <a:schemeClr val="accent1"/>
+          </a:fillRef>
+          <a:effectRef idx="2">
+            <a:schemeClr val="accent1"/>
+          </a:effectRef>
+          <a:fontRef idx="minor">
+            <a:schemeClr val="lt1"/>
+          </a:fontRef>
+        </p:style>
+        <p:txBody>
+          <a:bodyPr rtlCol="0" anchor="ctr"/>
+          <a:lstStyle/>
+          <a:p>
+            <a:pPr algn="ctr"/>
+            <a:r>
+              <a:rPr lang="en-US" sz="1400" dirty="0" smtClean="0">
+                <a:solidFill>
+                  <a:schemeClr val="accent6">
+                    <a:lumMod val="40000"/>
+                    <a:lumOff val="60000"/>
+                  </a:schemeClr>
+                </a:solidFill>
+              </a:rPr>
+              <a:t>ECE 278</a:t>
+            </a:r>
+            <a:endParaRPr lang="en-US" sz="1400" dirty="0" smtClean="0">
+              <a:solidFill>
+                <a:schemeClr val="accent6">
+                  <a:lumMod val="40000"/>
+                  <a:lumOff val="60000"/>
+                </a:schemeClr>
+              </a:solidFill>
+            </a:endParaRPr>
+          </a:p>
+          <a:p>
+            <a:pPr algn="ctr"/>
+            <a:r>
+              <a:rPr lang="en-US" sz="1400" dirty="0" smtClean="0">
+                <a:solidFill>
+                  <a:schemeClr val="accent6">
+                    <a:lumMod val="40000"/>
+                    <a:lumOff val="60000"/>
+                  </a:schemeClr>
+                </a:solidFill>
+              </a:rPr>
+              <a:t>Winter 2015</a:t>
+            </a:r>
+          </a:p>
+        </p:txBody>
+      </p:sp>
+      <p:sp>
+        <p:nvSpPr>
+          <p:cNvPr id="6" name="Rectangle 5"/>
+          <p:cNvSpPr/>
+          <p:nvPr/>
+        </p:nvSpPr>
+        <p:spPr>
+          <a:xfrm>
+            <a:off x="2514600" y="6400800"/>
+            <a:ext cx="3352800" cy="457200"/>
+          </a:xfrm>
+          <a:prstGeom prst="rect">
+            <a:avLst/>
+          </a:prstGeom>
+          <a:ln>
+            <a:solidFill>
+              <a:schemeClr val="accent1"/>
+            </a:solidFill>
+          </a:ln>
+          <a:effectLst/>
+        </p:spPr>
+        <p:style>
+          <a:lnRef idx="1">
+            <a:schemeClr val="accent1"/>
+          </a:lnRef>
+          <a:fillRef idx="3">
+            <a:schemeClr val="accent1"/>
+          </a:fillRef>
+          <a:effectRef idx="2">
+            <a:schemeClr val="accent1"/>
+          </a:effectRef>
+          <a:fontRef idx="minor">
+            <a:schemeClr val="lt1"/>
+          </a:fontRef>
+        </p:style>
+        <p:txBody>
+          <a:bodyPr rtlCol="0" anchor="ctr"/>
+          <a:lstStyle/>
+          <a:p>
+            <a:pPr algn="ctr"/>
+            <a:r>
+              <a:rPr lang="en-US" sz="1400" dirty="0" smtClean="0">
+                <a:solidFill>
+                  <a:schemeClr val="accent6">
+                    <a:lumMod val="40000"/>
+                    <a:lumOff val="60000"/>
+                  </a:schemeClr>
+                </a:solidFill>
+              </a:rPr>
+              <a:t>Graph-Based Segmentation</a:t>
+            </a:r>
+            <a:endParaRPr lang="en-US" sz="1400" dirty="0">
+              <a:solidFill>
+                <a:schemeClr val="accent6">
+                  <a:lumMod val="40000"/>
+                  <a:lumOff val="60000"/>
+                </a:schemeClr>
+              </a:solidFill>
+            </a:endParaRPr>
+          </a:p>
+        </p:txBody>
+      </p:sp>
+      <p:sp>
+        <p:nvSpPr>
+          <p:cNvPr id="7" name="Right Triangle 6"/>
+          <p:cNvSpPr/>
+          <p:nvPr/>
+        </p:nvSpPr>
+        <p:spPr>
+          <a:xfrm>
+            <a:off x="5867400" y="6400800"/>
+            <a:ext cx="609600" cy="457200"/>
+          </a:xfrm>
+          <a:prstGeom prst="rtTriangle">
+            <a:avLst/>
+          </a:prstGeom>
+          <a:ln>
+            <a:solidFill>
+              <a:schemeClr val="accent1"/>
+            </a:solidFill>
+          </a:ln>
+          <a:effectLst/>
+        </p:spPr>
+        <p:style>
+          <a:lnRef idx="1">
+            <a:schemeClr val="accent1"/>
+          </a:lnRef>
+          <a:fillRef idx="3">
+            <a:schemeClr val="accent1"/>
+          </a:fillRef>
+          <a:effectRef idx="2">
+            <a:schemeClr val="accent1"/>
+          </a:effectRef>
+          <a:fontRef idx="minor">
+            <a:schemeClr val="lt1"/>
+          </a:fontRef>
+        </p:style>
+        <p:txBody>
+          <a:bodyPr rtlCol="0" anchor="ctr"/>
+          <a:lstStyle/>
+          <a:p>
+            <a:pPr algn="ctr"/>
+            <a:endParaRPr lang="en-US"/>
+          </a:p>
+        </p:txBody>
+      </p:sp>
+      <p:sp>
+        <p:nvSpPr>
+          <p:cNvPr id="9" name="TextBox 8"/>
+          <p:cNvSpPr txBox="1"/>
+          <p:nvPr/>
+        </p:nvSpPr>
+        <p:spPr>
+          <a:xfrm>
+            <a:off x="0" y="5867400"/>
+            <a:ext cx="2387267" cy="369332"/>
+          </a:xfrm>
+          <a:prstGeom prst="rect">
+            <a:avLst/>
+          </a:prstGeom>
+          <a:noFill/>
+        </p:spPr>
+        <p:txBody>
+          <a:bodyPr wrap="none" rtlCol="0">
+            <a:spAutoFit/>
+          </a:bodyPr>
+          <a:lstStyle/>
+          <a:p>
+            <a:r>
+              <a:rPr lang="en-US" dirty="0" err="1" smtClean="0"/>
+              <a:t>x,y,H,S,V</a:t>
+            </a:r>
+            <a:r>
+              <a:rPr lang="en-US" dirty="0" smtClean="0"/>
+              <a:t> space Lena</a:t>
+            </a:r>
+            <a:endParaRPr lang="en-US" dirty="0"/>
+          </a:p>
+        </p:txBody>
+      </p:sp>
+      <p:pic>
+        <p:nvPicPr>
+          <p:cNvPr id="10" name="Picture 9" descr="lena512AnnHSVSmoothMerge.png"/>
+          <p:cNvPicPr>
+            <a:picLocks noChangeAspect="1"/>
+          </p:cNvPicPr>
+          <p:nvPr/>
+        </p:nvPicPr>
+        <p:blipFill>
+          <a:blip r:embed="rId2">
+            <a:extLst>
+              <a:ext uri="{28A0092B-C50C-407E-A947-70E740481C1C}">
+                <a14:useLocalDpi xmlns:a14="http://schemas.microsoft.com/office/drawing/2010/main" val="0"/>
+              </a:ext>
+            </a:extLst>
+          </a:blip>
+          <a:stretch>
+            <a:fillRect/>
+          </a:stretch>
+        </p:blipFill>
+        <p:spPr>
+          <a:xfrm>
+            <a:off x="29810" y="1600200"/>
+            <a:ext cx="4241800" cy="4241800"/>
+          </a:xfrm>
+          <a:prstGeom prst="rect">
+            <a:avLst/>
+          </a:prstGeom>
+        </p:spPr>
+      </p:pic>
+      <p:pic>
+        <p:nvPicPr>
+          <p:cNvPr id="11" name="Picture 10" descr="lena512AnnLabSmoothMerge.png"/>
+          <p:cNvPicPr>
+            <a:picLocks noChangeAspect="1"/>
+          </p:cNvPicPr>
+          <p:nvPr/>
+        </p:nvPicPr>
+        <p:blipFill>
+          <a:blip r:embed="rId3">
+            <a:extLst>
+              <a:ext uri="{28A0092B-C50C-407E-A947-70E740481C1C}">
+                <a14:useLocalDpi xmlns:a14="http://schemas.microsoft.com/office/drawing/2010/main" val="0"/>
+              </a:ext>
+            </a:extLst>
+          </a:blip>
+          <a:stretch>
+            <a:fillRect/>
+          </a:stretch>
+        </p:blipFill>
+        <p:spPr>
+          <a:xfrm>
+            <a:off x="4419600" y="1600200"/>
+            <a:ext cx="4241800" cy="4241800"/>
+          </a:xfrm>
+          <a:prstGeom prst="rect">
+            <a:avLst/>
+          </a:prstGeom>
+        </p:spPr>
+      </p:pic>
+      <p:sp>
+        <p:nvSpPr>
+          <p:cNvPr id="12" name="TextBox 11"/>
+          <p:cNvSpPr txBox="1"/>
+          <p:nvPr/>
+        </p:nvSpPr>
+        <p:spPr>
+          <a:xfrm>
+            <a:off x="4419600" y="5791200"/>
+            <a:ext cx="2348945" cy="369332"/>
+          </a:xfrm>
+          <a:prstGeom prst="rect">
+            <a:avLst/>
+          </a:prstGeom>
+          <a:noFill/>
+        </p:spPr>
+        <p:txBody>
+          <a:bodyPr wrap="none" rtlCol="0">
+            <a:spAutoFit/>
+          </a:bodyPr>
+          <a:lstStyle/>
+          <a:p>
+            <a:r>
+              <a:rPr lang="en-US" dirty="0" err="1" smtClean="0"/>
+              <a:t>x,y,L,</a:t>
+            </a:r>
+            <a:r>
+              <a:rPr lang="en-US" dirty="0" err="1"/>
+              <a:t>A</a:t>
+            </a:r>
+            <a:r>
+              <a:rPr lang="en-US" dirty="0" err="1" smtClean="0"/>
+              <a:t>,</a:t>
+            </a:r>
+            <a:r>
+              <a:rPr lang="en-US" dirty="0" err="1"/>
+              <a:t>B</a:t>
+            </a:r>
+            <a:r>
+              <a:rPr lang="en-US" dirty="0" smtClean="0"/>
+              <a:t> space Lena</a:t>
+            </a:r>
+            <a:endParaRPr lang="en-US" dirty="0"/>
+          </a:p>
+        </p:txBody>
+      </p:sp>
+    </p:spTree>
+    <p:extLst>
+      <p:ext uri="{BB962C8B-B14F-4D97-AF65-F5344CB8AC3E}">
+        <p14:creationId xmlns:p14="http://schemas.microsoft.com/office/powerpoint/2010/main" val="3078452440"/>
+      </p:ext>
+    </p:extLst>
+  </p:cSld>
+  <p:clrMapOvr>
+    <a:masterClrMapping/>
+  </p:clrMapOvr>
+</p:sld>
+</file>
+
+<file path=ppt/slides/slide7.xml><?xml version="1.0" encoding="utf-8"?>
+<p:sld xmlns:a="http://schemas.openxmlformats.org/drawingml/2006/main" xmlns:r="http://schemas.openxmlformats.org/officeDocument/2006/relationships" xmlns:p="http://schemas.openxmlformats.org/presentationml/2006/main">
+  <p:cSld>
+    <p:spTree>
+      <p:nvGrpSpPr>
+        <p:cNvPr id="1" name=""/>
+        <p:cNvGrpSpPr/>
+        <p:nvPr/>
+      </p:nvGrpSpPr>
+      <p:grpSpPr>
+        <a:xfrm>
+          <a:off x="0" y="0"/>
+          <a:ext cx="0" cy="0"/>
+          <a:chOff x="0" y="0"/>
+          <a:chExt cx="0" cy="0"/>
+        </a:xfrm>
+      </p:grpSpPr>
+      <p:sp>
+        <p:nvSpPr>
+          <p:cNvPr id="2" name="Title 1"/>
+          <p:cNvSpPr>
+            <a:spLocks noGrp="1"/>
+          </p:cNvSpPr>
+          <p:nvPr>
+            <p:ph type="title"/>
+          </p:nvPr>
+        </p:nvSpPr>
+        <p:spPr/>
+        <p:txBody>
+          <a:bodyPr/>
+          <a:lstStyle/>
+          <a:p>
+            <a:r>
+              <a:rPr lang="en-US" dirty="0" err="1" smtClean="0"/>
+              <a:t>MultiDim</a:t>
+            </a:r>
+            <a:r>
+              <a:rPr lang="en-US" dirty="0" smtClean="0"/>
+              <a:t>. Implementation</a:t>
+            </a:r>
+            <a:endParaRPr lang="en-US" dirty="0"/>
+          </a:p>
+        </p:txBody>
+      </p:sp>
+      <p:sp>
+        <p:nvSpPr>
+          <p:cNvPr id="3" name="Content Placeholder 2"/>
+          <p:cNvSpPr>
+            <a:spLocks noGrp="1"/>
+          </p:cNvSpPr>
+          <p:nvPr>
+            <p:ph idx="1"/>
+          </p:nvPr>
+        </p:nvSpPr>
+        <p:spPr/>
+        <p:txBody>
+          <a:bodyPr/>
+          <a:lstStyle/>
+          <a:p>
+            <a:r>
+              <a:rPr lang="en-US" dirty="0" smtClean="0"/>
+              <a:t>Distance between pixels is measured by L2 distance in 5-D space.</a:t>
+            </a:r>
+          </a:p>
+          <a:p>
+            <a:endParaRPr lang="en-US" dirty="0"/>
+          </a:p>
+          <a:p>
+            <a:r>
+              <a:rPr lang="en-US" dirty="0" smtClean="0"/>
+              <a:t>Exact k-</a:t>
+            </a:r>
+            <a:r>
+              <a:rPr lang="en-US" dirty="0"/>
+              <a:t>n</a:t>
+            </a:r>
+            <a:r>
+              <a:rPr lang="en-US" dirty="0" smtClean="0"/>
+              <a:t>earest </a:t>
+            </a:r>
+            <a:r>
+              <a:rPr lang="en-US" dirty="0"/>
+              <a:t>n</a:t>
+            </a:r>
+            <a:r>
+              <a:rPr lang="en-US" dirty="0" smtClean="0"/>
+              <a:t>eighbor for every pixel runs too slowly (~30 minutes for 512x512 image).</a:t>
+            </a:r>
+          </a:p>
+          <a:p>
+            <a:endParaRPr lang="en-US" dirty="0"/>
+          </a:p>
+          <a:p>
+            <a:r>
+              <a:rPr lang="en-US" dirty="0" smtClean="0"/>
+              <a:t>Approximate k-nearest neighbor runs in 2 or 3 minutes for image of the same size.</a:t>
+            </a:r>
+          </a:p>
+        </p:txBody>
+      </p:sp>
+      <p:sp>
+        <p:nvSpPr>
+          <p:cNvPr id="4" name="Slide Number Placeholder 3"/>
+          <p:cNvSpPr>
+            <a:spLocks noGrp="1"/>
+          </p:cNvSpPr>
+          <p:nvPr>
+            <p:ph type="sldNum" sz="quarter" idx="12"/>
+          </p:nvPr>
+        </p:nvSpPr>
+        <p:spPr/>
+        <p:txBody>
+          <a:bodyPr/>
+          <a:lstStyle/>
+          <a:p>
+            <a:fld id="{F38DF745-7D3F-47F4-83A3-874385CFAA69}" type="slidenum">
+              <a:rPr lang="en-US" smtClean="0"/>
+              <a:pPr/>
+              <a:t>7</a:t>
+            </a:fld>
+            <a:endParaRPr lang="en-US"/>
+          </a:p>
+        </p:txBody>
+      </p:sp>
+      <p:sp>
+        <p:nvSpPr>
+          <p:cNvPr id="5" name="Rectangle 4"/>
+          <p:cNvSpPr/>
+          <p:nvPr/>
+        </p:nvSpPr>
+        <p:spPr>
+          <a:xfrm>
+            <a:off x="0" y="6400800"/>
+            <a:ext cx="2133600" cy="457200"/>
+          </a:xfrm>
+          <a:prstGeom prst="rect">
+            <a:avLst/>
+          </a:prstGeom>
+          <a:effectLst/>
+        </p:spPr>
+        <p:style>
+          <a:lnRef idx="1">
+            <a:schemeClr val="accent1"/>
+          </a:lnRef>
+          <a:fillRef idx="3">
+            <a:schemeClr val="accent1"/>
+          </a:fillRef>
+          <a:effectRef idx="2">
+            <a:schemeClr val="accent1"/>
+          </a:effectRef>
+          <a:fontRef idx="minor">
+            <a:schemeClr val="lt1"/>
+          </a:fontRef>
+        </p:style>
+        <p:txBody>
+          <a:bodyPr rtlCol="0" anchor="ctr"/>
+          <a:lstStyle/>
+          <a:p>
+            <a:pPr algn="ctr"/>
+            <a:r>
+              <a:rPr lang="en-US" sz="1400" dirty="0" smtClean="0">
+                <a:solidFill>
+                  <a:schemeClr val="accent6">
+                    <a:lumMod val="40000"/>
+                    <a:lumOff val="60000"/>
+                  </a:schemeClr>
+                </a:solidFill>
+              </a:rPr>
+              <a:t>ECE 278</a:t>
+            </a:r>
+            <a:endParaRPr lang="en-US" sz="1400" dirty="0" smtClean="0">
+              <a:solidFill>
+                <a:schemeClr val="accent6">
+                  <a:lumMod val="40000"/>
+                  <a:lumOff val="60000"/>
+                </a:schemeClr>
+              </a:solidFill>
+            </a:endParaRPr>
+          </a:p>
+          <a:p>
+            <a:pPr algn="ctr"/>
+            <a:r>
+              <a:rPr lang="en-US" sz="1400" dirty="0" smtClean="0">
+                <a:solidFill>
+                  <a:schemeClr val="accent6">
+                    <a:lumMod val="40000"/>
+                    <a:lumOff val="60000"/>
+                  </a:schemeClr>
+                </a:solidFill>
+              </a:rPr>
+              <a:t>Winter 2015</a:t>
+            </a:r>
+          </a:p>
+        </p:txBody>
+      </p:sp>
+      <p:sp>
+        <p:nvSpPr>
+          <p:cNvPr id="6" name="Rectangle 5"/>
+          <p:cNvSpPr/>
+          <p:nvPr/>
+        </p:nvSpPr>
+        <p:spPr>
+          <a:xfrm>
+            <a:off x="2514600" y="6400800"/>
+            <a:ext cx="3352800" cy="457200"/>
+          </a:xfrm>
+          <a:prstGeom prst="rect">
+            <a:avLst/>
+          </a:prstGeom>
+          <a:ln>
+            <a:solidFill>
+              <a:schemeClr val="accent1"/>
+            </a:solidFill>
+          </a:ln>
+          <a:effectLst/>
+        </p:spPr>
+        <p:style>
+          <a:lnRef idx="1">
+            <a:schemeClr val="accent1"/>
+          </a:lnRef>
+          <a:fillRef idx="3">
+            <a:schemeClr val="accent1"/>
+          </a:fillRef>
+          <a:effectRef idx="2">
+            <a:schemeClr val="accent1"/>
+          </a:effectRef>
+          <a:fontRef idx="minor">
+            <a:schemeClr val="lt1"/>
+          </a:fontRef>
+        </p:style>
+        <p:txBody>
+          <a:bodyPr rtlCol="0" anchor="ctr"/>
+          <a:lstStyle/>
+          <a:p>
+            <a:pPr algn="ctr"/>
+            <a:r>
+              <a:rPr lang="en-US" sz="1400" dirty="0" smtClean="0">
+                <a:solidFill>
+                  <a:schemeClr val="accent6">
+                    <a:lumMod val="40000"/>
+                    <a:lumOff val="60000"/>
+                  </a:schemeClr>
+                </a:solidFill>
+              </a:rPr>
+              <a:t>Graph-Based Segmentation</a:t>
+            </a:r>
+            <a:endParaRPr lang="en-US" sz="1400" dirty="0">
+              <a:solidFill>
+                <a:schemeClr val="accent6">
+                  <a:lumMod val="40000"/>
+                  <a:lumOff val="60000"/>
+                </a:schemeClr>
+              </a:solidFill>
+            </a:endParaRPr>
+          </a:p>
+        </p:txBody>
+      </p:sp>
+      <p:sp>
+        <p:nvSpPr>
+          <p:cNvPr id="7" name="Right Triangle 6"/>
+          <p:cNvSpPr/>
+          <p:nvPr/>
+        </p:nvSpPr>
+        <p:spPr>
+          <a:xfrm>
+            <a:off x="5867400" y="6400800"/>
+            <a:ext cx="609600" cy="457200"/>
+          </a:xfrm>
+          <a:prstGeom prst="rtTriangle">
+            <a:avLst/>
+          </a:prstGeom>
+          <a:ln>
+            <a:solidFill>
+              <a:schemeClr val="accent1"/>
+            </a:solidFill>
+          </a:ln>
+          <a:effectLst/>
+        </p:spPr>
+        <p:style>
+          <a:lnRef idx="1">
+            <a:schemeClr val="accent1"/>
+          </a:lnRef>
+          <a:fillRef idx="3">
+            <a:schemeClr val="accent1"/>
+          </a:fillRef>
+          <a:effectRef idx="2">
+            <a:schemeClr val="accent1"/>
+          </a:effectRef>
+          <a:fontRef idx="minor">
+            <a:schemeClr val="lt1"/>
+          </a:fontRef>
+        </p:style>
+        <p:txBody>
+          <a:bodyPr rtlCol="0" anchor="ctr"/>
+          <a:lstStyle/>
+          <a:p>
+            <a:pPr algn="ctr"/>
+            <a:endParaRPr lang="en-US"/>
+          </a:p>
+        </p:txBody>
+      </p:sp>
+    </p:spTree>
+    <p:extLst>
+      <p:ext uri="{BB962C8B-B14F-4D97-AF65-F5344CB8AC3E}">
+        <p14:creationId xmlns:p14="http://schemas.microsoft.com/office/powerpoint/2010/main" val="302842593"/>
+      </p:ext>
+    </p:extLst>
+  </p:cSld>
+  <p:clrMapOvr>
+    <a:masterClrMapping/>
+  </p:clrMapOvr>
+</p:sld>
+</file>
+
+<file path=ppt/slides/slide8.xml><?xml version="1.0" encoding="utf-8"?>
+<p:sld xmlns:a="http://schemas.openxmlformats.org/drawingml/2006/main" xmlns:r="http://schemas.openxmlformats.org/officeDocument/2006/relationships" xmlns:p="http://schemas.openxmlformats.org/presentationml/2006/main">
+  <p:cSld>
+    <p:spTree>
+      <p:nvGrpSpPr>
+        <p:cNvPr id="1" name=""/>
+        <p:cNvGrpSpPr/>
+        <p:nvPr/>
+      </p:nvGrpSpPr>
+      <p:grpSpPr>
+        <a:xfrm>
+          <a:off x="0" y="0"/>
+          <a:ext cx="0" cy="0"/>
+          <a:chOff x="0" y="0"/>
+          <a:chExt cx="0" cy="0"/>
+        </a:xfrm>
+      </p:grpSpPr>
+      <p:sp>
+        <p:nvSpPr>
+          <p:cNvPr id="2" name="Title 1"/>
+          <p:cNvSpPr>
+            <a:spLocks noGrp="1"/>
+          </p:cNvSpPr>
+          <p:nvPr>
+            <p:ph type="title"/>
+          </p:nvPr>
+        </p:nvSpPr>
+        <p:spPr/>
+        <p:txBody>
+          <a:bodyPr/>
+          <a:lstStyle/>
+          <a:p>
+            <a:r>
+              <a:rPr lang="en-US" dirty="0" smtClean="0"/>
+              <a:t>Performance</a:t>
+            </a:r>
+            <a:endParaRPr lang="en-US" dirty="0"/>
+          </a:p>
+        </p:txBody>
+      </p:sp>
+      <p:sp>
+        <p:nvSpPr>
+          <p:cNvPr id="3" name="Content Placeholder 2"/>
+          <p:cNvSpPr>
+            <a:spLocks noGrp="1"/>
+          </p:cNvSpPr>
+          <p:nvPr>
+            <p:ph idx="1"/>
+          </p:nvPr>
+        </p:nvSpPr>
+        <p:spPr/>
+        <p:txBody>
+          <a:bodyPr/>
+          <a:lstStyle/>
+          <a:p>
+            <a:r>
+              <a:rPr lang="en-US" dirty="0" smtClean="0"/>
+              <a:t>MATLAB scripts</a:t>
+            </a:r>
+            <a:endParaRPr lang="en-US" dirty="0"/>
+          </a:p>
+        </p:txBody>
+      </p:sp>
+      <p:sp>
+        <p:nvSpPr>
+          <p:cNvPr id="4" name="Slide Number Placeholder 3"/>
+          <p:cNvSpPr>
+            <a:spLocks noGrp="1"/>
+          </p:cNvSpPr>
+          <p:nvPr>
+            <p:ph type="sldNum" sz="quarter" idx="12"/>
+          </p:nvPr>
+        </p:nvSpPr>
+        <p:spPr/>
+        <p:txBody>
+          <a:bodyPr/>
+          <a:lstStyle/>
+          <a:p>
+            <a:fld id="{F38DF745-7D3F-47F4-83A3-874385CFAA69}" type="slidenum">
+              <a:rPr lang="en-US" smtClean="0"/>
+              <a:pPr/>
+              <a:t>8</a:t>
+            </a:fld>
+            <a:endParaRPr lang="en-US"/>
+          </a:p>
+        </p:txBody>
+      </p:sp>
+      <p:sp>
+        <p:nvSpPr>
+          <p:cNvPr id="5" name="Rectangle 4"/>
+          <p:cNvSpPr/>
+          <p:nvPr/>
+        </p:nvSpPr>
+        <p:spPr>
+          <a:xfrm>
+            <a:off x="0" y="6400800"/>
+            <a:ext cx="2133600" cy="457200"/>
+          </a:xfrm>
+          <a:prstGeom prst="rect">
+            <a:avLst/>
+          </a:prstGeom>
+          <a:effectLst/>
+        </p:spPr>
+        <p:style>
+          <a:lnRef idx="1">
+            <a:schemeClr val="accent1"/>
+          </a:lnRef>
+          <a:fillRef idx="3">
+            <a:schemeClr val="accent1"/>
+          </a:fillRef>
+          <a:effectRef idx="2">
+            <a:schemeClr val="accent1"/>
+          </a:effectRef>
+          <a:fontRef idx="minor">
+            <a:schemeClr val="lt1"/>
+          </a:fontRef>
+        </p:style>
+        <p:txBody>
+          <a:bodyPr rtlCol="0" anchor="ctr"/>
+          <a:lstStyle/>
+          <a:p>
+            <a:pPr algn="ctr"/>
+            <a:r>
+              <a:rPr lang="en-US" sz="1400" dirty="0" smtClean="0">
+                <a:solidFill>
+                  <a:schemeClr val="accent6">
+                    <a:lumMod val="40000"/>
+                    <a:lumOff val="60000"/>
+                  </a:schemeClr>
+                </a:solidFill>
+              </a:rPr>
+              <a:t>ECE 278</a:t>
+            </a:r>
+            <a:endParaRPr lang="en-US" sz="1400" dirty="0" smtClean="0">
+              <a:solidFill>
+                <a:schemeClr val="accent6">
+                  <a:lumMod val="40000"/>
+                  <a:lumOff val="60000"/>
+                </a:schemeClr>
+              </a:solidFill>
+            </a:endParaRPr>
+          </a:p>
+          <a:p>
+            <a:pPr algn="ctr"/>
+            <a:r>
+              <a:rPr lang="en-US" sz="1400" dirty="0" smtClean="0">
+                <a:solidFill>
+                  <a:schemeClr val="accent6">
+                    <a:lumMod val="40000"/>
+                    <a:lumOff val="60000"/>
+                  </a:schemeClr>
+                </a:solidFill>
+              </a:rPr>
+              <a:t>Winter 2015</a:t>
+            </a:r>
+          </a:p>
+        </p:txBody>
+      </p:sp>
+      <p:sp>
+        <p:nvSpPr>
+          <p:cNvPr id="6" name="Rectangle 5"/>
+          <p:cNvSpPr/>
+          <p:nvPr/>
+        </p:nvSpPr>
+        <p:spPr>
+          <a:xfrm>
+            <a:off x="2514600" y="6400800"/>
+            <a:ext cx="3352800" cy="457200"/>
+          </a:xfrm>
+          <a:prstGeom prst="rect">
+            <a:avLst/>
+          </a:prstGeom>
+          <a:ln>
+            <a:solidFill>
+              <a:schemeClr val="accent1"/>
+            </a:solidFill>
+          </a:ln>
+          <a:effectLst/>
+        </p:spPr>
+        <p:style>
+          <a:lnRef idx="1">
+            <a:schemeClr val="accent1"/>
+          </a:lnRef>
+          <a:fillRef idx="3">
+            <a:schemeClr val="accent1"/>
+          </a:fillRef>
+          <a:effectRef idx="2">
+            <a:schemeClr val="accent1"/>
+          </a:effectRef>
+          <a:fontRef idx="minor">
+            <a:schemeClr val="lt1"/>
+          </a:fontRef>
+        </p:style>
+        <p:txBody>
+          <a:bodyPr rtlCol="0" anchor="ctr"/>
+          <a:lstStyle/>
+          <a:p>
+            <a:pPr algn="ctr"/>
+            <a:r>
+              <a:rPr lang="en-US" sz="1400" dirty="0" smtClean="0">
+                <a:solidFill>
+                  <a:schemeClr val="accent6">
+                    <a:lumMod val="40000"/>
+                    <a:lumOff val="60000"/>
+                  </a:schemeClr>
+                </a:solidFill>
+              </a:rPr>
+              <a:t>Graph-Based Segmentation</a:t>
+            </a:r>
+            <a:endParaRPr lang="en-US" sz="1400" dirty="0">
+              <a:solidFill>
+                <a:schemeClr val="accent6">
+                  <a:lumMod val="40000"/>
+                  <a:lumOff val="60000"/>
+                </a:schemeClr>
+              </a:solidFill>
+            </a:endParaRPr>
+          </a:p>
+        </p:txBody>
+      </p:sp>
+      <p:sp>
+        <p:nvSpPr>
+          <p:cNvPr id="7" name="Right Triangle 6"/>
+          <p:cNvSpPr/>
+          <p:nvPr/>
+        </p:nvSpPr>
+        <p:spPr>
+          <a:xfrm>
+            <a:off x="5867400" y="6400800"/>
+            <a:ext cx="609600" cy="457200"/>
+          </a:xfrm>
+          <a:prstGeom prst="rtTriangle">
+            <a:avLst/>
+          </a:prstGeom>
+          <a:ln>
+            <a:solidFill>
+              <a:schemeClr val="accent1"/>
+            </a:solidFill>
+          </a:ln>
+          <a:effectLst/>
+        </p:spPr>
+        <p:style>
+          <a:lnRef idx="1">
+            <a:schemeClr val="accent1"/>
+          </a:lnRef>
+          <a:fillRef idx="3">
+            <a:schemeClr val="accent1"/>
+          </a:fillRef>
+          <a:effectRef idx="2">
+            <a:schemeClr val="accent1"/>
+          </a:effectRef>
+          <a:fontRef idx="minor">
+            <a:schemeClr val="lt1"/>
+          </a:fontRef>
+        </p:style>
+        <p:txBody>
+          <a:bodyPr rtlCol="0" anchor="ctr"/>
+          <a:lstStyle/>
+          <a:p>
+            <a:pPr algn="ctr"/>
+            <a:endParaRPr lang="en-US"/>
+          </a:p>
+        </p:txBody>
+      </p:sp>
+    </p:spTree>
+    <p:extLst>
+      <p:ext uri="{BB962C8B-B14F-4D97-AF65-F5344CB8AC3E}">
+        <p14:creationId xmlns:p14="http://schemas.microsoft.com/office/powerpoint/2010/main" val="2206376881"/>
+      </p:ext>
+    </p:extLst>
+  </p:cSld>
+  <p:clrMapOvr>
+    <a:masterClrMapping/>
+  </p:clrMapOvr>
+</p:sld>
+</file>
+
+<file path=ppt/slides/slide9.xml><?xml version="1.0" encoding="utf-8"?>
+<p:sld xmlns:a="http://schemas.openxmlformats.org/drawingml/2006/main" xmlns:r="http://schemas.openxmlformats.org/officeDocument/2006/relationships" xmlns:p="http://schemas.openxmlformats.org/presentationml/2006/main">
+  <p:cSld>
+    <p:spTree>
+      <p:nvGrpSpPr>
+        <p:cNvPr id="1" name=""/>
+        <p:cNvGrpSpPr/>
+        <p:nvPr/>
+      </p:nvGrpSpPr>
+      <p:grpSpPr>
+        <a:xfrm>
+          <a:off x="0" y="0"/>
+          <a:ext cx="0" cy="0"/>
+          <a:chOff x="0" y="0"/>
+          <a:chExt cx="0" cy="0"/>
+        </a:xfrm>
+      </p:grpSpPr>
+      <p:sp>
+        <p:nvSpPr>
+          <p:cNvPr id="2" name="Title 1"/>
+          <p:cNvSpPr>
+            <a:spLocks noGrp="1"/>
+          </p:cNvSpPr>
+          <p:nvPr>
+            <p:ph type="title"/>
+          </p:nvPr>
+        </p:nvSpPr>
+        <p:spPr/>
+        <p:txBody>
+          <a:bodyPr/>
+          <a:lstStyle/>
+          <a:p>
+            <a:r>
+              <a:rPr lang="en-US" dirty="0" smtClean="0"/>
+              <a:t>References</a:t>
+            </a:r>
+            <a:endParaRPr lang="en-US" dirty="0"/>
+          </a:p>
+        </p:txBody>
+      </p:sp>
+      <p:sp>
+        <p:nvSpPr>
+          <p:cNvPr id="3" name="Content Placeholder 2"/>
+          <p:cNvSpPr>
+            <a:spLocks noGrp="1"/>
+          </p:cNvSpPr>
+          <p:nvPr>
+            <p:ph idx="1"/>
+          </p:nvPr>
+        </p:nvSpPr>
+        <p:spPr/>
+        <p:txBody>
+          <a:bodyPr>
+            <a:normAutofit/>
+          </a:bodyPr>
+          <a:lstStyle/>
+          <a:p>
+            <a:pPr marL="228600" indent="-228600">
+              <a:buAutoNum type="arabicPeriod"/>
+            </a:pPr>
+            <a:r>
+              <a:rPr lang="en-US" sz="1200" b="0" dirty="0"/>
+              <a:t>David I Shuman, Sunil K. </a:t>
+            </a:r>
+            <a:r>
+              <a:rPr lang="en-US" sz="1200" b="0" dirty="0" err="1"/>
+              <a:t>Narang</a:t>
+            </a:r>
+            <a:r>
+              <a:rPr lang="en-US" sz="1200" b="0" dirty="0"/>
+              <a:t>, Pascal </a:t>
+            </a:r>
+            <a:r>
+              <a:rPr lang="en-US" sz="1200" b="0" dirty="0" err="1"/>
+              <a:t>Frossard</a:t>
+            </a:r>
+            <a:r>
+              <a:rPr lang="en-US" sz="1200" b="0" dirty="0"/>
+              <a:t>, Antonio Ortega, and Pierre </a:t>
+            </a:r>
+            <a:r>
+              <a:rPr lang="en-US" sz="1200" b="0" dirty="0" err="1"/>
+              <a:t>Vandergheynst</a:t>
+            </a:r>
+            <a:r>
+              <a:rPr lang="en-US" sz="1200" b="0" dirty="0"/>
+              <a:t>. IEEE Signal Processing Magazine. May 2013. </a:t>
+            </a:r>
+            <a:r>
+              <a:rPr lang="en-US" sz="1200" b="0" i="1" dirty="0"/>
+              <a:t>The Emerging Field of Signal Processing on Graphs</a:t>
+            </a:r>
+            <a:r>
+              <a:rPr lang="en-US" sz="1200" b="0" dirty="0"/>
+              <a:t>. </a:t>
+            </a:r>
+            <a:r>
+              <a:rPr lang="en-US" sz="1200" b="0" dirty="0">
+                <a:hlinkClick r:id="rId2"/>
+              </a:rPr>
+              <a:t>http://ieeexplore.ieee.org/stamp/stamp.jsp?arnumber=</a:t>
+            </a:r>
+            <a:r>
+              <a:rPr lang="en-US" sz="1200" b="0" dirty="0" smtClean="0">
+                <a:hlinkClick r:id="rId2"/>
+              </a:rPr>
+              <a:t>6494675</a:t>
+            </a:r>
+            <a:endParaRPr lang="en-US" sz="1200" b="0" dirty="0" smtClean="0"/>
+          </a:p>
+          <a:p>
+            <a:pPr marL="228600" indent="-228600">
+              <a:buFont typeface="Arial" pitchFamily="34" charset="0"/>
+              <a:buAutoNum type="arabicPeriod"/>
+            </a:pPr>
+            <a:r>
+              <a:rPr lang="en-US" sz="1200" b="0" dirty="0" err="1" smtClean="0"/>
+              <a:t>Pengfei</a:t>
+            </a:r>
+            <a:r>
+              <a:rPr lang="en-US" sz="1200" b="0" dirty="0" smtClean="0"/>
+              <a:t> </a:t>
+            </a:r>
+            <a:r>
+              <a:rPr lang="en-US" sz="1200" b="0" dirty="0" err="1" smtClean="0"/>
+              <a:t>Lui</a:t>
+            </a:r>
+            <a:r>
+              <a:rPr lang="en-US" sz="1200" b="0" dirty="0" smtClean="0"/>
+              <a:t>, </a:t>
+            </a:r>
+            <a:r>
+              <a:rPr lang="en-US" sz="1200" b="0" dirty="0" err="1" smtClean="0"/>
+              <a:t>Xiaohan</a:t>
+            </a:r>
+            <a:r>
+              <a:rPr lang="en-US" sz="1200" b="0" dirty="0" smtClean="0"/>
+              <a:t> Wang, </a:t>
+            </a:r>
+            <a:r>
+              <a:rPr lang="en-US" sz="1200" b="0" dirty="0" err="1" smtClean="0"/>
+              <a:t>Yuantao</a:t>
+            </a:r>
+            <a:r>
+              <a:rPr lang="en-US" sz="1200" b="0" dirty="0" smtClean="0"/>
+              <a:t> </a:t>
+            </a:r>
+            <a:r>
+              <a:rPr lang="en-US" sz="1200" b="0" dirty="0" err="1" smtClean="0"/>
+              <a:t>Gu</a:t>
+            </a:r>
+            <a:r>
+              <a:rPr lang="en-US" sz="1200" b="0" dirty="0"/>
+              <a:t>. IEEE International Conference on Acoustic, Speech and Signal </a:t>
+            </a:r>
+            <a:r>
+              <a:rPr lang="en-US" sz="1200" b="0" dirty="0" smtClean="0"/>
+              <a:t>Processing. </a:t>
+            </a:r>
+            <a:r>
+              <a:rPr lang="en-US" sz="1200" b="0" dirty="0"/>
+              <a:t>2014. </a:t>
+            </a:r>
+            <a:r>
+              <a:rPr lang="en-US" sz="1200" b="0" i="1" dirty="0" smtClean="0"/>
+              <a:t>Coarsening Graph Signal with Spectral Invariance</a:t>
+            </a:r>
+          </a:p>
+          <a:p>
+            <a:pPr marL="228600" indent="-228600">
+              <a:buFont typeface="Arial" pitchFamily="34" charset="0"/>
+              <a:buAutoNum type="arabicPeriod"/>
+            </a:pPr>
+            <a:r>
+              <a:rPr lang="en-US" sz="1200" b="0" dirty="0" err="1"/>
+              <a:t>Jianbo</a:t>
+            </a:r>
+            <a:r>
+              <a:rPr lang="en-US" sz="1200" b="0" dirty="0"/>
+              <a:t> Shi and </a:t>
+            </a:r>
+            <a:r>
+              <a:rPr lang="en-US" sz="1200" b="0" dirty="0" err="1"/>
+              <a:t>Jitendra</a:t>
+            </a:r>
+            <a:r>
+              <a:rPr lang="en-US" sz="1200" b="0" dirty="0"/>
+              <a:t> Malik. IEEE TRANSACTIONS ON PATTERN ANALYSIS AND MACHINE </a:t>
+            </a:r>
+            <a:r>
+              <a:rPr lang="en-US" sz="1200" b="0" dirty="0" smtClean="0"/>
+              <a:t>INTELLIGENCE. </a:t>
+            </a:r>
+            <a:r>
+              <a:rPr lang="en-US" sz="1200" b="0" dirty="0"/>
+              <a:t>Aug 2000. </a:t>
+            </a:r>
+            <a:r>
+              <a:rPr lang="en-US" sz="1200" b="0" i="1" dirty="0"/>
+              <a:t>Normalized Cuts and Image </a:t>
+            </a:r>
+            <a:r>
+              <a:rPr lang="en-US" sz="1200" b="0" i="1" dirty="0" smtClean="0"/>
+              <a:t>Segmentation</a:t>
+            </a:r>
+          </a:p>
+          <a:p>
+            <a:pPr marL="228600" indent="-228600">
+              <a:buFont typeface="Arial" pitchFamily="34" charset="0"/>
+              <a:buAutoNum type="arabicPeriod"/>
+            </a:pPr>
+            <a:r>
+              <a:rPr lang="en-US" sz="1200" b="0" dirty="0"/>
+              <a:t>Ha Q. Nguyen and Minh N. </a:t>
+            </a:r>
+            <a:r>
+              <a:rPr lang="en-US" sz="1200" b="0" dirty="0" smtClean="0"/>
+              <a:t>Do.</a:t>
+            </a:r>
+            <a:r>
+              <a:rPr lang="en-US" sz="1200" b="0" dirty="0"/>
+              <a:t> IEEE Transactions on </a:t>
+            </a:r>
+            <a:r>
+              <a:rPr lang="en-US" sz="1200" b="0" dirty="0" smtClean="0"/>
+              <a:t>Signal Processing. </a:t>
+            </a:r>
+            <a:r>
+              <a:rPr lang="en-US" sz="1200" b="0" dirty="0"/>
+              <a:t>Jan 2015.</a:t>
+            </a:r>
+            <a:r>
+              <a:rPr lang="en-US" sz="1200" b="0" i="1" dirty="0"/>
+              <a:t> </a:t>
+            </a:r>
+            <a:r>
+              <a:rPr lang="en-US" sz="1200" b="0" i="1" dirty="0" err="1" smtClean="0"/>
+              <a:t>Downsampling</a:t>
+            </a:r>
+            <a:r>
+              <a:rPr lang="en-US" sz="1200" b="0" i="1" dirty="0" smtClean="0"/>
+              <a:t> </a:t>
+            </a:r>
+            <a:r>
+              <a:rPr lang="en-US" sz="1200" b="0" i="1" dirty="0"/>
+              <a:t>of Signals on </a:t>
+            </a:r>
+            <a:r>
+              <a:rPr lang="en-US" sz="1200" b="0" i="1" dirty="0" smtClean="0"/>
+              <a:t>Graphs Via </a:t>
+            </a:r>
+            <a:r>
+              <a:rPr lang="en-US" sz="1200" b="0" i="1" dirty="0"/>
+              <a:t>Maximum Spanning Trees</a:t>
+            </a:r>
+          </a:p>
+        </p:txBody>
+      </p:sp>
+      <p:sp>
+        <p:nvSpPr>
+          <p:cNvPr id="4" name="Slide Number Placeholder 3"/>
+          <p:cNvSpPr>
+            <a:spLocks noGrp="1"/>
+          </p:cNvSpPr>
+          <p:nvPr>
+            <p:ph type="sldNum" sz="quarter" idx="12"/>
+          </p:nvPr>
+        </p:nvSpPr>
+        <p:spPr/>
+        <p:txBody>
+          <a:bodyPr/>
+          <a:lstStyle/>
+          <a:p>
+            <a:fld id="{F38DF745-7D3F-47F4-83A3-874385CFAA69}" type="slidenum">
+              <a:rPr lang="en-US" smtClean="0"/>
+              <a:pPr/>
+              <a:t>9</a:t>
+            </a:fld>
+            <a:endParaRPr lang="en-US"/>
+          </a:p>
+        </p:txBody>
+      </p:sp>
+      <p:sp>
+        <p:nvSpPr>
+          <p:cNvPr id="14" name="Rectangle 13"/>
+          <p:cNvSpPr/>
+          <p:nvPr/>
+        </p:nvSpPr>
+        <p:spPr>
+          <a:xfrm>
+            <a:off x="0" y="6400800"/>
+            <a:ext cx="2133600" cy="457200"/>
+          </a:xfrm>
+          <a:prstGeom prst="rect">
+            <a:avLst/>
+          </a:prstGeom>
+          <a:effectLst/>
+        </p:spPr>
+        <p:style>
+          <a:lnRef idx="1">
+            <a:schemeClr val="accent1"/>
+          </a:lnRef>
+          <a:fillRef idx="3">
+            <a:schemeClr val="accent1"/>
+          </a:fillRef>
+          <a:effectRef idx="2">
+            <a:schemeClr val="accent1"/>
+          </a:effectRef>
+          <a:fontRef idx="minor">
+            <a:schemeClr val="lt1"/>
+          </a:fontRef>
+        </p:style>
+        <p:txBody>
+          <a:bodyPr rtlCol="0" anchor="ctr"/>
+          <a:lstStyle/>
+          <a:p>
+            <a:pPr algn="ctr"/>
+            <a:r>
+              <a:rPr lang="en-US" sz="1400" dirty="0" smtClean="0">
+                <a:solidFill>
+                  <a:schemeClr val="accent6">
+                    <a:lumMod val="40000"/>
+                    <a:lumOff val="60000"/>
+                  </a:schemeClr>
+                </a:solidFill>
+              </a:rPr>
+              <a:t>ECE 278</a:t>
+            </a:r>
+            <a:endParaRPr lang="en-US" sz="1400" dirty="0" smtClean="0">
+              <a:solidFill>
+                <a:schemeClr val="accent6">
+                  <a:lumMod val="40000"/>
+                  <a:lumOff val="60000"/>
+                </a:schemeClr>
+              </a:solidFill>
+            </a:endParaRPr>
+          </a:p>
+          <a:p>
+            <a:pPr algn="ctr"/>
+            <a:r>
+              <a:rPr lang="en-US" sz="1400" dirty="0" smtClean="0">
+                <a:solidFill>
+                  <a:schemeClr val="accent6">
+                    <a:lumMod val="40000"/>
+                    <a:lumOff val="60000"/>
+                  </a:schemeClr>
+                </a:solidFill>
+              </a:rPr>
+              <a:t>Winter 2015</a:t>
+            </a:r>
+          </a:p>
+        </p:txBody>
+      </p:sp>
+      <p:sp>
+        <p:nvSpPr>
+          <p:cNvPr id="15" name="Rectangle 14"/>
+          <p:cNvSpPr/>
+          <p:nvPr/>
+        </p:nvSpPr>
+        <p:spPr>
+          <a:xfrm>
+            <a:off x="2514600" y="6400800"/>
+            <a:ext cx="3352800" cy="457200"/>
+          </a:xfrm>
+          <a:prstGeom prst="rect">
+            <a:avLst/>
+          </a:prstGeom>
+          <a:ln>
+            <a:solidFill>
+              <a:schemeClr val="accent1"/>
+            </a:solidFill>
+          </a:ln>
+          <a:effectLst/>
+        </p:spPr>
+        <p:style>
+          <a:lnRef idx="1">
+            <a:schemeClr val="accent1"/>
+          </a:lnRef>
+          <a:fillRef idx="3">
+            <a:schemeClr val="accent1"/>
+          </a:fillRef>
+          <a:effectRef idx="2">
+            <a:schemeClr val="accent1"/>
+          </a:effectRef>
+          <a:fontRef idx="minor">
+            <a:schemeClr val="lt1"/>
+          </a:fontRef>
+        </p:style>
+        <p:txBody>
+          <a:bodyPr rtlCol="0" anchor="ctr"/>
+          <a:lstStyle/>
+          <a:p>
+            <a:pPr algn="ctr"/>
+            <a:r>
+              <a:rPr lang="en-US" sz="1400" dirty="0" smtClean="0">
+                <a:solidFill>
+                  <a:schemeClr val="accent6">
+                    <a:lumMod val="40000"/>
+                    <a:lumOff val="60000"/>
+                  </a:schemeClr>
+                </a:solidFill>
+              </a:rPr>
+              <a:t>Graph-Based Segmentation</a:t>
+            </a:r>
+            <a:endParaRPr lang="en-US" sz="1400" dirty="0">
+              <a:solidFill>
+                <a:schemeClr val="accent6">
+                  <a:lumMod val="40000"/>
+                  <a:lumOff val="60000"/>
+                </a:schemeClr>
+              </a:solidFill>
+            </a:endParaRPr>
+          </a:p>
+        </p:txBody>
+      </p:sp>
+      <p:sp>
+        <p:nvSpPr>
+          <p:cNvPr id="16" name="Right Triangle 15"/>
           <p:cNvSpPr/>
           <p:nvPr/>
         </p:nvSpPr>

--- a/8_report/presentation.pptx
+++ b/8_report/presentation.pptx
@@ -5,18 +5,20 @@
     <p:sldMasterId id="2147483912" r:id="rId1"/>
   </p:sldMasterIdLst>
   <p:notesMasterIdLst>
-    <p:notesMasterId r:id="rId11"/>
+    <p:notesMasterId r:id="rId13"/>
   </p:notesMasterIdLst>
   <p:sldIdLst>
     <p:sldId id="256" r:id="rId2"/>
-    <p:sldId id="267" r:id="rId3"/>
-    <p:sldId id="268" r:id="rId4"/>
-    <p:sldId id="269" r:id="rId5"/>
-    <p:sldId id="270" r:id="rId6"/>
-    <p:sldId id="272" r:id="rId7"/>
-    <p:sldId id="271" r:id="rId8"/>
-    <p:sldId id="273" r:id="rId9"/>
-    <p:sldId id="266" r:id="rId10"/>
+    <p:sldId id="274" r:id="rId3"/>
+    <p:sldId id="275" r:id="rId4"/>
+    <p:sldId id="267" r:id="rId5"/>
+    <p:sldId id="268" r:id="rId6"/>
+    <p:sldId id="269" r:id="rId7"/>
+    <p:sldId id="270" r:id="rId8"/>
+    <p:sldId id="272" r:id="rId9"/>
+    <p:sldId id="271" r:id="rId10"/>
+    <p:sldId id="273" r:id="rId11"/>
+    <p:sldId id="266" r:id="rId12"/>
   </p:sldIdLst>
   <p:sldSz cx="9144000" cy="6858000" type="screen4x3"/>
   <p:notesSz cx="6858000" cy="9144000"/>
@@ -200,7 +202,8 @@
           <a:p>
             <a:fld id="{A03E28E0-41BE-4005-8C72-09D666597848}" type="datetimeFigureOut">
               <a:rPr lang="en-US" smtClean="0"/>
-              <a:t>3/8/15</a:t>
+              <a:pPr/>
+              <a:t>3/9/2015</a:t>
             </a:fld>
             <a:endParaRPr lang="en-US"/>
           </a:p>
@@ -359,6 +362,7 @@
           <a:p>
             <a:fld id="{5D25FB38-5ADF-4F39-ADAE-542EE29EF17F}" type="slidenum">
               <a:rPr lang="en-US" smtClean="0"/>
+              <a:pPr/>
               <a:t>‹#›</a:t>
             </a:fld>
             <a:endParaRPr lang="en-US"/>
@@ -368,7 +372,7 @@
     </p:spTree>
     <p:extLst>
       <p:ext uri="{BB962C8B-B14F-4D97-AF65-F5344CB8AC3E}">
-        <p14:creationId xmlns:p14="http://schemas.microsoft.com/office/powerpoint/2010/main" val="2771071978"/>
+        <p14:creationId xmlns:p14="http://schemas.microsoft.com/office/powerpoint/2010/main" xmlns="" val="2771071978"/>
       </p:ext>
     </p:extLst>
   </p:cSld>
@@ -533,6 +537,7 @@
           <a:p>
             <a:fld id="{5D25FB38-5ADF-4F39-ADAE-542EE29EF17F}" type="slidenum">
               <a:rPr lang="en-US" smtClean="0"/>
+              <a:pPr/>
               <a:t>1</a:t>
             </a:fld>
             <a:endParaRPr lang="en-US"/>
@@ -542,7 +547,7 @@
     </p:spTree>
     <p:extLst>
       <p:ext uri="{BB962C8B-B14F-4D97-AF65-F5344CB8AC3E}">
-        <p14:creationId xmlns:p14="http://schemas.microsoft.com/office/powerpoint/2010/main" val="3228984243"/>
+        <p14:creationId xmlns:p14="http://schemas.microsoft.com/office/powerpoint/2010/main" xmlns="" val="3228984243"/>
       </p:ext>
     </p:extLst>
   </p:cSld>
@@ -746,7 +751,7 @@
             <a:fld id="{451DEABC-D766-4322-8E78-B830FAE35C72}" type="datetime4">
               <a:rPr lang="en-US" smtClean="0"/>
               <a:pPr/>
-              <a:t>March 8, 2015</a:t>
+              <a:t>March 9, 2015</a:t>
             </a:fld>
             <a:endParaRPr lang="en-US" dirty="0"/>
           </a:p>
@@ -1013,7 +1018,7 @@
             <a:fld id="{F3131F9E-604E-4343-9F29-EF72E8231CAD}" type="datetime4">
               <a:rPr lang="en-US" smtClean="0"/>
               <a:pPr/>
-              <a:t>March 8, 2015</a:t>
+              <a:t>March 9, 2015</a:t>
             </a:fld>
             <a:endParaRPr lang="en-US"/>
           </a:p>
@@ -1190,7 +1195,7 @@
             <a:fld id="{34A8E1CE-37F8-4102-8DF9-852A0A51F293}" type="datetime4">
               <a:rPr lang="en-US" smtClean="0"/>
               <a:pPr/>
-              <a:t>March 8, 2015</a:t>
+              <a:t>March 9, 2015</a:t>
             </a:fld>
             <a:endParaRPr lang="en-US"/>
           </a:p>
@@ -1357,7 +1362,7 @@
             <a:fld id="{93333F43-3E86-47E4-BFBB-2476D384E1C6}" type="datetime4">
               <a:rPr lang="en-US" smtClean="0"/>
               <a:pPr/>
-              <a:t>March 8, 2015</a:t>
+              <a:t>March 9, 2015</a:t>
             </a:fld>
             <a:endParaRPr lang="en-US"/>
           </a:p>
@@ -1608,7 +1613,7 @@
             <a:fld id="{751663BA-01FC-4367-B6F3-ABB2645D55F1}" type="datetime4">
               <a:rPr lang="en-US" smtClean="0"/>
               <a:pPr/>
-              <a:t>March 8, 2015</a:t>
+              <a:t>March 9, 2015</a:t>
             </a:fld>
             <a:endParaRPr lang="en-US" dirty="0"/>
           </a:p>
@@ -1893,7 +1898,7 @@
             <a:fld id="{79B19C71-EC74-44AF-B27E-FC7DC3C3A61D}" type="datetime4">
               <a:rPr lang="en-US" smtClean="0"/>
               <a:pPr/>
-              <a:t>March 8, 2015</a:t>
+              <a:t>March 9, 2015</a:t>
             </a:fld>
             <a:endParaRPr lang="en-US"/>
           </a:p>
@@ -2334,7 +2339,7 @@
             <a:fld id="{6A5CDA29-3CBE-48EA-92AE-A996835462BA}" type="datetime4">
               <a:rPr lang="en-US" smtClean="0"/>
               <a:pPr/>
-              <a:t>March 8, 2015</a:t>
+              <a:t>March 9, 2015</a:t>
             </a:fld>
             <a:endParaRPr lang="en-US"/>
           </a:p>
@@ -2449,7 +2454,7 @@
             <a:fld id="{E29EC054-3869-4501-B163-1BBFDE8DCE04}" type="datetime4">
               <a:rPr lang="en-US" smtClean="0"/>
               <a:pPr/>
-              <a:t>March 8, 2015</a:t>
+              <a:t>March 9, 2015</a:t>
             </a:fld>
             <a:endParaRPr lang="en-US"/>
           </a:p>
@@ -2541,7 +2546,7 @@
             <a:fld id="{0A63D831-56C1-49CF-8EF7-8B9A98402BCD}" type="datetime4">
               <a:rPr lang="en-US" smtClean="0"/>
               <a:pPr/>
-              <a:t>March 8, 2015</a:t>
+              <a:t>March 9, 2015</a:t>
             </a:fld>
             <a:endParaRPr lang="en-US"/>
           </a:p>
@@ -2785,7 +2790,7 @@
             <a:fld id="{6EAD5615-7F4F-4584-84D5-CC95918C321F}" type="datetime4">
               <a:rPr lang="en-US" smtClean="0"/>
               <a:pPr/>
-              <a:t>March 8, 2015</a:t>
+              <a:t>March 9, 2015</a:t>
             </a:fld>
             <a:endParaRPr lang="en-US"/>
           </a:p>
@@ -3081,7 +3086,7 @@
             <a:fld id="{76EEA923-9BEE-48CE-9F28-5B525F399BAD}" type="datetime4">
               <a:rPr lang="en-US" smtClean="0"/>
               <a:pPr/>
-              <a:t>March 8, 2015</a:t>
+              <a:t>March 9, 2015</a:t>
             </a:fld>
             <a:endParaRPr lang="en-US"/>
           </a:p>
@@ -3377,7 +3382,7 @@
             <a:fld id="{17D0EFEE-2756-4A20-BF2A-63F0A94F99AC}" type="datetime4">
               <a:rPr lang="en-US" smtClean="0"/>
               <a:pPr/>
-              <a:t>March 8, 2015</a:t>
+              <a:t>March 9, 2015</a:t>
             </a:fld>
             <a:endParaRPr lang="en-US" dirty="0"/>
           </a:p>
@@ -3944,9 +3949,6 @@
               </a:rPr>
               <a:t> Jin, and Steven Munn</a:t>
             </a:r>
-            <a:endParaRPr lang="en-US" cap="none" dirty="0" smtClean="0">
-              <a:latin typeface="+mn-lt"/>
-            </a:endParaRPr>
           </a:p>
         </p:txBody>
       </p:sp>
@@ -4020,14 +4022,6 @@
               </a:rPr>
               <a:t>ECE 278</a:t>
             </a:r>
-            <a:endParaRPr lang="en-US" sz="1400" dirty="0" smtClean="0">
-              <a:solidFill>
-                <a:schemeClr val="accent6">
-                  <a:lumMod val="40000"/>
-                  <a:lumOff val="60000"/>
-                </a:schemeClr>
-              </a:solidFill>
-            </a:endParaRPr>
           </a:p>
           <a:p>
             <a:pPr algn="ctr"/>
@@ -4154,7 +4148,7 @@
     </p:spTree>
     <p:extLst>
       <p:ext uri="{BB962C8B-B14F-4D97-AF65-F5344CB8AC3E}">
-        <p14:creationId xmlns:p14="http://schemas.microsoft.com/office/powerpoint/2010/main" val="3953207923"/>
+        <p14:creationId xmlns:p14="http://schemas.microsoft.com/office/powerpoint/2010/main" xmlns="" val="3953207923"/>
       </p:ext>
     </p:extLst>
   </p:cSld>
@@ -4164,7 +4158,747 @@
   <p:timing>
     <p:tnLst>
       <p:par>
-        <p:cTn xmlns:p14="http://schemas.microsoft.com/office/powerpoint/2010/main" id="1" dur="indefinite" restart="never" nodeType="tmRoot"/>
+        <p:cTn id="1" dur="indefinite" restart="never" nodeType="tmRoot"/>
+      </p:par>
+    </p:tnLst>
+  </p:timing>
+</p:sld>
+</file>
+
+<file path=ppt/slides/slide10.xml><?xml version="1.0" encoding="utf-8"?>
+<p:sld xmlns:a="http://schemas.openxmlformats.org/drawingml/2006/main" xmlns:r="http://schemas.openxmlformats.org/officeDocument/2006/relationships" xmlns:p="http://schemas.openxmlformats.org/presentationml/2006/main">
+  <p:cSld>
+    <p:spTree>
+      <p:nvGrpSpPr>
+        <p:cNvPr id="1" name=""/>
+        <p:cNvGrpSpPr/>
+        <p:nvPr/>
+      </p:nvGrpSpPr>
+      <p:grpSpPr>
+        <a:xfrm>
+          <a:off x="0" y="0"/>
+          <a:ext cx="0" cy="0"/>
+          <a:chOff x="0" y="0"/>
+          <a:chExt cx="0" cy="0"/>
+        </a:xfrm>
+      </p:grpSpPr>
+      <p:sp>
+        <p:nvSpPr>
+          <p:cNvPr id="2" name="Title 1"/>
+          <p:cNvSpPr>
+            <a:spLocks noGrp="1"/>
+          </p:cNvSpPr>
+          <p:nvPr>
+            <p:ph type="title"/>
+          </p:nvPr>
+        </p:nvSpPr>
+        <p:spPr/>
+        <p:txBody>
+          <a:bodyPr/>
+          <a:lstStyle/>
+          <a:p>
+            <a:r>
+              <a:rPr lang="en-US" dirty="0" smtClean="0"/>
+              <a:t>Performance</a:t>
+            </a:r>
+            <a:endParaRPr lang="en-US" dirty="0"/>
+          </a:p>
+        </p:txBody>
+      </p:sp>
+      <p:sp>
+        <p:nvSpPr>
+          <p:cNvPr id="3" name="Content Placeholder 2"/>
+          <p:cNvSpPr>
+            <a:spLocks noGrp="1"/>
+          </p:cNvSpPr>
+          <p:nvPr>
+            <p:ph idx="1"/>
+          </p:nvPr>
+        </p:nvSpPr>
+        <p:spPr/>
+        <p:txBody>
+          <a:bodyPr/>
+          <a:lstStyle/>
+          <a:p>
+            <a:r>
+              <a:rPr lang="en-US" dirty="0" smtClean="0"/>
+              <a:t>MATLAB scripts</a:t>
+            </a:r>
+            <a:endParaRPr lang="en-US" dirty="0"/>
+          </a:p>
+        </p:txBody>
+      </p:sp>
+      <p:sp>
+        <p:nvSpPr>
+          <p:cNvPr id="4" name="Slide Number Placeholder 3"/>
+          <p:cNvSpPr>
+            <a:spLocks noGrp="1"/>
+          </p:cNvSpPr>
+          <p:nvPr>
+            <p:ph type="sldNum" sz="quarter" idx="12"/>
+          </p:nvPr>
+        </p:nvSpPr>
+        <p:spPr/>
+        <p:txBody>
+          <a:bodyPr/>
+          <a:lstStyle/>
+          <a:p>
+            <a:fld id="{F38DF745-7D3F-47F4-83A3-874385CFAA69}" type="slidenum">
+              <a:rPr lang="en-US" smtClean="0"/>
+              <a:pPr/>
+              <a:t>10</a:t>
+            </a:fld>
+            <a:endParaRPr lang="en-US"/>
+          </a:p>
+        </p:txBody>
+      </p:sp>
+      <p:sp>
+        <p:nvSpPr>
+          <p:cNvPr id="5" name="Rectangle 4"/>
+          <p:cNvSpPr/>
+          <p:nvPr/>
+        </p:nvSpPr>
+        <p:spPr>
+          <a:xfrm>
+            <a:off x="0" y="6400800"/>
+            <a:ext cx="2133600" cy="457200"/>
+          </a:xfrm>
+          <a:prstGeom prst="rect">
+            <a:avLst/>
+          </a:prstGeom>
+          <a:effectLst/>
+        </p:spPr>
+        <p:style>
+          <a:lnRef idx="1">
+            <a:schemeClr val="accent1"/>
+          </a:lnRef>
+          <a:fillRef idx="3">
+            <a:schemeClr val="accent1"/>
+          </a:fillRef>
+          <a:effectRef idx="2">
+            <a:schemeClr val="accent1"/>
+          </a:effectRef>
+          <a:fontRef idx="minor">
+            <a:schemeClr val="lt1"/>
+          </a:fontRef>
+        </p:style>
+        <p:txBody>
+          <a:bodyPr rtlCol="0" anchor="ctr"/>
+          <a:lstStyle/>
+          <a:p>
+            <a:pPr algn="ctr"/>
+            <a:r>
+              <a:rPr lang="en-US" sz="1400" dirty="0" smtClean="0">
+                <a:solidFill>
+                  <a:schemeClr val="accent6">
+                    <a:lumMod val="40000"/>
+                    <a:lumOff val="60000"/>
+                  </a:schemeClr>
+                </a:solidFill>
+              </a:rPr>
+              <a:t>ECE 278</a:t>
+            </a:r>
+          </a:p>
+          <a:p>
+            <a:pPr algn="ctr"/>
+            <a:r>
+              <a:rPr lang="en-US" sz="1400" dirty="0" smtClean="0">
+                <a:solidFill>
+                  <a:schemeClr val="accent6">
+                    <a:lumMod val="40000"/>
+                    <a:lumOff val="60000"/>
+                  </a:schemeClr>
+                </a:solidFill>
+              </a:rPr>
+              <a:t>Winter 2015</a:t>
+            </a:r>
+          </a:p>
+        </p:txBody>
+      </p:sp>
+      <p:sp>
+        <p:nvSpPr>
+          <p:cNvPr id="6" name="Rectangle 5"/>
+          <p:cNvSpPr/>
+          <p:nvPr/>
+        </p:nvSpPr>
+        <p:spPr>
+          <a:xfrm>
+            <a:off x="2514600" y="6400800"/>
+            <a:ext cx="3352800" cy="457200"/>
+          </a:xfrm>
+          <a:prstGeom prst="rect">
+            <a:avLst/>
+          </a:prstGeom>
+          <a:ln>
+            <a:solidFill>
+              <a:schemeClr val="accent1"/>
+            </a:solidFill>
+          </a:ln>
+          <a:effectLst/>
+        </p:spPr>
+        <p:style>
+          <a:lnRef idx="1">
+            <a:schemeClr val="accent1"/>
+          </a:lnRef>
+          <a:fillRef idx="3">
+            <a:schemeClr val="accent1"/>
+          </a:fillRef>
+          <a:effectRef idx="2">
+            <a:schemeClr val="accent1"/>
+          </a:effectRef>
+          <a:fontRef idx="minor">
+            <a:schemeClr val="lt1"/>
+          </a:fontRef>
+        </p:style>
+        <p:txBody>
+          <a:bodyPr rtlCol="0" anchor="ctr"/>
+          <a:lstStyle/>
+          <a:p>
+            <a:pPr algn="ctr"/>
+            <a:r>
+              <a:rPr lang="en-US" sz="1400" dirty="0" smtClean="0">
+                <a:solidFill>
+                  <a:schemeClr val="accent6">
+                    <a:lumMod val="40000"/>
+                    <a:lumOff val="60000"/>
+                  </a:schemeClr>
+                </a:solidFill>
+              </a:rPr>
+              <a:t>Graph-Based Segmentation</a:t>
+            </a:r>
+            <a:endParaRPr lang="en-US" sz="1400" dirty="0">
+              <a:solidFill>
+                <a:schemeClr val="accent6">
+                  <a:lumMod val="40000"/>
+                  <a:lumOff val="60000"/>
+                </a:schemeClr>
+              </a:solidFill>
+            </a:endParaRPr>
+          </a:p>
+        </p:txBody>
+      </p:sp>
+      <p:sp>
+        <p:nvSpPr>
+          <p:cNvPr id="7" name="Right Triangle 6"/>
+          <p:cNvSpPr/>
+          <p:nvPr/>
+        </p:nvSpPr>
+        <p:spPr>
+          <a:xfrm>
+            <a:off x="5867400" y="6400800"/>
+            <a:ext cx="609600" cy="457200"/>
+          </a:xfrm>
+          <a:prstGeom prst="rtTriangle">
+            <a:avLst/>
+          </a:prstGeom>
+          <a:ln>
+            <a:solidFill>
+              <a:schemeClr val="accent1"/>
+            </a:solidFill>
+          </a:ln>
+          <a:effectLst/>
+        </p:spPr>
+        <p:style>
+          <a:lnRef idx="1">
+            <a:schemeClr val="accent1"/>
+          </a:lnRef>
+          <a:fillRef idx="3">
+            <a:schemeClr val="accent1"/>
+          </a:fillRef>
+          <a:effectRef idx="2">
+            <a:schemeClr val="accent1"/>
+          </a:effectRef>
+          <a:fontRef idx="minor">
+            <a:schemeClr val="lt1"/>
+          </a:fontRef>
+        </p:style>
+        <p:txBody>
+          <a:bodyPr rtlCol="0" anchor="ctr"/>
+          <a:lstStyle/>
+          <a:p>
+            <a:pPr algn="ctr"/>
+            <a:endParaRPr lang="en-US"/>
+          </a:p>
+        </p:txBody>
+      </p:sp>
+    </p:spTree>
+    <p:extLst>
+      <p:ext uri="{BB962C8B-B14F-4D97-AF65-F5344CB8AC3E}">
+        <p14:creationId xmlns:p14="http://schemas.microsoft.com/office/powerpoint/2010/main" xmlns="" val="2206376881"/>
+      </p:ext>
+    </p:extLst>
+  </p:cSld>
+  <p:clrMapOvr>
+    <a:masterClrMapping/>
+  </p:clrMapOvr>
+</p:sld>
+</file>
+
+<file path=ppt/slides/slide11.xml><?xml version="1.0" encoding="utf-8"?>
+<p:sld xmlns:a="http://schemas.openxmlformats.org/drawingml/2006/main" xmlns:r="http://schemas.openxmlformats.org/officeDocument/2006/relationships" xmlns:p="http://schemas.openxmlformats.org/presentationml/2006/main">
+  <p:cSld>
+    <p:spTree>
+      <p:nvGrpSpPr>
+        <p:cNvPr id="1" name=""/>
+        <p:cNvGrpSpPr/>
+        <p:nvPr/>
+      </p:nvGrpSpPr>
+      <p:grpSpPr>
+        <a:xfrm>
+          <a:off x="0" y="0"/>
+          <a:ext cx="0" cy="0"/>
+          <a:chOff x="0" y="0"/>
+          <a:chExt cx="0" cy="0"/>
+        </a:xfrm>
+      </p:grpSpPr>
+      <p:sp>
+        <p:nvSpPr>
+          <p:cNvPr id="2" name="Title 1"/>
+          <p:cNvSpPr>
+            <a:spLocks noGrp="1"/>
+          </p:cNvSpPr>
+          <p:nvPr>
+            <p:ph type="title"/>
+          </p:nvPr>
+        </p:nvSpPr>
+        <p:spPr/>
+        <p:txBody>
+          <a:bodyPr/>
+          <a:lstStyle/>
+          <a:p>
+            <a:r>
+              <a:rPr lang="en-US" dirty="0" smtClean="0"/>
+              <a:t>References</a:t>
+            </a:r>
+            <a:endParaRPr lang="en-US" dirty="0"/>
+          </a:p>
+        </p:txBody>
+      </p:sp>
+      <p:sp>
+        <p:nvSpPr>
+          <p:cNvPr id="3" name="Content Placeholder 2"/>
+          <p:cNvSpPr>
+            <a:spLocks noGrp="1"/>
+          </p:cNvSpPr>
+          <p:nvPr>
+            <p:ph idx="1"/>
+          </p:nvPr>
+        </p:nvSpPr>
+        <p:spPr/>
+        <p:txBody>
+          <a:bodyPr>
+            <a:normAutofit/>
+          </a:bodyPr>
+          <a:lstStyle/>
+          <a:p>
+            <a:pPr marL="228600" indent="-228600">
+              <a:buAutoNum type="arabicPeriod"/>
+            </a:pPr>
+            <a:r>
+              <a:rPr lang="en-US" sz="1200" b="0" dirty="0"/>
+              <a:t>David I Shuman, Sunil K. </a:t>
+            </a:r>
+            <a:r>
+              <a:rPr lang="en-US" sz="1200" b="0" dirty="0" err="1"/>
+              <a:t>Narang</a:t>
+            </a:r>
+            <a:r>
+              <a:rPr lang="en-US" sz="1200" b="0" dirty="0"/>
+              <a:t>, Pascal </a:t>
+            </a:r>
+            <a:r>
+              <a:rPr lang="en-US" sz="1200" b="0" dirty="0" err="1"/>
+              <a:t>Frossard</a:t>
+            </a:r>
+            <a:r>
+              <a:rPr lang="en-US" sz="1200" b="0" dirty="0"/>
+              <a:t>, Antonio Ortega, and Pierre </a:t>
+            </a:r>
+            <a:r>
+              <a:rPr lang="en-US" sz="1200" b="0" dirty="0" err="1"/>
+              <a:t>Vandergheynst</a:t>
+            </a:r>
+            <a:r>
+              <a:rPr lang="en-US" sz="1200" b="0" dirty="0"/>
+              <a:t>. IEEE Signal Processing Magazine. May 2013. </a:t>
+            </a:r>
+            <a:r>
+              <a:rPr lang="en-US" sz="1200" b="0" i="1" dirty="0"/>
+              <a:t>The Emerging Field of Signal Processing on Graphs</a:t>
+            </a:r>
+            <a:r>
+              <a:rPr lang="en-US" sz="1200" b="0" dirty="0"/>
+              <a:t>. </a:t>
+            </a:r>
+            <a:r>
+              <a:rPr lang="en-US" sz="1200" b="0" dirty="0">
+                <a:hlinkClick r:id="rId2"/>
+              </a:rPr>
+              <a:t>http://ieeexplore.ieee.org/stamp/stamp.jsp?arnumber=</a:t>
+            </a:r>
+            <a:r>
+              <a:rPr lang="en-US" sz="1200" b="0" dirty="0" smtClean="0">
+                <a:hlinkClick r:id="rId2"/>
+              </a:rPr>
+              <a:t>6494675</a:t>
+            </a:r>
+            <a:endParaRPr lang="en-US" sz="1200" b="0" dirty="0" smtClean="0"/>
+          </a:p>
+          <a:p>
+            <a:pPr marL="228600" indent="-228600">
+              <a:buFont typeface="Arial" pitchFamily="34" charset="0"/>
+              <a:buAutoNum type="arabicPeriod"/>
+            </a:pPr>
+            <a:r>
+              <a:rPr lang="en-US" sz="1200" b="0" dirty="0" err="1" smtClean="0"/>
+              <a:t>Pengfei</a:t>
+            </a:r>
+            <a:r>
+              <a:rPr lang="en-US" sz="1200" b="0" dirty="0" smtClean="0"/>
+              <a:t> </a:t>
+            </a:r>
+            <a:r>
+              <a:rPr lang="en-US" sz="1200" b="0" dirty="0" err="1" smtClean="0"/>
+              <a:t>Lui</a:t>
+            </a:r>
+            <a:r>
+              <a:rPr lang="en-US" sz="1200" b="0" dirty="0" smtClean="0"/>
+              <a:t>, </a:t>
+            </a:r>
+            <a:r>
+              <a:rPr lang="en-US" sz="1200" b="0" dirty="0" err="1" smtClean="0"/>
+              <a:t>Xiaohan</a:t>
+            </a:r>
+            <a:r>
+              <a:rPr lang="en-US" sz="1200" b="0" dirty="0" smtClean="0"/>
+              <a:t> Wang, </a:t>
+            </a:r>
+            <a:r>
+              <a:rPr lang="en-US" sz="1200" b="0" dirty="0" err="1" smtClean="0"/>
+              <a:t>Yuantao</a:t>
+            </a:r>
+            <a:r>
+              <a:rPr lang="en-US" sz="1200" b="0" dirty="0" smtClean="0"/>
+              <a:t> </a:t>
+            </a:r>
+            <a:r>
+              <a:rPr lang="en-US" sz="1200" b="0" dirty="0" err="1" smtClean="0"/>
+              <a:t>Gu</a:t>
+            </a:r>
+            <a:r>
+              <a:rPr lang="en-US" sz="1200" b="0" dirty="0"/>
+              <a:t>. IEEE International Conference on Acoustic, Speech and Signal </a:t>
+            </a:r>
+            <a:r>
+              <a:rPr lang="en-US" sz="1200" b="0" dirty="0" smtClean="0"/>
+              <a:t>Processing. </a:t>
+            </a:r>
+            <a:r>
+              <a:rPr lang="en-US" sz="1200" b="0" dirty="0"/>
+              <a:t>2014. </a:t>
+            </a:r>
+            <a:r>
+              <a:rPr lang="en-US" sz="1200" b="0" i="1" dirty="0" smtClean="0"/>
+              <a:t>Coarsening Graph Signal with Spectral Invariance</a:t>
+            </a:r>
+          </a:p>
+          <a:p>
+            <a:pPr marL="228600" indent="-228600">
+              <a:buFont typeface="Arial" pitchFamily="34" charset="0"/>
+              <a:buAutoNum type="arabicPeriod"/>
+            </a:pPr>
+            <a:r>
+              <a:rPr lang="en-US" sz="1200" b="0" dirty="0" err="1"/>
+              <a:t>Jianbo</a:t>
+            </a:r>
+            <a:r>
+              <a:rPr lang="en-US" sz="1200" b="0" dirty="0"/>
+              <a:t> Shi and </a:t>
+            </a:r>
+            <a:r>
+              <a:rPr lang="en-US" sz="1200" b="0" dirty="0" err="1"/>
+              <a:t>Jitendra</a:t>
+            </a:r>
+            <a:r>
+              <a:rPr lang="en-US" sz="1200" b="0" dirty="0"/>
+              <a:t> Malik. IEEE TRANSACTIONS ON PATTERN ANALYSIS AND MACHINE </a:t>
+            </a:r>
+            <a:r>
+              <a:rPr lang="en-US" sz="1200" b="0" dirty="0" smtClean="0"/>
+              <a:t>INTELLIGENCE. </a:t>
+            </a:r>
+            <a:r>
+              <a:rPr lang="en-US" sz="1200" b="0" dirty="0"/>
+              <a:t>Aug 2000. </a:t>
+            </a:r>
+            <a:r>
+              <a:rPr lang="en-US" sz="1200" b="0" i="1" dirty="0"/>
+              <a:t>Normalized Cuts and Image </a:t>
+            </a:r>
+            <a:r>
+              <a:rPr lang="en-US" sz="1200" b="0" i="1" dirty="0" smtClean="0"/>
+              <a:t>Segmentation</a:t>
+            </a:r>
+          </a:p>
+          <a:p>
+            <a:pPr marL="228600" indent="-228600">
+              <a:buFont typeface="Arial" pitchFamily="34" charset="0"/>
+              <a:buAutoNum type="arabicPeriod"/>
+            </a:pPr>
+            <a:r>
+              <a:rPr lang="en-US" sz="1200" b="0" dirty="0"/>
+              <a:t>Ha Q. Nguyen and Minh N. </a:t>
+            </a:r>
+            <a:r>
+              <a:rPr lang="en-US" sz="1200" b="0" dirty="0" smtClean="0"/>
+              <a:t>Do.</a:t>
+            </a:r>
+            <a:r>
+              <a:rPr lang="en-US" sz="1200" b="0" dirty="0"/>
+              <a:t> IEEE Transactions on </a:t>
+            </a:r>
+            <a:r>
+              <a:rPr lang="en-US" sz="1200" b="0" dirty="0" smtClean="0"/>
+              <a:t>Signal Processing. </a:t>
+            </a:r>
+            <a:r>
+              <a:rPr lang="en-US" sz="1200" b="0" dirty="0"/>
+              <a:t>Jan 2015.</a:t>
+            </a:r>
+            <a:r>
+              <a:rPr lang="en-US" sz="1200" b="0" i="1" dirty="0"/>
+              <a:t> </a:t>
+            </a:r>
+            <a:r>
+              <a:rPr lang="en-US" sz="1200" b="0" i="1" dirty="0" err="1" smtClean="0"/>
+              <a:t>Downsampling</a:t>
+            </a:r>
+            <a:r>
+              <a:rPr lang="en-US" sz="1200" b="0" i="1" dirty="0" smtClean="0"/>
+              <a:t> </a:t>
+            </a:r>
+            <a:r>
+              <a:rPr lang="en-US" sz="1200" b="0" i="1" dirty="0"/>
+              <a:t>of Signals on </a:t>
+            </a:r>
+            <a:r>
+              <a:rPr lang="en-US" sz="1200" b="0" i="1" dirty="0" smtClean="0"/>
+              <a:t>Graphs Via </a:t>
+            </a:r>
+            <a:r>
+              <a:rPr lang="en-US" sz="1200" b="0" i="1" dirty="0"/>
+              <a:t>Maximum Spanning Trees</a:t>
+            </a:r>
+          </a:p>
+        </p:txBody>
+      </p:sp>
+      <p:sp>
+        <p:nvSpPr>
+          <p:cNvPr id="4" name="Slide Number Placeholder 3"/>
+          <p:cNvSpPr>
+            <a:spLocks noGrp="1"/>
+          </p:cNvSpPr>
+          <p:nvPr>
+            <p:ph type="sldNum" sz="quarter" idx="12"/>
+          </p:nvPr>
+        </p:nvSpPr>
+        <p:spPr/>
+        <p:txBody>
+          <a:bodyPr/>
+          <a:lstStyle/>
+          <a:p>
+            <a:fld id="{F38DF745-7D3F-47F4-83A3-874385CFAA69}" type="slidenum">
+              <a:rPr lang="en-US" smtClean="0"/>
+              <a:pPr/>
+              <a:t>11</a:t>
+            </a:fld>
+            <a:endParaRPr lang="en-US"/>
+          </a:p>
+        </p:txBody>
+      </p:sp>
+      <p:sp>
+        <p:nvSpPr>
+          <p:cNvPr id="14" name="Rectangle 13"/>
+          <p:cNvSpPr/>
+          <p:nvPr/>
+        </p:nvSpPr>
+        <p:spPr>
+          <a:xfrm>
+            <a:off x="0" y="6400800"/>
+            <a:ext cx="2133600" cy="457200"/>
+          </a:xfrm>
+          <a:prstGeom prst="rect">
+            <a:avLst/>
+          </a:prstGeom>
+          <a:effectLst/>
+        </p:spPr>
+        <p:style>
+          <a:lnRef idx="1">
+            <a:schemeClr val="accent1"/>
+          </a:lnRef>
+          <a:fillRef idx="3">
+            <a:schemeClr val="accent1"/>
+          </a:fillRef>
+          <a:effectRef idx="2">
+            <a:schemeClr val="accent1"/>
+          </a:effectRef>
+          <a:fontRef idx="minor">
+            <a:schemeClr val="lt1"/>
+          </a:fontRef>
+        </p:style>
+        <p:txBody>
+          <a:bodyPr rtlCol="0" anchor="ctr"/>
+          <a:lstStyle/>
+          <a:p>
+            <a:pPr algn="ctr"/>
+            <a:r>
+              <a:rPr lang="en-US" sz="1400" dirty="0" smtClean="0">
+                <a:solidFill>
+                  <a:schemeClr val="accent6">
+                    <a:lumMod val="40000"/>
+                    <a:lumOff val="60000"/>
+                  </a:schemeClr>
+                </a:solidFill>
+              </a:rPr>
+              <a:t>ECE 278</a:t>
+            </a:r>
+          </a:p>
+          <a:p>
+            <a:pPr algn="ctr"/>
+            <a:r>
+              <a:rPr lang="en-US" sz="1400" dirty="0" smtClean="0">
+                <a:solidFill>
+                  <a:schemeClr val="accent6">
+                    <a:lumMod val="40000"/>
+                    <a:lumOff val="60000"/>
+                  </a:schemeClr>
+                </a:solidFill>
+              </a:rPr>
+              <a:t>Winter 2015</a:t>
+            </a:r>
+          </a:p>
+        </p:txBody>
+      </p:sp>
+      <p:sp>
+        <p:nvSpPr>
+          <p:cNvPr id="15" name="Rectangle 14"/>
+          <p:cNvSpPr/>
+          <p:nvPr/>
+        </p:nvSpPr>
+        <p:spPr>
+          <a:xfrm>
+            <a:off x="2514600" y="6400800"/>
+            <a:ext cx="3352800" cy="457200"/>
+          </a:xfrm>
+          <a:prstGeom prst="rect">
+            <a:avLst/>
+          </a:prstGeom>
+          <a:ln>
+            <a:solidFill>
+              <a:schemeClr val="accent1"/>
+            </a:solidFill>
+          </a:ln>
+          <a:effectLst/>
+        </p:spPr>
+        <p:style>
+          <a:lnRef idx="1">
+            <a:schemeClr val="accent1"/>
+          </a:lnRef>
+          <a:fillRef idx="3">
+            <a:schemeClr val="accent1"/>
+          </a:fillRef>
+          <a:effectRef idx="2">
+            <a:schemeClr val="accent1"/>
+          </a:effectRef>
+          <a:fontRef idx="minor">
+            <a:schemeClr val="lt1"/>
+          </a:fontRef>
+        </p:style>
+        <p:txBody>
+          <a:bodyPr rtlCol="0" anchor="ctr"/>
+          <a:lstStyle/>
+          <a:p>
+            <a:pPr algn="ctr"/>
+            <a:r>
+              <a:rPr lang="en-US" sz="1400" dirty="0" smtClean="0">
+                <a:solidFill>
+                  <a:schemeClr val="accent6">
+                    <a:lumMod val="40000"/>
+                    <a:lumOff val="60000"/>
+                  </a:schemeClr>
+                </a:solidFill>
+              </a:rPr>
+              <a:t>Graph-Based Segmentation</a:t>
+            </a:r>
+            <a:endParaRPr lang="en-US" sz="1400" dirty="0">
+              <a:solidFill>
+                <a:schemeClr val="accent6">
+                  <a:lumMod val="40000"/>
+                  <a:lumOff val="60000"/>
+                </a:schemeClr>
+              </a:solidFill>
+            </a:endParaRPr>
+          </a:p>
+        </p:txBody>
+      </p:sp>
+      <p:sp>
+        <p:nvSpPr>
+          <p:cNvPr id="16" name="Right Triangle 15"/>
+          <p:cNvSpPr/>
+          <p:nvPr/>
+        </p:nvSpPr>
+        <p:spPr>
+          <a:xfrm>
+            <a:off x="5867400" y="6400800"/>
+            <a:ext cx="609600" cy="457200"/>
+          </a:xfrm>
+          <a:prstGeom prst="rtTriangle">
+            <a:avLst/>
+          </a:prstGeom>
+          <a:ln>
+            <a:solidFill>
+              <a:schemeClr val="accent1"/>
+            </a:solidFill>
+          </a:ln>
+          <a:effectLst/>
+        </p:spPr>
+        <p:style>
+          <a:lnRef idx="1">
+            <a:schemeClr val="accent1"/>
+          </a:lnRef>
+          <a:fillRef idx="3">
+            <a:schemeClr val="accent1"/>
+          </a:fillRef>
+          <a:effectRef idx="2">
+            <a:schemeClr val="accent1"/>
+          </a:effectRef>
+          <a:fontRef idx="minor">
+            <a:schemeClr val="lt1"/>
+          </a:fontRef>
+        </p:style>
+        <p:txBody>
+          <a:bodyPr rtlCol="0" anchor="ctr"/>
+          <a:lstStyle/>
+          <a:p>
+            <a:pPr algn="ctr"/>
+            <a:endParaRPr lang="en-US"/>
+          </a:p>
+        </p:txBody>
+      </p:sp>
+    </p:spTree>
+    <p:extLst>
+      <p:ext uri="{BB962C8B-B14F-4D97-AF65-F5344CB8AC3E}">
+        <p14:creationId xmlns:p14="http://schemas.microsoft.com/office/powerpoint/2010/main" xmlns="" val="1385000211"/>
+      </p:ext>
+    </p:extLst>
+  </p:cSld>
+  <p:clrMapOvr>
+    <a:masterClrMapping/>
+  </p:clrMapOvr>
+  <p:timing>
+    <p:tnLst>
+      <p:par>
+        <p:cTn id="1" dur="indefinite" restart="never" nodeType="tmRoot"/>
       </p:par>
     </p:tnLst>
   </p:timing>
@@ -4190,7 +4924,7 @@
       </p:grpSpPr>
       <p:sp>
         <p:nvSpPr>
-          <p:cNvPr id="2" name="Title 1"/>
+          <p:cNvPr id="2" name="标题 1"/>
           <p:cNvSpPr>
             <a:spLocks noGrp="1"/>
           </p:cNvSpPr>
@@ -4204,43 +4938,123 @@
           <a:lstStyle/>
           <a:p>
             <a:r>
-              <a:rPr lang="en-US" dirty="0" err="1" smtClean="0"/>
+              <a:rPr lang="en-US" altLang="zh-CN" dirty="0" smtClean="0"/>
+              <a:t>Content</a:t>
+            </a:r>
+            <a:endParaRPr lang="zh-CN" altLang="en-US" dirty="0"/>
+          </a:p>
+        </p:txBody>
+      </p:sp>
+      <p:sp>
+        <p:nvSpPr>
+          <p:cNvPr id="3" name="内容占位符 2"/>
+          <p:cNvSpPr>
+            <a:spLocks noGrp="1"/>
+          </p:cNvSpPr>
+          <p:nvPr>
+            <p:ph idx="1"/>
+          </p:nvPr>
+        </p:nvSpPr>
+        <p:spPr/>
+        <p:txBody>
+          <a:bodyPr/>
+          <a:lstStyle/>
+          <a:p>
+            <a:pPr lvl="1">
+              <a:buFont typeface="Wingdings" pitchFamily="2" charset="2"/>
+              <a:buChar char="l"/>
+            </a:pPr>
+            <a:r>
+              <a:rPr lang="en-US" altLang="zh-CN" dirty="0" smtClean="0"/>
+              <a:t>Method Overview</a:t>
+            </a:r>
+          </a:p>
+          <a:p>
+            <a:pPr lvl="1">
+              <a:buFont typeface="Wingdings" pitchFamily="2" charset="2"/>
+              <a:buChar char="l"/>
+            </a:pPr>
+            <a:endParaRPr lang="en-US" altLang="zh-CN" dirty="0" smtClean="0"/>
+          </a:p>
+          <a:p>
+            <a:pPr lvl="1">
+              <a:buFont typeface="Wingdings" pitchFamily="2" charset="2"/>
+              <a:buChar char="l"/>
+            </a:pPr>
+            <a:r>
+              <a:rPr lang="en-US" altLang="zh-CN" dirty="0" smtClean="0"/>
+              <a:t>Core Implementation in C/C++</a:t>
+            </a:r>
+          </a:p>
+          <a:p>
+            <a:pPr lvl="2">
+              <a:buFont typeface="Wingdings" pitchFamily="2" charset="2"/>
+              <a:buChar char="l"/>
+            </a:pPr>
+            <a:r>
+              <a:rPr lang="en-US" altLang="zh-CN" dirty="0" err="1" smtClean="0"/>
+              <a:t>Matlab</a:t>
+            </a:r>
+            <a:r>
+              <a:rPr lang="en-US" altLang="zh-CN" dirty="0" smtClean="0"/>
+              <a:t> </a:t>
+            </a:r>
+            <a:r>
+              <a:rPr lang="en-US" altLang="zh-CN" dirty="0" err="1" smtClean="0"/>
               <a:t>Mex</a:t>
             </a:r>
             <a:r>
-              <a:rPr lang="en-US" dirty="0" smtClean="0"/>
-              <a:t> implementation</a:t>
-            </a:r>
-            <a:endParaRPr lang="en-US" dirty="0"/>
-          </a:p>
-        </p:txBody>
-      </p:sp>
-      <p:sp>
-        <p:nvSpPr>
-          <p:cNvPr id="3" name="Content Placeholder 2"/>
-          <p:cNvSpPr>
-            <a:spLocks noGrp="1"/>
-          </p:cNvSpPr>
-          <p:nvPr>
-            <p:ph idx="1"/>
-          </p:nvPr>
-        </p:nvSpPr>
-        <p:spPr/>
-        <p:txBody>
-          <a:bodyPr/>
-          <a:lstStyle/>
-          <a:p>
-            <a:r>
-              <a:rPr lang="en-US" dirty="0" smtClean="0"/>
-              <a:t>Our method imposes a minimum component size right at the beginning, unlike their method which imposes it as post processing. Essentially, we merge more than they do, the segmentation is less noisy and looks better, we think.</a:t>
-            </a:r>
-            <a:endParaRPr lang="en-US" dirty="0"/>
-          </a:p>
-        </p:txBody>
-      </p:sp>
-      <p:sp>
-        <p:nvSpPr>
-          <p:cNvPr id="4" name="Slide Number Placeholder 3"/>
+              <a:rPr lang="en-US" altLang="zh-CN" dirty="0" smtClean="0"/>
+              <a:t> wrapper</a:t>
+            </a:r>
+          </a:p>
+          <a:p>
+            <a:pPr lvl="2">
+              <a:buFont typeface="Wingdings" pitchFamily="2" charset="2"/>
+              <a:buChar char="l"/>
+            </a:pPr>
+            <a:r>
+              <a:rPr lang="en-US" altLang="zh-CN" dirty="0" smtClean="0"/>
+              <a:t>Java Implementation (Android)</a:t>
+            </a:r>
+          </a:p>
+          <a:p>
+            <a:pPr lvl="2">
+              <a:buFont typeface="Wingdings" pitchFamily="2" charset="2"/>
+              <a:buChar char="l"/>
+            </a:pPr>
+            <a:r>
+              <a:rPr lang="en-US" altLang="zh-CN" dirty="0" smtClean="0"/>
+              <a:t>C/C++ </a:t>
+            </a:r>
+            <a:r>
+              <a:rPr lang="en-US" altLang="zh-CN" dirty="0" smtClean="0"/>
+              <a:t>Implementation</a:t>
+            </a:r>
+          </a:p>
+          <a:p>
+            <a:pPr lvl="1">
+              <a:buFont typeface="Wingdings" pitchFamily="2" charset="2"/>
+              <a:buChar char="l"/>
+            </a:pPr>
+            <a:endParaRPr lang="en-US" altLang="zh-CN" dirty="0" smtClean="0"/>
+          </a:p>
+          <a:p>
+            <a:pPr lvl="1">
+              <a:buFont typeface="Wingdings" pitchFamily="2" charset="2"/>
+              <a:buChar char="l"/>
+            </a:pPr>
+            <a:r>
+              <a:rPr lang="en-US" altLang="zh-CN" dirty="0" smtClean="0"/>
+              <a:t>Conclusion</a:t>
+            </a:r>
+            <a:endParaRPr lang="zh-CN" altLang="en-US" dirty="0"/>
+          </a:p>
+        </p:txBody>
+      </p:sp>
+      <p:sp>
+        <p:nvSpPr>
+          <p:cNvPr id="4" name="灯片编号占位符 3"/>
           <p:cNvSpPr>
             <a:spLocks noGrp="1"/>
           </p:cNvSpPr>
@@ -4264,7 +5078,7 @@
       </p:sp>
       <p:sp>
         <p:nvSpPr>
-          <p:cNvPr id="9" name="Rectangle 8"/>
+          <p:cNvPr id="6" name="Rectangle 8"/>
           <p:cNvSpPr/>
           <p:nvPr/>
         </p:nvSpPr>
@@ -4308,14 +5122,6 @@
               </a:rPr>
               <a:t>ECE 278</a:t>
             </a:r>
-            <a:endParaRPr lang="en-US" sz="1400" dirty="0" smtClean="0">
-              <a:solidFill>
-                <a:schemeClr val="accent6">
-                  <a:lumMod val="40000"/>
-                  <a:lumOff val="60000"/>
-                </a:schemeClr>
-              </a:solidFill>
-            </a:endParaRPr>
           </a:p>
           <a:p>
             <a:pPr algn="ctr"/>
@@ -4335,7 +5141,7 @@
       </p:sp>
       <p:sp>
         <p:nvSpPr>
-          <p:cNvPr id="10" name="Rectangle 9"/>
+          <p:cNvPr id="7" name="Rectangle 9"/>
           <p:cNvSpPr/>
           <p:nvPr/>
         </p:nvSpPr>
@@ -4397,7 +5203,7 @@
       </p:sp>
       <p:sp>
         <p:nvSpPr>
-          <p:cNvPr id="11" name="Right Triangle 10"/>
+          <p:cNvPr id="8" name="Right Triangle 12"/>
           <p:cNvSpPr/>
           <p:nvPr/>
         </p:nvSpPr>
@@ -4440,11 +5246,6 @@
         </p:txBody>
       </p:sp>
     </p:spTree>
-    <p:extLst>
-      <p:ext uri="{BB962C8B-B14F-4D97-AF65-F5344CB8AC3E}">
-        <p14:creationId xmlns:p14="http://schemas.microsoft.com/office/powerpoint/2010/main" val="831815628"/>
-      </p:ext>
-    </p:extLst>
   </p:cSld>
   <p:clrMapOvr>
     <a:masterClrMapping/>
@@ -4471,7 +5272,7 @@
       </p:grpSpPr>
       <p:sp>
         <p:nvSpPr>
-          <p:cNvPr id="2" name="Title 1"/>
+          <p:cNvPr id="2" name="标题 1"/>
           <p:cNvSpPr>
             <a:spLocks noGrp="1"/>
           </p:cNvSpPr>
@@ -4479,33 +5280,102 @@
             <p:ph type="title"/>
           </p:nvPr>
         </p:nvSpPr>
-        <p:spPr>
-          <a:xfrm>
-            <a:off x="457200" y="152718"/>
-            <a:ext cx="8305800" cy="685482"/>
-          </a:xfrm>
-        </p:spPr>
-        <p:txBody>
-          <a:bodyPr>
-            <a:normAutofit/>
-          </a:bodyPr>
-          <a:lstStyle/>
-          <a:p>
-            <a:r>
-              <a:rPr lang="en-US" dirty="0" err="1" smtClean="0"/>
-              <a:t>Mex</a:t>
-            </a:r>
-            <a:r>
-              <a:rPr lang="en-US" dirty="0" smtClean="0"/>
-              <a:t> results</a:t>
-            </a:r>
-            <a:endParaRPr lang="en-US" dirty="0"/>
-          </a:p>
-        </p:txBody>
-      </p:sp>
-      <p:sp>
-        <p:nvSpPr>
-          <p:cNvPr id="4" name="Slide Number Placeholder 3"/>
+        <p:spPr/>
+        <p:txBody>
+          <a:bodyPr/>
+          <a:lstStyle/>
+          <a:p>
+            <a:r>
+              <a:rPr lang="en-US" altLang="zh-CN" dirty="0" smtClean="0"/>
+              <a:t>Method</a:t>
+            </a:r>
+            <a:br>
+              <a:rPr lang="en-US" altLang="zh-CN" dirty="0" smtClean="0"/>
+            </a:br>
+            <a:r>
+              <a:rPr lang="en-US" altLang="zh-CN" dirty="0" smtClean="0"/>
+              <a:t>Overview</a:t>
+            </a:r>
+            <a:endParaRPr lang="zh-CN" altLang="en-US" dirty="0"/>
+          </a:p>
+        </p:txBody>
+      </p:sp>
+      <p:sp>
+        <p:nvSpPr>
+          <p:cNvPr id="3" name="内容占位符 2"/>
+          <p:cNvSpPr>
+            <a:spLocks noGrp="1"/>
+          </p:cNvSpPr>
+          <p:nvPr>
+            <p:ph idx="1"/>
+          </p:nvPr>
+        </p:nvSpPr>
+        <p:spPr/>
+        <p:txBody>
+          <a:bodyPr/>
+          <a:lstStyle/>
+          <a:p>
+            <a:pPr marL="457200" indent="-457200">
+              <a:buAutoNum type="arabicPeriod"/>
+            </a:pPr>
+            <a:r>
+              <a:rPr lang="en-US" altLang="zh-CN" dirty="0" smtClean="0"/>
+              <a:t>Build graph with edge weight proportional to pixel “difference”</a:t>
+            </a:r>
+          </a:p>
+          <a:p>
+            <a:pPr marL="457200" indent="-457200">
+              <a:buAutoNum type="arabicPeriod"/>
+            </a:pPr>
+            <a:endParaRPr lang="en-US" altLang="zh-CN" dirty="0" smtClean="0"/>
+          </a:p>
+          <a:p>
+            <a:pPr marL="457200" indent="-457200">
+              <a:buAutoNum type="arabicPeriod"/>
+            </a:pPr>
+            <a:r>
+              <a:rPr lang="en-US" altLang="zh-CN" dirty="0" smtClean="0"/>
+              <a:t>Perform graph cut (merge pixels)</a:t>
+            </a:r>
+          </a:p>
+          <a:p>
+            <a:pPr marL="457200" indent="-457200" algn="ctr"/>
+            <a:r>
+              <a:rPr lang="sv-SE" altLang="zh-CN" dirty="0" smtClean="0"/>
+              <a:t>MInt(C1</a:t>
+            </a:r>
+            <a:r>
+              <a:rPr lang="sv-SE" altLang="zh-CN" dirty="0" smtClean="0"/>
+              <a:t>, C2) = min(Int(C1) + τ (C1), Int(C2) + τ (C2</a:t>
+            </a:r>
+            <a:r>
+              <a:rPr lang="sv-SE" altLang="zh-CN" dirty="0" smtClean="0"/>
+              <a:t>))</a:t>
+            </a:r>
+            <a:endParaRPr lang="en-US" altLang="zh-CN" dirty="0" smtClean="0"/>
+          </a:p>
+          <a:p>
+            <a:pPr marL="457200" indent="-457200">
+              <a:buAutoNum type="arabicPeriod"/>
+            </a:pPr>
+            <a:endParaRPr lang="en-US" altLang="zh-CN" dirty="0" smtClean="0"/>
+          </a:p>
+          <a:p>
+            <a:pPr marL="457200" indent="-457200">
+              <a:buFont typeface="+mj-lt"/>
+              <a:buAutoNum type="arabicPeriod" startAt="3"/>
+            </a:pPr>
+            <a:r>
+              <a:rPr lang="en-US" altLang="zh-CN" dirty="0" smtClean="0"/>
+              <a:t>Visualize results</a:t>
+            </a:r>
+            <a:endParaRPr lang="zh-CN" altLang="en-US" dirty="0"/>
+          </a:p>
+        </p:txBody>
+      </p:sp>
+      <p:sp>
+        <p:nvSpPr>
+          <p:cNvPr id="4" name="灯片编号占位符 3"/>
           <p:cNvSpPr>
             <a:spLocks noGrp="1"/>
           </p:cNvSpPr>
@@ -4529,7 +5399,7 @@
       </p:sp>
       <p:sp>
         <p:nvSpPr>
-          <p:cNvPr id="10" name="Rectangle 9"/>
+          <p:cNvPr id="5" name="Rectangle 8"/>
           <p:cNvSpPr/>
           <p:nvPr/>
         </p:nvSpPr>
@@ -4573,14 +5443,6 @@
               </a:rPr>
               <a:t>ECE 278</a:t>
             </a:r>
-            <a:endParaRPr lang="en-US" sz="1400" dirty="0" smtClean="0">
-              <a:solidFill>
-                <a:schemeClr val="accent6">
-                  <a:lumMod val="40000"/>
-                  <a:lumOff val="60000"/>
-                </a:schemeClr>
-              </a:solidFill>
-            </a:endParaRPr>
           </a:p>
           <a:p>
             <a:pPr algn="ctr"/>
@@ -4600,7 +5462,7 @@
       </p:sp>
       <p:sp>
         <p:nvSpPr>
-          <p:cNvPr id="11" name="Rectangle 10"/>
+          <p:cNvPr id="6" name="Rectangle 9"/>
           <p:cNvSpPr/>
           <p:nvPr/>
         </p:nvSpPr>
@@ -4662,7 +5524,7 @@
       </p:sp>
       <p:sp>
         <p:nvSpPr>
-          <p:cNvPr id="12" name="Right Triangle 11"/>
+          <p:cNvPr id="7" name="Right Triangle 12"/>
           <p:cNvSpPr/>
           <p:nvPr/>
         </p:nvSpPr>
@@ -4704,189 +5566,7 @@
           </a:p>
         </p:txBody>
       </p:sp>
-      <p:pic>
-        <p:nvPicPr>
-          <p:cNvPr id="14" name="Content Placeholder 13" descr="dog.jpg"/>
-          <p:cNvPicPr>
-            <a:picLocks noGrp="1" noChangeAspect="1"/>
-          </p:cNvPicPr>
-          <p:nvPr>
-            <p:ph idx="1"/>
-          </p:nvPr>
-        </p:nvPicPr>
-        <p:blipFill>
-          <a:blip r:embed="rId2" cstate="print">
-            <a:extLst>
-              <a:ext uri="{28A0092B-C50C-407E-A947-70E740481C1C}">
-                <a14:useLocalDpi xmlns:a14="http://schemas.microsoft.com/office/drawing/2010/main" val="0"/>
-              </a:ext>
-            </a:extLst>
-          </a:blip>
-          <a:srcRect t="4610" b="4610"/>
-          <a:stretch>
-            <a:fillRect/>
-          </a:stretch>
-        </p:blipFill>
-        <p:spPr>
-          <a:xfrm>
-            <a:off x="671002" y="762001"/>
-            <a:ext cx="3982868" cy="2286000"/>
-          </a:xfrm>
-        </p:spPr>
-      </p:pic>
-      <p:pic>
-        <p:nvPicPr>
-          <p:cNvPr id="15" name="Picture 14" descr="dog_RGB_s4.00_K200_mS400.jpg"/>
-          <p:cNvPicPr>
-            <a:picLocks noChangeAspect="1"/>
-          </p:cNvPicPr>
-          <p:nvPr/>
-        </p:nvPicPr>
-        <p:blipFill>
-          <a:blip r:embed="rId3" cstate="print">
-            <a:extLst>
-              <a:ext uri="{28A0092B-C50C-407E-A947-70E740481C1C}">
-                <a14:useLocalDpi xmlns:a14="http://schemas.microsoft.com/office/drawing/2010/main" val="0"/>
-              </a:ext>
-            </a:extLst>
-          </a:blip>
-          <a:stretch>
-            <a:fillRect/>
-          </a:stretch>
-        </p:blipFill>
-        <p:spPr>
-          <a:xfrm>
-            <a:off x="1676400" y="3365088"/>
-            <a:ext cx="4648200" cy="2938851"/>
-          </a:xfrm>
-          <a:prstGeom prst="rect">
-            <a:avLst/>
-          </a:prstGeom>
-        </p:spPr>
-      </p:pic>
-      <p:pic>
-        <p:nvPicPr>
-          <p:cNvPr id="16" name="Picture 15" descr="dog_s4_k200_compCode.jpg"/>
-          <p:cNvPicPr>
-            <a:picLocks noChangeAspect="1"/>
-          </p:cNvPicPr>
-          <p:nvPr/>
-        </p:nvPicPr>
-        <p:blipFill>
-          <a:blip r:embed="rId4" cstate="print">
-            <a:extLst>
-              <a:ext uri="{28A0092B-C50C-407E-A947-70E740481C1C}">
-                <a14:useLocalDpi xmlns:a14="http://schemas.microsoft.com/office/drawing/2010/main" val="0"/>
-              </a:ext>
-            </a:extLst>
-          </a:blip>
-          <a:stretch>
-            <a:fillRect/>
-          </a:stretch>
-        </p:blipFill>
-        <p:spPr>
-          <a:xfrm>
-            <a:off x="4876800" y="762000"/>
-            <a:ext cx="3608628" cy="2281577"/>
-          </a:xfrm>
-          <a:prstGeom prst="rect">
-            <a:avLst/>
-          </a:prstGeom>
-        </p:spPr>
-      </p:pic>
-      <p:sp>
-        <p:nvSpPr>
-          <p:cNvPr id="17" name="TextBox 16"/>
-          <p:cNvSpPr txBox="1"/>
-          <p:nvPr/>
-        </p:nvSpPr>
-        <p:spPr>
-          <a:xfrm>
-            <a:off x="685800" y="2971800"/>
-            <a:ext cx="2590800" cy="369332"/>
-          </a:xfrm>
-          <a:prstGeom prst="rect">
-            <a:avLst/>
-          </a:prstGeom>
-          <a:noFill/>
-        </p:spPr>
-        <p:txBody>
-          <a:bodyPr wrap="square" rtlCol="0">
-            <a:spAutoFit/>
-          </a:bodyPr>
-          <a:lstStyle/>
-          <a:p>
-            <a:r>
-              <a:rPr lang="en-US" dirty="0" smtClean="0"/>
-              <a:t>Original dog</a:t>
-            </a:r>
-          </a:p>
-        </p:txBody>
-      </p:sp>
-      <p:sp>
-        <p:nvSpPr>
-          <p:cNvPr id="18" name="TextBox 17"/>
-          <p:cNvSpPr txBox="1"/>
-          <p:nvPr/>
-        </p:nvSpPr>
-        <p:spPr>
-          <a:xfrm>
-            <a:off x="4800600" y="2971800"/>
-            <a:ext cx="2590800" cy="369332"/>
-          </a:xfrm>
-          <a:prstGeom prst="rect">
-            <a:avLst/>
-          </a:prstGeom>
-          <a:noFill/>
-        </p:spPr>
-        <p:txBody>
-          <a:bodyPr wrap="square" rtlCol="0">
-            <a:spAutoFit/>
-          </a:bodyPr>
-          <a:lstStyle/>
-          <a:p>
-            <a:r>
-              <a:rPr lang="en-US" dirty="0" smtClean="0"/>
-              <a:t>Their Result</a:t>
-            </a:r>
-          </a:p>
-        </p:txBody>
-      </p:sp>
-      <p:sp>
-        <p:nvSpPr>
-          <p:cNvPr id="19" name="TextBox 18"/>
-          <p:cNvSpPr txBox="1"/>
-          <p:nvPr/>
-        </p:nvSpPr>
-        <p:spPr>
-          <a:xfrm>
-            <a:off x="6324600" y="5943600"/>
-            <a:ext cx="2590800" cy="369332"/>
-          </a:xfrm>
-          <a:prstGeom prst="rect">
-            <a:avLst/>
-          </a:prstGeom>
-          <a:noFill/>
-        </p:spPr>
-        <p:txBody>
-          <a:bodyPr wrap="square" rtlCol="0">
-            <a:spAutoFit/>
-          </a:bodyPr>
-          <a:lstStyle/>
-          <a:p>
-            <a:r>
-              <a:rPr lang="en-US" dirty="0" smtClean="0"/>
-              <a:t>Our Result</a:t>
-            </a:r>
-          </a:p>
-        </p:txBody>
-      </p:sp>
     </p:spTree>
-    <p:extLst>
-      <p:ext uri="{BB962C8B-B14F-4D97-AF65-F5344CB8AC3E}">
-        <p14:creationId xmlns:p14="http://schemas.microsoft.com/office/powerpoint/2010/main" val="4159708136"/>
-      </p:ext>
-    </p:extLst>
   </p:cSld>
   <p:clrMapOvr>
     <a:masterClrMapping/>
@@ -4928,7 +5608,14 @@
           <a:p>
             <a:r>
               <a:rPr lang="en-US" dirty="0" smtClean="0"/>
-              <a:t>Android Implementation</a:t>
+              <a:t>C/C++</a:t>
+            </a:r>
+            <a:br>
+              <a:rPr lang="en-US" dirty="0" smtClean="0"/>
+            </a:br>
+            <a:r>
+              <a:rPr lang="en-US" dirty="0" smtClean="0"/>
+              <a:t>implementation</a:t>
             </a:r>
             <a:endParaRPr lang="en-US" dirty="0"/>
           </a:p>
@@ -4951,26 +5638,13 @@
           <a:p>
             <a:r>
               <a:rPr lang="en-US" dirty="0" smtClean="0"/>
-              <a:t>Hardware limitations, especially regarding memory require us to down sample the original input image.</a:t>
-            </a:r>
-          </a:p>
-          <a:p>
+              <a:t>Our method imposes a minimum component size right at the beginning, unlike their method which imposes it as post processing. Essentially, we merge more than they do, the segmentation is less noisy and looks </a:t>
+            </a:r>
+            <a:r>
+              <a:rPr lang="en-US" dirty="0" smtClean="0"/>
+              <a:t>better.</a:t>
+            </a:r>
             <a:endParaRPr lang="en-US" dirty="0"/>
-          </a:p>
-          <a:p>
-            <a:r>
-              <a:rPr lang="en-US" dirty="0" smtClean="0"/>
-              <a:t>Interface and some function rewritten in Java, but the core code is still in C/C++.</a:t>
-            </a:r>
-          </a:p>
-          <a:p>
-            <a:endParaRPr lang="en-US" dirty="0"/>
-          </a:p>
-          <a:p>
-            <a:r>
-              <a:rPr lang="en-US" dirty="0" smtClean="0"/>
-              <a:t>Need about 5 seconds to segment the image on an average $100 phone.</a:t>
-            </a:r>
           </a:p>
         </p:txBody>
       </p:sp>
@@ -5000,7 +5674,7 @@
       </p:sp>
       <p:sp>
         <p:nvSpPr>
-          <p:cNvPr id="8" name="Rectangle 7"/>
+          <p:cNvPr id="9" name="Rectangle 8"/>
           <p:cNvSpPr/>
           <p:nvPr/>
         </p:nvSpPr>
@@ -5044,14 +5718,6 @@
               </a:rPr>
               <a:t>ECE 278</a:t>
             </a:r>
-            <a:endParaRPr lang="en-US" sz="1400" dirty="0" smtClean="0">
-              <a:solidFill>
-                <a:schemeClr val="accent6">
-                  <a:lumMod val="40000"/>
-                  <a:lumOff val="60000"/>
-                </a:schemeClr>
-              </a:solidFill>
-            </a:endParaRPr>
           </a:p>
           <a:p>
             <a:pPr algn="ctr"/>
@@ -5071,7 +5737,7 @@
       </p:sp>
       <p:sp>
         <p:nvSpPr>
-          <p:cNvPr id="9" name="Rectangle 8"/>
+          <p:cNvPr id="10" name="Rectangle 9"/>
           <p:cNvSpPr/>
           <p:nvPr/>
         </p:nvSpPr>
@@ -5133,7 +5799,7 @@
       </p:sp>
       <p:sp>
         <p:nvSpPr>
-          <p:cNvPr id="10" name="Right Triangle 9"/>
+          <p:cNvPr id="11" name="Right Triangle 10"/>
           <p:cNvSpPr/>
           <p:nvPr/>
         </p:nvSpPr>
@@ -5178,7 +5844,7 @@
     </p:spTree>
     <p:extLst>
       <p:ext uri="{BB962C8B-B14F-4D97-AF65-F5344CB8AC3E}">
-        <p14:creationId xmlns:p14="http://schemas.microsoft.com/office/powerpoint/2010/main" val="1114271120"/>
+        <p14:creationId xmlns:p14="http://schemas.microsoft.com/office/powerpoint/2010/main" xmlns="" val="831815628"/>
       </p:ext>
     </p:extLst>
   </p:cSld>
@@ -5215,14 +5881,25 @@
             <p:ph type="title"/>
           </p:nvPr>
         </p:nvSpPr>
-        <p:spPr/>
-        <p:txBody>
-          <a:bodyPr/>
-          <a:lstStyle/>
-          <a:p>
+        <p:spPr>
+          <a:xfrm>
+            <a:off x="457200" y="152718"/>
+            <a:ext cx="8305800" cy="685482"/>
+          </a:xfrm>
+        </p:spPr>
+        <p:txBody>
+          <a:bodyPr>
+            <a:normAutofit/>
+          </a:bodyPr>
+          <a:lstStyle/>
+          <a:p>
+            <a:r>
+              <a:rPr lang="en-US" dirty="0" err="1" smtClean="0"/>
+              <a:t>Mex</a:t>
+            </a:r>
             <a:r>
               <a:rPr lang="en-US" dirty="0" smtClean="0"/>
-              <a:t>Multidimensional graph construct</a:t>
+              <a:t> results</a:t>
             </a:r>
             <a:endParaRPr lang="en-US" dirty="0"/>
           </a:p>
@@ -5254,7 +5931,7 @@
       </p:sp>
       <p:sp>
         <p:nvSpPr>
-          <p:cNvPr id="5" name="Rectangle 4"/>
+          <p:cNvPr id="10" name="Rectangle 9"/>
           <p:cNvSpPr/>
           <p:nvPr/>
         </p:nvSpPr>
@@ -5298,14 +5975,6 @@
               </a:rPr>
               <a:t>ECE 278</a:t>
             </a:r>
-            <a:endParaRPr lang="en-US" sz="1400" dirty="0" smtClean="0">
-              <a:solidFill>
-                <a:schemeClr val="accent6">
-                  <a:lumMod val="40000"/>
-                  <a:lumOff val="60000"/>
-                </a:schemeClr>
-              </a:solidFill>
-            </a:endParaRPr>
           </a:p>
           <a:p>
             <a:pPr algn="ctr"/>
@@ -5325,7 +5994,7 @@
       </p:sp>
       <p:sp>
         <p:nvSpPr>
-          <p:cNvPr id="6" name="Rectangle 5"/>
+          <p:cNvPr id="11" name="Rectangle 10"/>
           <p:cNvSpPr/>
           <p:nvPr/>
         </p:nvSpPr>
@@ -5387,7 +6056,7 @@
       </p:sp>
       <p:sp>
         <p:nvSpPr>
-          <p:cNvPr id="7" name="Right Triangle 6"/>
+          <p:cNvPr id="12" name="Right Triangle 11"/>
           <p:cNvSpPr/>
           <p:nvPr/>
         </p:nvSpPr>
@@ -5431,7 +6100,7 @@
       </p:sp>
       <p:pic>
         <p:nvPicPr>
-          <p:cNvPr id="12" name="Content Placeholder 11" descr="lena512AnnYCrCbSmoothMerge.png"/>
+          <p:cNvPr id="14" name="Content Placeholder 13" descr="dog.jpg"/>
           <p:cNvPicPr>
             <a:picLocks noGrp="1" noChangeAspect="1"/>
           </p:cNvPicPr>
@@ -5440,38 +6109,38 @@
           </p:nvPr>
         </p:nvPicPr>
         <p:blipFill>
-          <a:blip r:embed="rId2">
+          <a:blip r:embed="rId2" cstate="print">
             <a:extLst>
               <a:ext uri="{28A0092B-C50C-407E-A947-70E740481C1C}">
-                <a14:useLocalDpi xmlns:a14="http://schemas.microsoft.com/office/drawing/2010/main" val="0"/>
+                <a14:useLocalDpi xmlns:a14="http://schemas.microsoft.com/office/drawing/2010/main" xmlns="" val="0"/>
               </a:ext>
             </a:extLst>
           </a:blip>
-          <a:srcRect l="-37114" r="-37114"/>
+          <a:srcRect t="4610" b="4610"/>
           <a:stretch>
             <a:fillRect/>
           </a:stretch>
         </p:blipFill>
         <p:spPr>
           <a:xfrm>
-            <a:off x="2895600" y="1752600"/>
-            <a:ext cx="7315200" cy="4198620"/>
+            <a:off x="671002" y="762001"/>
+            <a:ext cx="3982868" cy="2286000"/>
           </a:xfrm>
         </p:spPr>
       </p:pic>
       <p:pic>
         <p:nvPicPr>
-          <p:cNvPr id="13" name="Picture 12" descr="lena.tiff"/>
+          <p:cNvPr id="15" name="Picture 14" descr="dog_RGB_s4.00_K200_mS400.jpg"/>
           <p:cNvPicPr>
             <a:picLocks noChangeAspect="1"/>
           </p:cNvPicPr>
           <p:nvPr/>
         </p:nvPicPr>
         <p:blipFill>
-          <a:blip r:embed="rId3">
+          <a:blip r:embed="rId3" cstate="print">
             <a:extLst>
               <a:ext uri="{28A0092B-C50C-407E-A947-70E740481C1C}">
-                <a14:useLocalDpi xmlns:a14="http://schemas.microsoft.com/office/drawing/2010/main" val="0"/>
+                <a14:useLocalDpi xmlns:a14="http://schemas.microsoft.com/office/drawing/2010/main" xmlns="" val="0"/>
               </a:ext>
             </a:extLst>
           </a:blip>
@@ -5481,24 +6150,54 @@
         </p:blipFill>
         <p:spPr>
           <a:xfrm>
-            <a:off x="30927" y="1752600"/>
-            <a:ext cx="4191000" cy="4191000"/>
+            <a:off x="1676400" y="3365088"/>
+            <a:ext cx="4648200" cy="2938851"/>
           </a:xfrm>
           <a:prstGeom prst="rect">
             <a:avLst/>
           </a:prstGeom>
         </p:spPr>
       </p:pic>
-      <p:sp>
-        <p:nvSpPr>
-          <p:cNvPr id="14" name="TextBox 13"/>
+      <p:pic>
+        <p:nvPicPr>
+          <p:cNvPr id="16" name="Picture 15" descr="dog_s4_k200_compCode.jpg"/>
+          <p:cNvPicPr>
+            <a:picLocks noChangeAspect="1"/>
+          </p:cNvPicPr>
+          <p:nvPr/>
+        </p:nvPicPr>
+        <p:blipFill>
+          <a:blip r:embed="rId4" cstate="print">
+            <a:extLst>
+              <a:ext uri="{28A0092B-C50C-407E-A947-70E740481C1C}">
+                <a14:useLocalDpi xmlns:a14="http://schemas.microsoft.com/office/drawing/2010/main" xmlns="" val="0"/>
+              </a:ext>
+            </a:extLst>
+          </a:blip>
+          <a:stretch>
+            <a:fillRect/>
+          </a:stretch>
+        </p:blipFill>
+        <p:spPr>
+          <a:xfrm>
+            <a:off x="4876800" y="762000"/>
+            <a:ext cx="3608628" cy="2281577"/>
+          </a:xfrm>
+          <a:prstGeom prst="rect">
+            <a:avLst/>
+          </a:prstGeom>
+        </p:spPr>
+      </p:pic>
+      <p:sp>
+        <p:nvSpPr>
+          <p:cNvPr id="17" name="TextBox 16"/>
           <p:cNvSpPr txBox="1"/>
           <p:nvPr/>
         </p:nvSpPr>
         <p:spPr>
           <a:xfrm>
-            <a:off x="0" y="5867400"/>
-            <a:ext cx="1557713" cy="369332"/>
+            <a:off x="685800" y="2971800"/>
+            <a:ext cx="2590800" cy="369332"/>
           </a:xfrm>
           <a:prstGeom prst="rect">
             <a:avLst/>
@@ -5506,29 +6205,28 @@
           <a:noFill/>
         </p:spPr>
         <p:txBody>
-          <a:bodyPr wrap="none" rtlCol="0">
+          <a:bodyPr wrap="square" rtlCol="0">
             <a:spAutoFit/>
           </a:bodyPr>
           <a:lstStyle/>
           <a:p>
             <a:r>
               <a:rPr lang="en-US" dirty="0" smtClean="0"/>
-              <a:t>Original Lena</a:t>
-            </a:r>
-            <a:endParaRPr lang="en-US" dirty="0"/>
-          </a:p>
-        </p:txBody>
-      </p:sp>
-      <p:sp>
-        <p:nvSpPr>
-          <p:cNvPr id="15" name="TextBox 14"/>
+              <a:t>Original dog</a:t>
+            </a:r>
+          </a:p>
+        </p:txBody>
+      </p:sp>
+      <p:sp>
+        <p:nvSpPr>
+          <p:cNvPr id="18" name="TextBox 17"/>
           <p:cNvSpPr txBox="1"/>
           <p:nvPr/>
         </p:nvSpPr>
         <p:spPr>
           <a:xfrm>
-            <a:off x="4419600" y="5867400"/>
-            <a:ext cx="2562758" cy="369332"/>
+            <a:off x="4800600" y="2971800"/>
+            <a:ext cx="2590800" cy="369332"/>
           </a:xfrm>
           <a:prstGeom prst="rect">
             <a:avLst/>
@@ -5536,31 +6234,51 @@
           <a:noFill/>
         </p:spPr>
         <p:txBody>
-          <a:bodyPr wrap="none" rtlCol="0">
+          <a:bodyPr wrap="square" rtlCol="0">
             <a:spAutoFit/>
           </a:bodyPr>
           <a:lstStyle/>
           <a:p>
             <a:r>
-              <a:rPr lang="en-US" dirty="0" err="1"/>
-              <a:t>x</a:t>
-            </a:r>
-            <a:r>
-              <a:rPr lang="en-US" dirty="0" err="1" smtClean="0"/>
-              <a:t>,y,Y,Cr,Cb</a:t>
-            </a:r>
-            <a:r>
               <a:rPr lang="en-US" dirty="0" smtClean="0"/>
-              <a:t> space Lena</a:t>
-            </a:r>
-            <a:endParaRPr lang="en-US" dirty="0"/>
+              <a:t>Their Result</a:t>
+            </a:r>
+          </a:p>
+        </p:txBody>
+      </p:sp>
+      <p:sp>
+        <p:nvSpPr>
+          <p:cNvPr id="19" name="TextBox 18"/>
+          <p:cNvSpPr txBox="1"/>
+          <p:nvPr/>
+        </p:nvSpPr>
+        <p:spPr>
+          <a:xfrm>
+            <a:off x="6324600" y="5943600"/>
+            <a:ext cx="2590800" cy="369332"/>
+          </a:xfrm>
+          <a:prstGeom prst="rect">
+            <a:avLst/>
+          </a:prstGeom>
+          <a:noFill/>
+        </p:spPr>
+        <p:txBody>
+          <a:bodyPr wrap="square" rtlCol="0">
+            <a:spAutoFit/>
+          </a:bodyPr>
+          <a:lstStyle/>
+          <a:p>
+            <a:r>
+              <a:rPr lang="en-US" dirty="0" smtClean="0"/>
+              <a:t>Our Result</a:t>
+            </a:r>
           </a:p>
         </p:txBody>
       </p:sp>
     </p:spTree>
     <p:extLst>
       <p:ext uri="{BB962C8B-B14F-4D97-AF65-F5344CB8AC3E}">
-        <p14:creationId xmlns:p14="http://schemas.microsoft.com/office/powerpoint/2010/main" val="554404530"/>
+        <p14:creationId xmlns:p14="http://schemas.microsoft.com/office/powerpoint/2010/main" xmlns="" val="4159708136"/>
       </p:ext>
     </p:extLst>
   </p:cSld>
@@ -5603,8 +6321,49 @@
           <a:lstStyle/>
           <a:p>
             <a:r>
-              <a:rPr lang="en-US" dirty="0"/>
-              <a:t>Multidimensional graph construct</a:t>
+              <a:rPr lang="en-US" dirty="0" smtClean="0"/>
+              <a:t>Android Implementation</a:t>
+            </a:r>
+            <a:endParaRPr lang="en-US" dirty="0"/>
+          </a:p>
+        </p:txBody>
+      </p:sp>
+      <p:sp>
+        <p:nvSpPr>
+          <p:cNvPr id="3" name="Content Placeholder 2"/>
+          <p:cNvSpPr>
+            <a:spLocks noGrp="1"/>
+          </p:cNvSpPr>
+          <p:nvPr>
+            <p:ph idx="1"/>
+          </p:nvPr>
+        </p:nvSpPr>
+        <p:spPr/>
+        <p:txBody>
+          <a:bodyPr/>
+          <a:lstStyle/>
+          <a:p>
+            <a:r>
+              <a:rPr lang="en-US" dirty="0" smtClean="0"/>
+              <a:t>Hardware limitations, especially regarding memory require us to down sample the original input image.</a:t>
+            </a:r>
+          </a:p>
+          <a:p>
+            <a:endParaRPr lang="en-US" dirty="0"/>
+          </a:p>
+          <a:p>
+            <a:r>
+              <a:rPr lang="en-US" dirty="0" smtClean="0"/>
+              <a:t>Interface and some function rewritten in Java, but the core code is still in C/C++.</a:t>
+            </a:r>
+          </a:p>
+          <a:p>
+            <a:endParaRPr lang="en-US" dirty="0"/>
+          </a:p>
+          <a:p>
+            <a:r>
+              <a:rPr lang="en-US" dirty="0" smtClean="0"/>
+              <a:t>Need about 5 seconds to segment the image on an average $100 phone.</a:t>
             </a:r>
           </a:p>
         </p:txBody>
@@ -5635,7 +6394,7 @@
       </p:sp>
       <p:sp>
         <p:nvSpPr>
-          <p:cNvPr id="5" name="Rectangle 4"/>
+          <p:cNvPr id="8" name="Rectangle 7"/>
           <p:cNvSpPr/>
           <p:nvPr/>
         </p:nvSpPr>
@@ -5679,14 +6438,6 @@
               </a:rPr>
               <a:t>ECE 278</a:t>
             </a:r>
-            <a:endParaRPr lang="en-US" sz="1400" dirty="0" smtClean="0">
-              <a:solidFill>
-                <a:schemeClr val="accent6">
-                  <a:lumMod val="40000"/>
-                  <a:lumOff val="60000"/>
-                </a:schemeClr>
-              </a:solidFill>
-            </a:endParaRPr>
           </a:p>
           <a:p>
             <a:pPr algn="ctr"/>
@@ -5706,7 +6457,7 @@
       </p:sp>
       <p:sp>
         <p:nvSpPr>
-          <p:cNvPr id="6" name="Rectangle 5"/>
+          <p:cNvPr id="9" name="Rectangle 8"/>
           <p:cNvSpPr/>
           <p:nvPr/>
         </p:nvSpPr>
@@ -5768,7 +6519,7 @@
       </p:sp>
       <p:sp>
         <p:nvSpPr>
-          <p:cNvPr id="7" name="Right Triangle 6"/>
+          <p:cNvPr id="10" name="Right Triangle 9"/>
           <p:cNvSpPr/>
           <p:nvPr/>
         </p:nvSpPr>
@@ -5810,150 +6561,10 @@
           </a:p>
         </p:txBody>
       </p:sp>
-      <p:sp>
-        <p:nvSpPr>
-          <p:cNvPr id="9" name="TextBox 8"/>
-          <p:cNvSpPr txBox="1"/>
-          <p:nvPr/>
-        </p:nvSpPr>
-        <p:spPr>
-          <a:xfrm>
-            <a:off x="0" y="5867400"/>
-            <a:ext cx="2387267" cy="369332"/>
-          </a:xfrm>
-          <a:prstGeom prst="rect">
-            <a:avLst/>
-          </a:prstGeom>
-          <a:noFill/>
-        </p:spPr>
-        <p:txBody>
-          <a:bodyPr wrap="none" rtlCol="0">
-            <a:spAutoFit/>
-          </a:bodyPr>
-          <a:lstStyle/>
-          <a:p>
-            <a:r>
-              <a:rPr lang="en-US" dirty="0" err="1" smtClean="0"/>
-              <a:t>x,y,H,S,V</a:t>
-            </a:r>
-            <a:r>
-              <a:rPr lang="en-US" dirty="0" smtClean="0"/>
-              <a:t> space Lena</a:t>
-            </a:r>
-            <a:endParaRPr lang="en-US" dirty="0"/>
-          </a:p>
-        </p:txBody>
-      </p:sp>
-      <p:pic>
-        <p:nvPicPr>
-          <p:cNvPr id="10" name="Picture 9" descr="lena512AnnHSVSmoothMerge.png"/>
-          <p:cNvPicPr>
-            <a:picLocks noChangeAspect="1"/>
-          </p:cNvPicPr>
-          <p:nvPr/>
-        </p:nvPicPr>
-        <p:blipFill>
-          <a:blip r:embed="rId2">
-            <a:extLst>
-              <a:ext uri="{28A0092B-C50C-407E-A947-70E740481C1C}">
-                <a14:useLocalDpi xmlns:a14="http://schemas.microsoft.com/office/drawing/2010/main" val="0"/>
-              </a:ext>
-            </a:extLst>
-          </a:blip>
-          <a:stretch>
-            <a:fillRect/>
-          </a:stretch>
-        </p:blipFill>
-        <p:spPr>
-          <a:xfrm>
-            <a:off x="29810" y="1600200"/>
-            <a:ext cx="4241800" cy="4241800"/>
-          </a:xfrm>
-          <a:prstGeom prst="rect">
-            <a:avLst/>
-          </a:prstGeom>
-        </p:spPr>
-      </p:pic>
-      <p:pic>
-        <p:nvPicPr>
-          <p:cNvPr id="11" name="Picture 10" descr="lena512AnnLabSmoothMerge.png"/>
-          <p:cNvPicPr>
-            <a:picLocks noChangeAspect="1"/>
-          </p:cNvPicPr>
-          <p:nvPr/>
-        </p:nvPicPr>
-        <p:blipFill>
-          <a:blip r:embed="rId3">
-            <a:extLst>
-              <a:ext uri="{28A0092B-C50C-407E-A947-70E740481C1C}">
-                <a14:useLocalDpi xmlns:a14="http://schemas.microsoft.com/office/drawing/2010/main" val="0"/>
-              </a:ext>
-            </a:extLst>
-          </a:blip>
-          <a:stretch>
-            <a:fillRect/>
-          </a:stretch>
-        </p:blipFill>
-        <p:spPr>
-          <a:xfrm>
-            <a:off x="4419600" y="1600200"/>
-            <a:ext cx="4241800" cy="4241800"/>
-          </a:xfrm>
-          <a:prstGeom prst="rect">
-            <a:avLst/>
-          </a:prstGeom>
-        </p:spPr>
-      </p:pic>
-      <p:sp>
-        <p:nvSpPr>
-          <p:cNvPr id="12" name="TextBox 11"/>
-          <p:cNvSpPr txBox="1"/>
-          <p:nvPr/>
-        </p:nvSpPr>
-        <p:spPr>
-          <a:xfrm>
-            <a:off x="4419600" y="5791200"/>
-            <a:ext cx="2348945" cy="369332"/>
-          </a:xfrm>
-          <a:prstGeom prst="rect">
-            <a:avLst/>
-          </a:prstGeom>
-          <a:noFill/>
-        </p:spPr>
-        <p:txBody>
-          <a:bodyPr wrap="none" rtlCol="0">
-            <a:spAutoFit/>
-          </a:bodyPr>
-          <a:lstStyle/>
-          <a:p>
-            <a:r>
-              <a:rPr lang="en-US" dirty="0" err="1" smtClean="0"/>
-              <a:t>x,y,L,</a:t>
-            </a:r>
-            <a:r>
-              <a:rPr lang="en-US" dirty="0" err="1"/>
-              <a:t>A</a:t>
-            </a:r>
-            <a:r>
-              <a:rPr lang="en-US" dirty="0" err="1" smtClean="0"/>
-              <a:t>,</a:t>
-            </a:r>
-            <a:r>
-              <a:rPr lang="en-US" dirty="0" err="1"/>
-              <a:t>B</a:t>
-            </a:r>
-            <a:r>
-              <a:rPr lang="en-US" dirty="0" smtClean="0"/>
-              <a:t> space Lena</a:t>
-            </a:r>
-            <a:endParaRPr lang="en-US" dirty="0"/>
-          </a:p>
-        </p:txBody>
-      </p:sp>
     </p:spTree>
     <p:extLst>
       <p:ext uri="{BB962C8B-B14F-4D97-AF65-F5344CB8AC3E}">
-        <p14:creationId xmlns:p14="http://schemas.microsoft.com/office/powerpoint/2010/main" val="3078452440"/>
+        <p14:creationId xmlns:p14="http://schemas.microsoft.com/office/powerpoint/2010/main" xmlns="" val="1114271120"/>
       </p:ext>
     </p:extLst>
   </p:cSld>
@@ -5996,70 +6607,10 @@
           <a:lstStyle/>
           <a:p>
             <a:r>
-              <a:rPr lang="en-US" dirty="0" err="1" smtClean="0"/>
-              <a:t>MultiDim</a:t>
-            </a:r>
-            <a:r>
               <a:rPr lang="en-US" dirty="0" smtClean="0"/>
-              <a:t>. Implementation</a:t>
+              <a:t>Multidimensional graph construct</a:t>
             </a:r>
             <a:endParaRPr lang="en-US" dirty="0"/>
-          </a:p>
-        </p:txBody>
-      </p:sp>
-      <p:sp>
-        <p:nvSpPr>
-          <p:cNvPr id="3" name="Content Placeholder 2"/>
-          <p:cNvSpPr>
-            <a:spLocks noGrp="1"/>
-          </p:cNvSpPr>
-          <p:nvPr>
-            <p:ph idx="1"/>
-          </p:nvPr>
-        </p:nvSpPr>
-        <p:spPr/>
-        <p:txBody>
-          <a:bodyPr/>
-          <a:lstStyle/>
-          <a:p>
-            <a:r>
-              <a:rPr lang="en-US" dirty="0" smtClean="0"/>
-              <a:t>Distance between pixels is measured by L2 distance in 5-D space.</a:t>
-            </a:r>
-          </a:p>
-          <a:p>
-            <a:endParaRPr lang="en-US" dirty="0"/>
-          </a:p>
-          <a:p>
-            <a:r>
-              <a:rPr lang="en-US" dirty="0" smtClean="0"/>
-              <a:t>Exact k-</a:t>
-            </a:r>
-            <a:r>
-              <a:rPr lang="en-US" dirty="0"/>
-              <a:t>n</a:t>
-            </a:r>
-            <a:r>
-              <a:rPr lang="en-US" dirty="0" smtClean="0"/>
-              <a:t>earest </a:t>
-            </a:r>
-            <a:r>
-              <a:rPr lang="en-US" dirty="0"/>
-              <a:t>n</a:t>
-            </a:r>
-            <a:r>
-              <a:rPr lang="en-US" dirty="0" smtClean="0"/>
-              <a:t>eighbor for every pixel runs too slowly (~30 minutes for 512x512 image).</a:t>
-            </a:r>
-          </a:p>
-          <a:p>
-            <a:endParaRPr lang="en-US" dirty="0"/>
-          </a:p>
-          <a:p>
-            <a:r>
-              <a:rPr lang="en-US" dirty="0" smtClean="0"/>
-              <a:t>Approximate k-nearest neighbor runs in 2 or 3 minutes for image of the same size.</a:t>
-            </a:r>
           </a:p>
         </p:txBody>
       </p:sp>
@@ -6133,14 +6684,6 @@
               </a:rPr>
               <a:t>ECE 278</a:t>
             </a:r>
-            <a:endParaRPr lang="en-US" sz="1400" dirty="0" smtClean="0">
-              <a:solidFill>
-                <a:schemeClr val="accent6">
-                  <a:lumMod val="40000"/>
-                  <a:lumOff val="60000"/>
-                </a:schemeClr>
-              </a:solidFill>
-            </a:endParaRPr>
           </a:p>
           <a:p>
             <a:pPr algn="ctr"/>
@@ -6264,10 +6807,138 @@
           </a:p>
         </p:txBody>
       </p:sp>
+      <p:pic>
+        <p:nvPicPr>
+          <p:cNvPr id="12" name="Content Placeholder 11" descr="lena512AnnYCrCbSmoothMerge.png"/>
+          <p:cNvPicPr>
+            <a:picLocks noGrp="1" noChangeAspect="1"/>
+          </p:cNvPicPr>
+          <p:nvPr>
+            <p:ph idx="1"/>
+          </p:nvPr>
+        </p:nvPicPr>
+        <p:blipFill>
+          <a:blip r:embed="rId2" cstate="print">
+            <a:extLst>
+              <a:ext uri="{28A0092B-C50C-407E-A947-70E740481C1C}">
+                <a14:useLocalDpi xmlns:a14="http://schemas.microsoft.com/office/drawing/2010/main" xmlns="" val="0"/>
+              </a:ext>
+            </a:extLst>
+          </a:blip>
+          <a:srcRect l="-37114" r="-37114"/>
+          <a:stretch>
+            <a:fillRect/>
+          </a:stretch>
+        </p:blipFill>
+        <p:spPr>
+          <a:xfrm>
+            <a:off x="2895600" y="1752600"/>
+            <a:ext cx="7315200" cy="4198620"/>
+          </a:xfrm>
+        </p:spPr>
+      </p:pic>
+      <p:pic>
+        <p:nvPicPr>
+          <p:cNvPr id="13" name="Picture 12" descr="lena.tiff"/>
+          <p:cNvPicPr>
+            <a:picLocks noChangeAspect="1"/>
+          </p:cNvPicPr>
+          <p:nvPr/>
+        </p:nvPicPr>
+        <p:blipFill>
+          <a:blip r:embed="rId3" cstate="print">
+            <a:extLst>
+              <a:ext uri="{28A0092B-C50C-407E-A947-70E740481C1C}">
+                <a14:useLocalDpi xmlns:a14="http://schemas.microsoft.com/office/drawing/2010/main" xmlns="" val="0"/>
+              </a:ext>
+            </a:extLst>
+          </a:blip>
+          <a:stretch>
+            <a:fillRect/>
+          </a:stretch>
+        </p:blipFill>
+        <p:spPr>
+          <a:xfrm>
+            <a:off x="30927" y="1752600"/>
+            <a:ext cx="4191000" cy="4191000"/>
+          </a:xfrm>
+          <a:prstGeom prst="rect">
+            <a:avLst/>
+          </a:prstGeom>
+        </p:spPr>
+      </p:pic>
+      <p:sp>
+        <p:nvSpPr>
+          <p:cNvPr id="14" name="TextBox 13"/>
+          <p:cNvSpPr txBox="1"/>
+          <p:nvPr/>
+        </p:nvSpPr>
+        <p:spPr>
+          <a:xfrm>
+            <a:off x="0" y="5867400"/>
+            <a:ext cx="1557713" cy="369332"/>
+          </a:xfrm>
+          <a:prstGeom prst="rect">
+            <a:avLst/>
+          </a:prstGeom>
+          <a:noFill/>
+        </p:spPr>
+        <p:txBody>
+          <a:bodyPr wrap="none" rtlCol="0">
+            <a:spAutoFit/>
+          </a:bodyPr>
+          <a:lstStyle/>
+          <a:p>
+            <a:r>
+              <a:rPr lang="en-US" dirty="0" smtClean="0"/>
+              <a:t>Original Lena</a:t>
+            </a:r>
+            <a:endParaRPr lang="en-US" dirty="0"/>
+          </a:p>
+        </p:txBody>
+      </p:sp>
+      <p:sp>
+        <p:nvSpPr>
+          <p:cNvPr id="15" name="TextBox 14"/>
+          <p:cNvSpPr txBox="1"/>
+          <p:nvPr/>
+        </p:nvSpPr>
+        <p:spPr>
+          <a:xfrm>
+            <a:off x="4419600" y="5867400"/>
+            <a:ext cx="2562758" cy="369332"/>
+          </a:xfrm>
+          <a:prstGeom prst="rect">
+            <a:avLst/>
+          </a:prstGeom>
+          <a:noFill/>
+        </p:spPr>
+        <p:txBody>
+          <a:bodyPr wrap="none" rtlCol="0">
+            <a:spAutoFit/>
+          </a:bodyPr>
+          <a:lstStyle/>
+          <a:p>
+            <a:r>
+              <a:rPr lang="en-US" dirty="0" err="1"/>
+              <a:t>x</a:t>
+            </a:r>
+            <a:r>
+              <a:rPr lang="en-US" dirty="0" err="1" smtClean="0"/>
+              <a:t>,y,Y,Cr,Cb</a:t>
+            </a:r>
+            <a:r>
+              <a:rPr lang="en-US" dirty="0" smtClean="0"/>
+              <a:t> space Lena</a:t>
+            </a:r>
+            <a:endParaRPr lang="en-US" dirty="0"/>
+          </a:p>
+        </p:txBody>
+      </p:sp>
     </p:spTree>
     <p:extLst>
       <p:ext uri="{BB962C8B-B14F-4D97-AF65-F5344CB8AC3E}">
-        <p14:creationId xmlns:p14="http://schemas.microsoft.com/office/powerpoint/2010/main" val="302842593"/>
+        <p14:creationId xmlns:p14="http://schemas.microsoft.com/office/powerpoint/2010/main" xmlns="" val="554404530"/>
       </p:ext>
     </p:extLst>
   </p:cSld>
@@ -6310,33 +6981,9 @@
           <a:lstStyle/>
           <a:p>
             <a:r>
-              <a:rPr lang="en-US" dirty="0" smtClean="0"/>
-              <a:t>Performance</a:t>
-            </a:r>
-            <a:endParaRPr lang="en-US" dirty="0"/>
-          </a:p>
-        </p:txBody>
-      </p:sp>
-      <p:sp>
-        <p:nvSpPr>
-          <p:cNvPr id="3" name="Content Placeholder 2"/>
-          <p:cNvSpPr>
-            <a:spLocks noGrp="1"/>
-          </p:cNvSpPr>
-          <p:nvPr>
-            <p:ph idx="1"/>
-          </p:nvPr>
-        </p:nvSpPr>
-        <p:spPr/>
-        <p:txBody>
-          <a:bodyPr/>
-          <a:lstStyle/>
-          <a:p>
-            <a:r>
-              <a:rPr lang="en-US" dirty="0" smtClean="0"/>
-              <a:t>MATLAB scripts</a:t>
-            </a:r>
-            <a:endParaRPr lang="en-US" dirty="0"/>
+              <a:rPr lang="en-US" dirty="0"/>
+              <a:t>Multidimensional graph construct</a:t>
+            </a:r>
           </a:p>
         </p:txBody>
       </p:sp>
@@ -6410,14 +7057,6 @@
               </a:rPr>
               <a:t>ECE 278</a:t>
             </a:r>
-            <a:endParaRPr lang="en-US" sz="1400" dirty="0" smtClean="0">
-              <a:solidFill>
-                <a:schemeClr val="accent6">
-                  <a:lumMod val="40000"/>
-                  <a:lumOff val="60000"/>
-                </a:schemeClr>
-              </a:solidFill>
-            </a:endParaRPr>
           </a:p>
           <a:p>
             <a:pPr algn="ctr"/>
@@ -6541,10 +7180,150 @@
           </a:p>
         </p:txBody>
       </p:sp>
+      <p:sp>
+        <p:nvSpPr>
+          <p:cNvPr id="9" name="TextBox 8"/>
+          <p:cNvSpPr txBox="1"/>
+          <p:nvPr/>
+        </p:nvSpPr>
+        <p:spPr>
+          <a:xfrm>
+            <a:off x="0" y="5867400"/>
+            <a:ext cx="2387267" cy="369332"/>
+          </a:xfrm>
+          <a:prstGeom prst="rect">
+            <a:avLst/>
+          </a:prstGeom>
+          <a:noFill/>
+        </p:spPr>
+        <p:txBody>
+          <a:bodyPr wrap="none" rtlCol="0">
+            <a:spAutoFit/>
+          </a:bodyPr>
+          <a:lstStyle/>
+          <a:p>
+            <a:r>
+              <a:rPr lang="en-US" dirty="0" err="1" smtClean="0"/>
+              <a:t>x,y,H,S,V</a:t>
+            </a:r>
+            <a:r>
+              <a:rPr lang="en-US" dirty="0" smtClean="0"/>
+              <a:t> space Lena</a:t>
+            </a:r>
+            <a:endParaRPr lang="en-US" dirty="0"/>
+          </a:p>
+        </p:txBody>
+      </p:sp>
+      <p:pic>
+        <p:nvPicPr>
+          <p:cNvPr id="10" name="Picture 9" descr="lena512AnnHSVSmoothMerge.png"/>
+          <p:cNvPicPr>
+            <a:picLocks noChangeAspect="1"/>
+          </p:cNvPicPr>
+          <p:nvPr/>
+        </p:nvPicPr>
+        <p:blipFill>
+          <a:blip r:embed="rId2" cstate="print">
+            <a:extLst>
+              <a:ext uri="{28A0092B-C50C-407E-A947-70E740481C1C}">
+                <a14:useLocalDpi xmlns:a14="http://schemas.microsoft.com/office/drawing/2010/main" xmlns="" val="0"/>
+              </a:ext>
+            </a:extLst>
+          </a:blip>
+          <a:stretch>
+            <a:fillRect/>
+          </a:stretch>
+        </p:blipFill>
+        <p:spPr>
+          <a:xfrm>
+            <a:off x="29810" y="1600200"/>
+            <a:ext cx="4241800" cy="4241800"/>
+          </a:xfrm>
+          <a:prstGeom prst="rect">
+            <a:avLst/>
+          </a:prstGeom>
+        </p:spPr>
+      </p:pic>
+      <p:pic>
+        <p:nvPicPr>
+          <p:cNvPr id="11" name="Picture 10" descr="lena512AnnLabSmoothMerge.png"/>
+          <p:cNvPicPr>
+            <a:picLocks noChangeAspect="1"/>
+          </p:cNvPicPr>
+          <p:nvPr/>
+        </p:nvPicPr>
+        <p:blipFill>
+          <a:blip r:embed="rId3" cstate="print">
+            <a:extLst>
+              <a:ext uri="{28A0092B-C50C-407E-A947-70E740481C1C}">
+                <a14:useLocalDpi xmlns:a14="http://schemas.microsoft.com/office/drawing/2010/main" xmlns="" val="0"/>
+              </a:ext>
+            </a:extLst>
+          </a:blip>
+          <a:stretch>
+            <a:fillRect/>
+          </a:stretch>
+        </p:blipFill>
+        <p:spPr>
+          <a:xfrm>
+            <a:off x="4419600" y="1600200"/>
+            <a:ext cx="4241800" cy="4241800"/>
+          </a:xfrm>
+          <a:prstGeom prst="rect">
+            <a:avLst/>
+          </a:prstGeom>
+        </p:spPr>
+      </p:pic>
+      <p:sp>
+        <p:nvSpPr>
+          <p:cNvPr id="12" name="TextBox 11"/>
+          <p:cNvSpPr txBox="1"/>
+          <p:nvPr/>
+        </p:nvSpPr>
+        <p:spPr>
+          <a:xfrm>
+            <a:off x="4419600" y="5791200"/>
+            <a:ext cx="2348945" cy="369332"/>
+          </a:xfrm>
+          <a:prstGeom prst="rect">
+            <a:avLst/>
+          </a:prstGeom>
+          <a:noFill/>
+        </p:spPr>
+        <p:txBody>
+          <a:bodyPr wrap="none" rtlCol="0">
+            <a:spAutoFit/>
+          </a:bodyPr>
+          <a:lstStyle/>
+          <a:p>
+            <a:r>
+              <a:rPr lang="en-US" dirty="0" err="1" smtClean="0"/>
+              <a:t>x,y,L,</a:t>
+            </a:r>
+            <a:r>
+              <a:rPr lang="en-US" dirty="0" err="1"/>
+              <a:t>A</a:t>
+            </a:r>
+            <a:r>
+              <a:rPr lang="en-US" dirty="0" err="1" smtClean="0"/>
+              <a:t>,</a:t>
+            </a:r>
+            <a:r>
+              <a:rPr lang="en-US" dirty="0" err="1"/>
+              <a:t>B</a:t>
+            </a:r>
+            <a:r>
+              <a:rPr lang="en-US" dirty="0" smtClean="0"/>
+              <a:t> space Lena</a:t>
+            </a:r>
+            <a:endParaRPr lang="en-US" dirty="0"/>
+          </a:p>
+        </p:txBody>
+      </p:sp>
     </p:spTree>
     <p:extLst>
       <p:ext uri="{BB962C8B-B14F-4D97-AF65-F5344CB8AC3E}">
-        <p14:creationId xmlns:p14="http://schemas.microsoft.com/office/powerpoint/2010/main" val="2206376881"/>
+        <p14:creationId xmlns:p14="http://schemas.microsoft.com/office/powerpoint/2010/main" xmlns="" val="3078452440"/>
       </p:ext>
     </p:extLst>
   </p:cSld>
@@ -6587,8 +7366,12 @@
           <a:lstStyle/>
           <a:p>
             <a:r>
+              <a:rPr lang="en-US" dirty="0" err="1" smtClean="0"/>
+              <a:t>MultiDim</a:t>
+            </a:r>
+            <a:r>
               <a:rPr lang="en-US" dirty="0" smtClean="0"/>
-              <a:t>References</a:t>
+              <a:t>. Implementation</a:t>
             </a:r>
             <a:endParaRPr lang="en-US" dirty="0"/>
           </a:p>
@@ -6606,208 +7389,46 @@
         </p:nvSpPr>
         <p:spPr/>
         <p:txBody>
-          <a:bodyPr>
-            <a:normAutofit/>
-          </a:bodyPr>
-          <a:lstStyle/>
-          <a:p>
-            <a:pPr marL="228600" indent="-228600">
-              <a:buAutoNum type="arabicPeriod"/>
-            </a:pPr>
-            <a:r>
-              <a:rPr lang="en-US" sz="1200" b="0" dirty="0"/>
-              <a:t>David I Shuman, Sunil K. </a:t>
-            </a:r>
-            <a:r>
-              <a:rPr lang="en-US" sz="1200" b="0" dirty="0" err="1"/>
-              <a:t>Narang</a:t>
-            </a:r>
-            <a:r>
-              <a:rPr lang="en-US" sz="1200" b="0" dirty="0"/>
-              <a:t>, Pascal </a:t>
-            </a:r>
-            <a:r>
-              <a:rPr lang="en-US" sz="1200" b="0" dirty="0" err="1"/>
-              <a:t>Frossard</a:t>
-            </a:r>
-            <a:r>
-              <a:rPr lang="en-US" sz="1200" b="0" dirty="0"/>
-              <a:t>, Antonio Ortega, and Pierre </a:t>
-            </a:r>
-            <a:r>
-              <a:rPr lang="en-US" sz="1200" b="0" dirty="0" err="1"/>
-              <a:t>Vandergheynst</a:t>
-            </a:r>
-            <a:r>
-              <a:rPr lang="en-US" sz="1200" b="0" dirty="0"/>
-              <a:t>. IEEE Signal Processing Magazine. May 2013. </a:t>
-            </a:r>
-            <a:r>
-              <a:rPr lang="en-US" sz="1200" b="0" i="1" dirty="0"/>
-              <a:t>The Emerging Field of Signal Processing on Graphs</a:t>
-            </a:r>
-            <a:r>
-              <a:rPr lang="en-US" sz="1200" b="0" dirty="0"/>
-              <a:t>. </a:t>
-            </a:r>
-            <a:r>
-              <a:rPr lang="en-US" sz="1200" b="0" dirty="0">
-                <a:hlinkClick r:id="rId2"/>
-              </a:rPr>
-              <a:t>http://ieeexplore.ieee.org/stamp/stamp.jsp?arnumber=</a:t>
-            </a:r>
-            <a:r>
-              <a:rPr lang="en-US" sz="1200" b="0" dirty="0" smtClean="0">
-                <a:hlinkClick r:id="rId2"/>
-              </a:rPr>
-              <a:t>6494675</a:t>
-            </a:r>
-            <a:endParaRPr lang="en-US" sz="1200" b="0" dirty="0" smtClean="0"/>
-          </a:p>
-          <a:p>
-            <a:pPr marL="228600" indent="-228600">
-              <a:buFont typeface="Arial" pitchFamily="34" charset="0"/>
-              <a:buAutoNum type="arabicPeriod"/>
-            </a:pPr>
-            <a:r>
-              <a:rPr lang="en-US" sz="1200" b="0" dirty="0" err="1" smtClean="0"/>
-              <a:t>Pengfei</a:t>
-            </a:r>
-            <a:r>
-              <a:rPr lang="en-US" sz="1200" b="0" dirty="0" smtClean="0"/>
-              <a:t> </a:t>
-            </a:r>
-            <a:r>
-              <a:rPr lang="en-US" sz="1200" b="0" dirty="0" err="1" smtClean="0"/>
-              <a:t>Lui</a:t>
-            </a:r>
-            <a:r>
-              <a:rPr lang="en-US" sz="1200" b="0" dirty="0" smtClean="0"/>
-              <a:t>, </a:t>
-            </a:r>
-            <a:r>
-              <a:rPr lang="en-US" sz="1200" b="0" dirty="0" err="1" smtClean="0"/>
-              <a:t>Xiaohan</a:t>
-            </a:r>
-            <a:r>
-              <a:rPr lang="en-US" sz="1200" b="0" dirty="0" smtClean="0"/>
-              <a:t> Wang, </a:t>
-            </a:r>
-            <a:r>
-              <a:rPr lang="en-US" sz="1200" b="0" dirty="0" err="1" smtClean="0"/>
-              <a:t>Yuantao</a:t>
-            </a:r>
-            <a:r>
-              <a:rPr lang="en-US" sz="1200" b="0" dirty="0" smtClean="0"/>
-              <a:t> </a:t>
-            </a:r>
-            <a:r>
-              <a:rPr lang="en-US" sz="1200" b="0" dirty="0" err="1" smtClean="0"/>
-              <a:t>Gu</a:t>
-            </a:r>
-            <a:r>
-              <a:rPr lang="en-US" sz="1200" b="0" dirty="0"/>
-              <a:t>. IEEE International Conference on Acoustic, Speech and Signal </a:t>
-            </a:r>
-            <a:r>
-              <a:rPr lang="en-US" sz="1200" b="0" dirty="0" smtClean="0"/>
-              <a:t>Processing. </a:t>
-            </a:r>
-            <a:r>
-              <a:rPr lang="en-US" sz="1200" b="0" dirty="0"/>
-              <a:t>2014. </a:t>
-            </a:r>
-            <a:r>
-              <a:rPr lang="en-US" sz="1200" b="0" i="1" dirty="0" smtClean="0"/>
-              <a:t>Coarsening Graph Signal with Spectral Invariance</a:t>
-            </a:r>
-          </a:p>
-          <a:p>
-            <a:pPr marL="228600" indent="-228600">
-              <a:buFont typeface="Arial" pitchFamily="34" charset="0"/>
-              <a:buAutoNum type="arabicPeriod"/>
-            </a:pPr>
-            <a:r>
-              <a:rPr lang="en-US" sz="1200" b="0" dirty="0" err="1"/>
-              <a:t>Jianbo</a:t>
-            </a:r>
-            <a:r>
-              <a:rPr lang="en-US" sz="1200" b="0" dirty="0"/>
-              <a:t> Shi and </a:t>
-            </a:r>
-            <a:r>
-              <a:rPr lang="en-US" sz="1200" b="0" dirty="0" err="1"/>
-              <a:t>Jitendra</a:t>
-            </a:r>
-            <a:r>
-              <a:rPr lang="en-US" sz="1200" b="0" dirty="0"/>
-              <a:t> Malik. IEEE TRANSACTIONS ON PATTERN ANALYSIS AND MACHINE </a:t>
-            </a:r>
-            <a:r>
-              <a:rPr lang="en-US" sz="1200" b="0" dirty="0" smtClean="0"/>
-              <a:t>INTELLIGENCE. </a:t>
-            </a:r>
-            <a:r>
-              <a:rPr lang="en-US" sz="1200" b="0" dirty="0"/>
-              <a:t>Aug 2000. </a:t>
-            </a:r>
-            <a:r>
-              <a:rPr lang="en-US" sz="1200" b="0" i="1" dirty="0"/>
-              <a:t>Normalized Cuts and Image </a:t>
-            </a:r>
-            <a:r>
-              <a:rPr lang="en-US" sz="1200" b="0" i="1" dirty="0" smtClean="0"/>
-              <a:t>Segmentation</a:t>
-            </a:r>
-          </a:p>
-          <a:p>
-            <a:pPr marL="228600" indent="-228600">
-              <a:buFont typeface="Arial" pitchFamily="34" charset="0"/>
-              <a:buAutoNum type="arabicPeriod"/>
-            </a:pPr>
-            <a:r>
-              <a:rPr lang="en-US" sz="1200" b="0" dirty="0"/>
-              <a:t>Ha Q. Nguyen and Minh N. </a:t>
-            </a:r>
-            <a:r>
-              <a:rPr lang="en-US" sz="1200" b="0" dirty="0" smtClean="0"/>
-              <a:t>Do.</a:t>
-            </a:r>
-            <a:r>
-              <a:rPr lang="en-US" sz="1200" b="0" dirty="0"/>
-              <a:t> IEEE Transactions on </a:t>
-            </a:r>
-            <a:r>
-              <a:rPr lang="en-US" sz="1200" b="0" dirty="0" smtClean="0"/>
-              <a:t>Signal Processing. </a:t>
-            </a:r>
-            <a:r>
-              <a:rPr lang="en-US" sz="1200" b="0" dirty="0"/>
-              <a:t>Jan 2015.</a:t>
-            </a:r>
-            <a:r>
-              <a:rPr lang="en-US" sz="1200" b="0" i="1" dirty="0"/>
-              <a:t> </a:t>
-            </a:r>
-            <a:r>
-              <a:rPr lang="en-US" sz="1200" b="0" i="1" dirty="0" err="1" smtClean="0"/>
-              <a:t>Downsampling</a:t>
-            </a:r>
-            <a:r>
-              <a:rPr lang="en-US" sz="1200" b="0" i="1" dirty="0" smtClean="0"/>
-              <a:t> </a:t>
-            </a:r>
-            <a:r>
-              <a:rPr lang="en-US" sz="1200" b="0" i="1" dirty="0"/>
-              <a:t>of Signals on </a:t>
-            </a:r>
-            <a:r>
-              <a:rPr lang="en-US" sz="1200" b="0" i="1" dirty="0" smtClean="0"/>
-              <a:t>Graphs Via </a:t>
-            </a:r>
-            <a:r>
-              <a:rPr lang="en-US" sz="1200" b="0" i="1" dirty="0"/>
-              <a:t>Maximum Spanning Trees</a:t>
+          <a:bodyPr/>
+          <a:lstStyle/>
+          <a:p>
+            <a:r>
+              <a:rPr lang="en-US" dirty="0" smtClean="0"/>
+              <a:t>Distance between pixels is measured by L2 distance in 5-D space.</a:t>
+            </a:r>
+          </a:p>
+          <a:p>
+            <a:endParaRPr lang="en-US" dirty="0"/>
+          </a:p>
+          <a:p>
+            <a:r>
+              <a:rPr lang="en-US" dirty="0" smtClean="0"/>
+              <a:t>Exact k-</a:t>
+            </a:r>
+            <a:r>
+              <a:rPr lang="en-US" dirty="0"/>
+              <a:t>n</a:t>
+            </a:r>
+            <a:r>
+              <a:rPr lang="en-US" dirty="0" smtClean="0"/>
+              <a:t>earest </a:t>
+            </a:r>
+            <a:r>
+              <a:rPr lang="en-US" dirty="0"/>
+              <a:t>n</a:t>
+            </a:r>
+            <a:r>
+              <a:rPr lang="en-US" dirty="0" smtClean="0"/>
+              <a:t>eighbor for every pixel runs too slowly (~30 minutes for 512x512 image).</a:t>
+            </a:r>
+          </a:p>
+          <a:p>
+            <a:endParaRPr lang="en-US" dirty="0"/>
+          </a:p>
+          <a:p>
+            <a:r>
+              <a:rPr lang="en-US" dirty="0" smtClean="0"/>
+              <a:t>Approximate k-nearest neighbor runs in 2 or 3 minutes for image of the same size.</a:t>
             </a:r>
           </a:p>
         </p:txBody>
@@ -6838,7 +7459,7 @@
       </p:sp>
       <p:sp>
         <p:nvSpPr>
-          <p:cNvPr id="14" name="Rectangle 13"/>
+          <p:cNvPr id="5" name="Rectangle 4"/>
           <p:cNvSpPr/>
           <p:nvPr/>
         </p:nvSpPr>
@@ -6882,14 +7503,6 @@
               </a:rPr>
               <a:t>ECE 278</a:t>
             </a:r>
-            <a:endParaRPr lang="en-US" sz="1400" dirty="0" smtClean="0">
-              <a:solidFill>
-                <a:schemeClr val="accent6">
-                  <a:lumMod val="40000"/>
-                  <a:lumOff val="60000"/>
-                </a:schemeClr>
-              </a:solidFill>
-            </a:endParaRPr>
           </a:p>
           <a:p>
             <a:pPr algn="ctr"/>
@@ -6909,7 +7522,7 @@
       </p:sp>
       <p:sp>
         <p:nvSpPr>
-          <p:cNvPr id="15" name="Rectangle 14"/>
+          <p:cNvPr id="6" name="Rectangle 5"/>
           <p:cNvSpPr/>
           <p:nvPr/>
         </p:nvSpPr>
@@ -6971,7 +7584,7 @@
       </p:sp>
       <p:sp>
         <p:nvSpPr>
-          <p:cNvPr id="16" name="Right Triangle 15"/>
+          <p:cNvPr id="7" name="Right Triangle 6"/>
           <p:cNvSpPr/>
           <p:nvPr/>
         </p:nvSpPr>
@@ -7016,20 +7629,13 @@
     </p:spTree>
     <p:extLst>
       <p:ext uri="{BB962C8B-B14F-4D97-AF65-F5344CB8AC3E}">
-        <p14:creationId xmlns:p14="http://schemas.microsoft.com/office/powerpoint/2010/main" val="1385000211"/>
+        <p14:creationId xmlns:p14="http://schemas.microsoft.com/office/powerpoint/2010/main" xmlns="" val="302842593"/>
       </p:ext>
     </p:extLst>
   </p:cSld>
   <p:clrMapOvr>
     <a:masterClrMapping/>
   </p:clrMapOvr>
-  <p:timing>
-    <p:tnLst>
-      <p:par>
-        <p:cTn xmlns:p14="http://schemas.microsoft.com/office/powerpoint/2010/main" id="1" dur="indefinite" restart="never" nodeType="tmRoot"/>
-      </p:par>
-    </p:tnLst>
-  </p:timing>
 </p:sld>
 </file>
 

--- a/8_report/presentation.pptx
+++ b/8_report/presentation.pptx
@@ -203,7 +203,7 @@
             <a:fld id="{A03E28E0-41BE-4005-8C72-09D666597848}" type="datetimeFigureOut">
               <a:rPr lang="en-US" smtClean="0"/>
               <a:pPr/>
-              <a:t>3/9/2015</a:t>
+              <a:t>3/9/15</a:t>
             </a:fld>
             <a:endParaRPr lang="en-US"/>
           </a:p>
@@ -372,7 +372,7 @@
     </p:spTree>
     <p:extLst>
       <p:ext uri="{BB962C8B-B14F-4D97-AF65-F5344CB8AC3E}">
-        <p14:creationId xmlns:p14="http://schemas.microsoft.com/office/powerpoint/2010/main" xmlns="" val="2771071978"/>
+        <p14:creationId xmlns:p14="http://schemas.microsoft.com/office/powerpoint/2010/main" val="2771071978"/>
       </p:ext>
     </p:extLst>
   </p:cSld>
@@ -547,7 +547,7 @@
     </p:spTree>
     <p:extLst>
       <p:ext uri="{BB962C8B-B14F-4D97-AF65-F5344CB8AC3E}">
-        <p14:creationId xmlns:p14="http://schemas.microsoft.com/office/powerpoint/2010/main" xmlns="" val="3228984243"/>
+        <p14:creationId xmlns:p14="http://schemas.microsoft.com/office/powerpoint/2010/main" val="3228984243"/>
       </p:ext>
     </p:extLst>
   </p:cSld>
@@ -4148,7 +4148,7 @@
     </p:spTree>
     <p:extLst>
       <p:ext uri="{BB962C8B-B14F-4D97-AF65-F5344CB8AC3E}">
-        <p14:creationId xmlns:p14="http://schemas.microsoft.com/office/powerpoint/2010/main" xmlns="" val="3953207923"/>
+        <p14:creationId xmlns:p14="http://schemas.microsoft.com/office/powerpoint/2010/main" val="3953207923"/>
       </p:ext>
     </p:extLst>
   </p:cSld>
@@ -4158,7 +4158,7 @@
   <p:timing>
     <p:tnLst>
       <p:par>
-        <p:cTn id="1" dur="indefinite" restart="never" nodeType="tmRoot"/>
+        <p:cTn xmlns:p14="http://schemas.microsoft.com/office/powerpoint/2010/main" id="1" dur="indefinite" restart="never" nodeType="tmRoot"/>
       </p:par>
     </p:tnLst>
   </p:timing>
@@ -4205,29 +4205,196 @@
           </a:p>
         </p:txBody>
       </p:sp>
-      <p:sp>
-        <p:nvSpPr>
-          <p:cNvPr id="3" name="Content Placeholder 2"/>
-          <p:cNvSpPr>
-            <a:spLocks noGrp="1"/>
-          </p:cNvSpPr>
+      <p:graphicFrame>
+        <p:nvGraphicFramePr>
+          <p:cNvPr id="8" name="Content Placeholder 7"/>
+          <p:cNvGraphicFramePr>
+            <a:graphicFrameLocks noGrp="1"/>
+          </p:cNvGraphicFramePr>
           <p:nvPr>
             <p:ph idx="1"/>
-          </p:nvPr>
-        </p:nvSpPr>
-        <p:spPr/>
-        <p:txBody>
-          <a:bodyPr/>
-          <a:lstStyle/>
-          <a:p>
-            <a:r>
-              <a:rPr lang="en-US" dirty="0" smtClean="0"/>
-              <a:t>MATLAB scripts</a:t>
-            </a:r>
-            <a:endParaRPr lang="en-US" dirty="0"/>
-          </a:p>
-        </p:txBody>
-      </p:sp>
+            <p:extLst>
+              <p:ext uri="{D42A27DB-BD31-4B8C-83A1-F6EECF244321}">
+                <p14:modId xmlns:p14="http://schemas.microsoft.com/office/powerpoint/2010/main" val="3474376239"/>
+              </p:ext>
+            </p:extLst>
+          </p:nvPr>
+        </p:nvGraphicFramePr>
+        <p:xfrm>
+          <a:off x="457200" y="1752600"/>
+          <a:ext cx="7620000" cy="1854200"/>
+        </p:xfrm>
+        <a:graphic>
+          <a:graphicData uri="http://schemas.openxmlformats.org/drawingml/2006/table">
+            <a:tbl>
+              <a:tblPr firstRow="1" bandRow="1">
+                <a:tableStyleId>{5C22544A-7EE6-4342-B048-85BDC9FD1C3A}</a:tableStyleId>
+              </a:tblPr>
+              <a:tblGrid>
+                <a:gridCol w="3810000"/>
+                <a:gridCol w="3810000"/>
+              </a:tblGrid>
+              <a:tr h="370840">
+                <a:tc>
+                  <a:txBody>
+                    <a:bodyPr/>
+                    <a:lstStyle/>
+                    <a:p>
+                      <a:endParaRPr lang="en-US" dirty="0"/>
+                    </a:p>
+                  </a:txBody>
+                  <a:tcPr/>
+                </a:tc>
+                <a:tc>
+                  <a:txBody>
+                    <a:bodyPr/>
+                    <a:lstStyle/>
+                    <a:p>
+                      <a:r>
+                        <a:rPr lang="en-US" dirty="0" smtClean="0"/>
+                        <a:t>Time in Seconds</a:t>
+                      </a:r>
+                      <a:endParaRPr lang="en-US" dirty="0"/>
+                    </a:p>
+                  </a:txBody>
+                  <a:tcPr/>
+                </a:tc>
+              </a:tr>
+              <a:tr h="370840">
+                <a:tc>
+                  <a:txBody>
+                    <a:bodyPr/>
+                    <a:lstStyle/>
+                    <a:p>
+                      <a:r>
+                        <a:rPr lang="en-US" dirty="0" smtClean="0"/>
+                        <a:t>Pure MATLAB</a:t>
+                      </a:r>
+                      <a:endParaRPr lang="en-US" dirty="0"/>
+                    </a:p>
+                  </a:txBody>
+                  <a:tcPr/>
+                </a:tc>
+                <a:tc>
+                  <a:txBody>
+                    <a:bodyPr/>
+                    <a:lstStyle/>
+                    <a:p>
+                      <a:r>
+                        <a:rPr lang="en-US" dirty="0" smtClean="0"/>
+                        <a:t>30</a:t>
+                      </a:r>
+                      <a:r>
+                        <a:rPr lang="en-US" baseline="0" dirty="0" smtClean="0"/>
+                        <a:t> (4-neighborhood)</a:t>
+                      </a:r>
+                      <a:endParaRPr lang="en-US" dirty="0"/>
+                    </a:p>
+                  </a:txBody>
+                  <a:tcPr/>
+                </a:tc>
+              </a:tr>
+              <a:tr h="370840">
+                <a:tc>
+                  <a:txBody>
+                    <a:bodyPr/>
+                    <a:lstStyle/>
+                    <a:p>
+                      <a:r>
+                        <a:rPr lang="en-US" dirty="0" err="1" smtClean="0"/>
+                        <a:t>Mex</a:t>
+                      </a:r>
+                      <a:r>
+                        <a:rPr lang="en-US" baseline="0" dirty="0" smtClean="0"/>
+                        <a:t> MATLAB</a:t>
+                      </a:r>
+                      <a:endParaRPr lang="en-US" dirty="0"/>
+                    </a:p>
+                  </a:txBody>
+                  <a:tcPr/>
+                </a:tc>
+                <a:tc>
+                  <a:txBody>
+                    <a:bodyPr/>
+                    <a:lstStyle/>
+                    <a:p>
+                      <a:r>
+                        <a:rPr lang="en-US" dirty="0" smtClean="0"/>
+                        <a:t>9.9</a:t>
+                      </a:r>
+                      <a:endParaRPr lang="en-US" dirty="0"/>
+                    </a:p>
+                  </a:txBody>
+                  <a:tcPr/>
+                </a:tc>
+              </a:tr>
+              <a:tr h="370840">
+                <a:tc>
+                  <a:txBody>
+                    <a:bodyPr/>
+                    <a:lstStyle/>
+                    <a:p>
+                      <a:r>
+                        <a:rPr lang="en-US" dirty="0" smtClean="0"/>
+                        <a:t>C/C++</a:t>
+                      </a:r>
+                      <a:r>
+                        <a:rPr lang="en-US" baseline="0" dirty="0" smtClean="0"/>
+                        <a:t> Only</a:t>
+                      </a:r>
+                    </a:p>
+                  </a:txBody>
+                  <a:tcPr/>
+                </a:tc>
+                <a:tc>
+                  <a:txBody>
+                    <a:bodyPr/>
+                    <a:lstStyle/>
+                    <a:p>
+                      <a:r>
+                        <a:rPr lang="en-US" dirty="0" smtClean="0"/>
+                        <a:t>18</a:t>
+                      </a:r>
+                      <a:endParaRPr lang="en-US" dirty="0"/>
+                    </a:p>
+                  </a:txBody>
+                  <a:tcPr/>
+                </a:tc>
+              </a:tr>
+              <a:tr h="370840">
+                <a:tc>
+                  <a:txBody>
+                    <a:bodyPr/>
+                    <a:lstStyle/>
+                    <a:p>
+                      <a:r>
+                        <a:rPr lang="en-US" dirty="0" smtClean="0"/>
+                        <a:t>Authors’ (C/C++)</a:t>
+                      </a:r>
+                      <a:endParaRPr lang="en-US" dirty="0"/>
+                    </a:p>
+                  </a:txBody>
+                  <a:tcPr/>
+                </a:tc>
+                <a:tc>
+                  <a:txBody>
+                    <a:bodyPr/>
+                    <a:lstStyle/>
+                    <a:p>
+                      <a:r>
+                        <a:rPr lang="en-US" dirty="0" smtClean="0"/>
+                        <a:t>7</a:t>
+                      </a:r>
+                      <a:endParaRPr lang="en-US" dirty="0"/>
+                    </a:p>
+                  </a:txBody>
+                  <a:tcPr/>
+                </a:tc>
+              </a:tr>
+            </a:tbl>
+          </a:graphicData>
+        </a:graphic>
+      </p:graphicFrame>
       <p:sp>
         <p:nvSpPr>
           <p:cNvPr id="4" name="Slide Number Placeholder 3"/>
@@ -4421,10 +4588,48 @@
           </a:p>
         </p:txBody>
       </p:sp>
+      <p:sp>
+        <p:nvSpPr>
+          <p:cNvPr id="9" name="TextBox 8"/>
+          <p:cNvSpPr txBox="1"/>
+          <p:nvPr/>
+        </p:nvSpPr>
+        <p:spPr>
+          <a:xfrm>
+            <a:off x="457200" y="4343400"/>
+            <a:ext cx="7761673" cy="369332"/>
+          </a:xfrm>
+          <a:prstGeom prst="rect">
+            <a:avLst/>
+          </a:prstGeom>
+          <a:noFill/>
+        </p:spPr>
+        <p:txBody>
+          <a:bodyPr wrap="none" rtlCol="0">
+            <a:spAutoFit/>
+          </a:bodyPr>
+          <a:lstStyle/>
+          <a:p>
+            <a:r>
+              <a:rPr lang="en-US" dirty="0" smtClean="0"/>
+              <a:t>Performance is measured on dog image</a:t>
+            </a:r>
+            <a:r>
+              <a:rPr lang="en-US" dirty="0"/>
+              <a:t>, 3187 × </a:t>
+            </a:r>
+            <a:r>
+              <a:rPr lang="en-US" dirty="0" smtClean="0"/>
+              <a:t>2015 pixels on my laptop.</a:t>
+            </a:r>
+            <a:endParaRPr lang="en-US" dirty="0"/>
+          </a:p>
+        </p:txBody>
+      </p:sp>
     </p:spTree>
     <p:extLst>
       <p:ext uri="{BB962C8B-B14F-4D97-AF65-F5344CB8AC3E}">
-        <p14:creationId xmlns:p14="http://schemas.microsoft.com/office/powerpoint/2010/main" xmlns="" val="2206376881"/>
+        <p14:creationId xmlns:p14="http://schemas.microsoft.com/office/powerpoint/2010/main" val="2206376881"/>
       </p:ext>
     </p:extLst>
   </p:cSld>
@@ -4476,224 +4681,6 @@
       </p:sp>
       <p:sp>
         <p:nvSpPr>
-          <p:cNvPr id="3" name="Content Placeholder 2"/>
-          <p:cNvSpPr>
-            <a:spLocks noGrp="1"/>
-          </p:cNvSpPr>
-          <p:nvPr>
-            <p:ph idx="1"/>
-          </p:nvPr>
-        </p:nvSpPr>
-        <p:spPr/>
-        <p:txBody>
-          <a:bodyPr>
-            <a:normAutofit/>
-          </a:bodyPr>
-          <a:lstStyle/>
-          <a:p>
-            <a:pPr marL="228600" indent="-228600">
-              <a:buAutoNum type="arabicPeriod"/>
-            </a:pPr>
-            <a:r>
-              <a:rPr lang="en-US" sz="1200" b="0" dirty="0"/>
-              <a:t>David I Shuman, Sunil K. </a:t>
-            </a:r>
-            <a:r>
-              <a:rPr lang="en-US" sz="1200" b="0" dirty="0" err="1"/>
-              <a:t>Narang</a:t>
-            </a:r>
-            <a:r>
-              <a:rPr lang="en-US" sz="1200" b="0" dirty="0"/>
-              <a:t>, Pascal </a:t>
-            </a:r>
-            <a:r>
-              <a:rPr lang="en-US" sz="1200" b="0" dirty="0" err="1"/>
-              <a:t>Frossard</a:t>
-            </a:r>
-            <a:r>
-              <a:rPr lang="en-US" sz="1200" b="0" dirty="0"/>
-              <a:t>, Antonio Ortega, and Pierre </a:t>
-            </a:r>
-            <a:r>
-              <a:rPr lang="en-US" sz="1200" b="0" dirty="0" err="1"/>
-              <a:t>Vandergheynst</a:t>
-            </a:r>
-            <a:r>
-              <a:rPr lang="en-US" sz="1200" b="0" dirty="0"/>
-              <a:t>. IEEE Signal Processing Magazine. May 2013. </a:t>
-            </a:r>
-            <a:r>
-              <a:rPr lang="en-US" sz="1200" b="0" i="1" dirty="0"/>
-              <a:t>The Emerging Field of Signal Processing on Graphs</a:t>
-            </a:r>
-            <a:r>
-              <a:rPr lang="en-US" sz="1200" b="0" dirty="0"/>
-              <a:t>. </a:t>
-            </a:r>
-            <a:r>
-              <a:rPr lang="en-US" sz="1200" b="0" dirty="0">
-                <a:hlinkClick r:id="rId2"/>
-              </a:rPr>
-              <a:t>http://ieeexplore.ieee.org/stamp/stamp.jsp?arnumber=</a:t>
-            </a:r>
-            <a:r>
-              <a:rPr lang="en-US" sz="1200" b="0" dirty="0" smtClean="0">
-                <a:hlinkClick r:id="rId2"/>
-              </a:rPr>
-              <a:t>6494675</a:t>
-            </a:r>
-            <a:endParaRPr lang="en-US" sz="1200" b="0" dirty="0" smtClean="0"/>
-          </a:p>
-          <a:p>
-            <a:pPr marL="228600" indent="-228600">
-              <a:buFont typeface="Arial" pitchFamily="34" charset="0"/>
-              <a:buAutoNum type="arabicPeriod"/>
-            </a:pPr>
-            <a:r>
-              <a:rPr lang="en-US" sz="1200" b="0" dirty="0" err="1" smtClean="0"/>
-              <a:t>Pengfei</a:t>
-            </a:r>
-            <a:r>
-              <a:rPr lang="en-US" sz="1200" b="0" dirty="0" smtClean="0"/>
-              <a:t> </a:t>
-            </a:r>
-            <a:r>
-              <a:rPr lang="en-US" sz="1200" b="0" dirty="0" err="1" smtClean="0"/>
-              <a:t>Lui</a:t>
-            </a:r>
-            <a:r>
-              <a:rPr lang="en-US" sz="1200" b="0" dirty="0" smtClean="0"/>
-              <a:t>, </a:t>
-            </a:r>
-            <a:r>
-              <a:rPr lang="en-US" sz="1200" b="0" dirty="0" err="1" smtClean="0"/>
-              <a:t>Xiaohan</a:t>
-            </a:r>
-            <a:r>
-              <a:rPr lang="en-US" sz="1200" b="0" dirty="0" smtClean="0"/>
-              <a:t> Wang, </a:t>
-            </a:r>
-            <a:r>
-              <a:rPr lang="en-US" sz="1200" b="0" dirty="0" err="1" smtClean="0"/>
-              <a:t>Yuantao</a:t>
-            </a:r>
-            <a:r>
-              <a:rPr lang="en-US" sz="1200" b="0" dirty="0" smtClean="0"/>
-              <a:t> </a:t>
-            </a:r>
-            <a:r>
-              <a:rPr lang="en-US" sz="1200" b="0" dirty="0" err="1" smtClean="0"/>
-              <a:t>Gu</a:t>
-            </a:r>
-            <a:r>
-              <a:rPr lang="en-US" sz="1200" b="0" dirty="0"/>
-              <a:t>. IEEE International Conference on Acoustic, Speech and Signal </a:t>
-            </a:r>
-            <a:r>
-              <a:rPr lang="en-US" sz="1200" b="0" dirty="0" smtClean="0"/>
-              <a:t>Processing. </a:t>
-            </a:r>
-            <a:r>
-              <a:rPr lang="en-US" sz="1200" b="0" dirty="0"/>
-              <a:t>2014. </a:t>
-            </a:r>
-            <a:r>
-              <a:rPr lang="en-US" sz="1200" b="0" i="1" dirty="0" smtClean="0"/>
-              <a:t>Coarsening Graph Signal with Spectral Invariance</a:t>
-            </a:r>
-          </a:p>
-          <a:p>
-            <a:pPr marL="228600" indent="-228600">
-              <a:buFont typeface="Arial" pitchFamily="34" charset="0"/>
-              <a:buAutoNum type="arabicPeriod"/>
-            </a:pPr>
-            <a:r>
-              <a:rPr lang="en-US" sz="1200" b="0" dirty="0" err="1"/>
-              <a:t>Jianbo</a:t>
-            </a:r>
-            <a:r>
-              <a:rPr lang="en-US" sz="1200" b="0" dirty="0"/>
-              <a:t> Shi and </a:t>
-            </a:r>
-            <a:r>
-              <a:rPr lang="en-US" sz="1200" b="0" dirty="0" err="1"/>
-              <a:t>Jitendra</a:t>
-            </a:r>
-            <a:r>
-              <a:rPr lang="en-US" sz="1200" b="0" dirty="0"/>
-              <a:t> Malik. IEEE TRANSACTIONS ON PATTERN ANALYSIS AND MACHINE </a:t>
-            </a:r>
-            <a:r>
-              <a:rPr lang="en-US" sz="1200" b="0" dirty="0" smtClean="0"/>
-              <a:t>INTELLIGENCE. </a:t>
-            </a:r>
-            <a:r>
-              <a:rPr lang="en-US" sz="1200" b="0" dirty="0"/>
-              <a:t>Aug 2000. </a:t>
-            </a:r>
-            <a:r>
-              <a:rPr lang="en-US" sz="1200" b="0" i="1" dirty="0"/>
-              <a:t>Normalized Cuts and Image </a:t>
-            </a:r>
-            <a:r>
-              <a:rPr lang="en-US" sz="1200" b="0" i="1" dirty="0" smtClean="0"/>
-              <a:t>Segmentation</a:t>
-            </a:r>
-          </a:p>
-          <a:p>
-            <a:pPr marL="228600" indent="-228600">
-              <a:buFont typeface="Arial" pitchFamily="34" charset="0"/>
-              <a:buAutoNum type="arabicPeriod"/>
-            </a:pPr>
-            <a:r>
-              <a:rPr lang="en-US" sz="1200" b="0" dirty="0"/>
-              <a:t>Ha Q. Nguyen and Minh N. </a:t>
-            </a:r>
-            <a:r>
-              <a:rPr lang="en-US" sz="1200" b="0" dirty="0" smtClean="0"/>
-              <a:t>Do.</a:t>
-            </a:r>
-            <a:r>
-              <a:rPr lang="en-US" sz="1200" b="0" dirty="0"/>
-              <a:t> IEEE Transactions on </a:t>
-            </a:r>
-            <a:r>
-              <a:rPr lang="en-US" sz="1200" b="0" dirty="0" smtClean="0"/>
-              <a:t>Signal Processing. </a:t>
-            </a:r>
-            <a:r>
-              <a:rPr lang="en-US" sz="1200" b="0" dirty="0"/>
-              <a:t>Jan 2015.</a:t>
-            </a:r>
-            <a:r>
-              <a:rPr lang="en-US" sz="1200" b="0" i="1" dirty="0"/>
-              <a:t> </a:t>
-            </a:r>
-            <a:r>
-              <a:rPr lang="en-US" sz="1200" b="0" i="1" dirty="0" err="1" smtClean="0"/>
-              <a:t>Downsampling</a:t>
-            </a:r>
-            <a:r>
-              <a:rPr lang="en-US" sz="1200" b="0" i="1" dirty="0" smtClean="0"/>
-              <a:t> </a:t>
-            </a:r>
-            <a:r>
-              <a:rPr lang="en-US" sz="1200" b="0" i="1" dirty="0"/>
-              <a:t>of Signals on </a:t>
-            </a:r>
-            <a:r>
-              <a:rPr lang="en-US" sz="1200" b="0" i="1" dirty="0" smtClean="0"/>
-              <a:t>Graphs Via </a:t>
-            </a:r>
-            <a:r>
-              <a:rPr lang="en-US" sz="1200" b="0" i="1" dirty="0"/>
-              <a:t>Maximum Spanning Trees</a:t>
-            </a:r>
-          </a:p>
-        </p:txBody>
-      </p:sp>
-      <p:sp>
-        <p:nvSpPr>
           <p:cNvPr id="4" name="Slide Number Placeholder 3"/>
           <p:cNvSpPr>
             <a:spLocks noGrp="1"/>
@@ -4885,10 +4872,212 @@
           </a:p>
         </p:txBody>
       </p:sp>
+      <p:sp>
+        <p:nvSpPr>
+          <p:cNvPr id="9" name="Content Placeholder 2"/>
+          <p:cNvSpPr txBox="1">
+            <a:spLocks/>
+          </p:cNvSpPr>
+          <p:nvPr/>
+        </p:nvSpPr>
+        <p:spPr>
+          <a:xfrm>
+            <a:off x="609600" y="1905000"/>
+            <a:ext cx="7620000" cy="4373563"/>
+          </a:xfrm>
+          <a:prstGeom prst="rect">
+            <a:avLst/>
+          </a:prstGeom>
+        </p:spPr>
+        <p:txBody>
+          <a:bodyPr vert="horz" lIns="91440" tIns="45720" rIns="91440" bIns="45720" rtlCol="0">
+            <a:normAutofit/>
+          </a:bodyPr>
+          <a:lstStyle>
+            <a:lvl1pPr marL="0" indent="0" algn="l" defTabSz="914400" rtl="0" eaLnBrk="1" latinLnBrk="0" hangingPunct="1">
+              <a:spcBef>
+                <a:spcPct val="20000"/>
+              </a:spcBef>
+              <a:spcAft>
+                <a:spcPts val="600"/>
+              </a:spcAft>
+              <a:buFont typeface="Arial" pitchFamily="34" charset="0"/>
+              <a:buNone/>
+              <a:defRPr sz="2000" b="1" kern="1200">
+                <a:solidFill>
+                  <a:schemeClr val="tx1"/>
+                </a:solidFill>
+                <a:latin typeface="+mn-lt"/>
+                <a:ea typeface="+mn-ea"/>
+                <a:cs typeface="+mn-cs"/>
+              </a:defRPr>
+            </a:lvl1pPr>
+            <a:lvl2pPr marL="457200" indent="-182880" algn="l" defTabSz="914400" rtl="0" eaLnBrk="1" latinLnBrk="0" hangingPunct="1">
+              <a:spcBef>
+                <a:spcPct val="20000"/>
+              </a:spcBef>
+              <a:buClr>
+                <a:schemeClr val="tx2"/>
+              </a:buClr>
+              <a:buFont typeface="Arial" pitchFamily="34" charset="0"/>
+              <a:buChar char="•"/>
+              <a:defRPr sz="2000" kern="1200">
+                <a:solidFill>
+                  <a:schemeClr val="tx1"/>
+                </a:solidFill>
+                <a:latin typeface="+mn-lt"/>
+                <a:ea typeface="+mn-ea"/>
+                <a:cs typeface="+mn-cs"/>
+              </a:defRPr>
+            </a:lvl2pPr>
+            <a:lvl3pPr marL="1143000" indent="-228600" algn="l" defTabSz="914400" rtl="0" eaLnBrk="1" latinLnBrk="0" hangingPunct="1">
+              <a:spcBef>
+                <a:spcPct val="20000"/>
+              </a:spcBef>
+              <a:buClr>
+                <a:schemeClr val="tx2"/>
+              </a:buClr>
+              <a:buFont typeface="Arial" pitchFamily="34" charset="0"/>
+              <a:buChar char="•"/>
+              <a:defRPr sz="1800" kern="1200">
+                <a:solidFill>
+                  <a:schemeClr val="tx1"/>
+                </a:solidFill>
+                <a:latin typeface="+mn-lt"/>
+                <a:ea typeface="+mn-ea"/>
+                <a:cs typeface="+mn-cs"/>
+              </a:defRPr>
+            </a:lvl3pPr>
+            <a:lvl4pPr marL="1600200" indent="-228600" algn="l" defTabSz="914400" rtl="0" eaLnBrk="1" latinLnBrk="0" hangingPunct="1">
+              <a:spcBef>
+                <a:spcPct val="20000"/>
+              </a:spcBef>
+              <a:buClr>
+                <a:schemeClr val="tx2"/>
+              </a:buClr>
+              <a:buFont typeface="Arial" pitchFamily="34" charset="0"/>
+              <a:buChar char="•"/>
+              <a:defRPr sz="1800" kern="1200">
+                <a:solidFill>
+                  <a:schemeClr val="tx1"/>
+                </a:solidFill>
+                <a:latin typeface="+mn-lt"/>
+                <a:ea typeface="+mn-ea"/>
+                <a:cs typeface="+mn-cs"/>
+              </a:defRPr>
+            </a:lvl4pPr>
+            <a:lvl5pPr marL="2057400" indent="-228600" algn="l" defTabSz="914400" rtl="0" eaLnBrk="1" latinLnBrk="0" hangingPunct="1">
+              <a:spcBef>
+                <a:spcPct val="20000"/>
+              </a:spcBef>
+              <a:buClr>
+                <a:schemeClr val="tx2"/>
+              </a:buClr>
+              <a:buFont typeface="Arial" pitchFamily="34" charset="0"/>
+              <a:buChar char="•"/>
+              <a:defRPr sz="1800" kern="1200" baseline="0">
+                <a:solidFill>
+                  <a:schemeClr val="tx1"/>
+                </a:solidFill>
+                <a:latin typeface="+mn-lt"/>
+                <a:ea typeface="+mn-ea"/>
+                <a:cs typeface="+mn-cs"/>
+              </a:defRPr>
+            </a:lvl5pPr>
+            <a:lvl6pPr marL="2514600" indent="-228600" algn="l" defTabSz="914400" rtl="0" eaLnBrk="1" latinLnBrk="0" hangingPunct="1">
+              <a:spcBef>
+                <a:spcPct val="20000"/>
+              </a:spcBef>
+              <a:buClr>
+                <a:schemeClr val="tx2"/>
+              </a:buClr>
+              <a:buFont typeface="Arial" pitchFamily="34" charset="0"/>
+              <a:buChar char="•"/>
+              <a:defRPr sz="1600" kern="1200">
+                <a:solidFill>
+                  <a:schemeClr val="tx1"/>
+                </a:solidFill>
+                <a:latin typeface="+mn-lt"/>
+                <a:ea typeface="+mn-ea"/>
+                <a:cs typeface="+mn-cs"/>
+              </a:defRPr>
+            </a:lvl6pPr>
+            <a:lvl7pPr marL="2971800" indent="-228600" algn="l" defTabSz="914400" rtl="0" eaLnBrk="1" latinLnBrk="0" hangingPunct="1">
+              <a:spcBef>
+                <a:spcPct val="20000"/>
+              </a:spcBef>
+              <a:buClr>
+                <a:schemeClr val="tx2"/>
+              </a:buClr>
+              <a:buFont typeface="Arial" pitchFamily="34" charset="0"/>
+              <a:buChar char="•"/>
+              <a:defRPr sz="1600" kern="1200">
+                <a:solidFill>
+                  <a:schemeClr val="tx1"/>
+                </a:solidFill>
+                <a:latin typeface="+mn-lt"/>
+                <a:ea typeface="+mn-ea"/>
+                <a:cs typeface="+mn-cs"/>
+              </a:defRPr>
+            </a:lvl7pPr>
+            <a:lvl8pPr marL="3429000" indent="-228600" algn="l" defTabSz="914400" rtl="0" eaLnBrk="1" latinLnBrk="0" hangingPunct="1">
+              <a:spcBef>
+                <a:spcPct val="20000"/>
+              </a:spcBef>
+              <a:buClr>
+                <a:schemeClr val="tx2"/>
+              </a:buClr>
+              <a:buFont typeface="Arial" pitchFamily="34" charset="0"/>
+              <a:buChar char="•"/>
+              <a:defRPr sz="1600" kern="1200">
+                <a:solidFill>
+                  <a:schemeClr val="tx1"/>
+                </a:solidFill>
+                <a:latin typeface="+mn-lt"/>
+                <a:ea typeface="+mn-ea"/>
+                <a:cs typeface="+mn-cs"/>
+              </a:defRPr>
+            </a:lvl8pPr>
+            <a:lvl9pPr marL="3886200" indent="-228600" algn="l" defTabSz="914400" rtl="0" eaLnBrk="1" latinLnBrk="0" hangingPunct="1">
+              <a:spcBef>
+                <a:spcPct val="20000"/>
+              </a:spcBef>
+              <a:buClr>
+                <a:schemeClr val="tx2"/>
+              </a:buClr>
+              <a:buFont typeface="Arial" pitchFamily="34" charset="0"/>
+              <a:buChar char="•"/>
+              <a:defRPr sz="1600" kern="1200">
+                <a:solidFill>
+                  <a:schemeClr val="tx1"/>
+                </a:solidFill>
+                <a:latin typeface="+mn-lt"/>
+                <a:ea typeface="+mn-ea"/>
+                <a:cs typeface="+mn-cs"/>
+              </a:defRPr>
+            </a:lvl9pPr>
+          </a:lstStyle>
+          <a:p>
+            <a:pPr marL="228600" indent="-228600">
+              <a:buFont typeface="Arial" pitchFamily="34" charset="0"/>
+              <a:buAutoNum type="arabicPeriod"/>
+            </a:pPr>
+            <a:r>
+              <a:rPr lang="en-US" b="0" smtClean="0"/>
+              <a:t>Pedro F. Felzenzwalb, Daniel P. Huttenlocher. International Journal of Computer Vision September 2003. </a:t>
+            </a:r>
+            <a:r>
+              <a:rPr lang="en-US" b="0" i="1" smtClean="0"/>
+              <a:t>Efficient Graph-Based Image Segmentation.</a:t>
+            </a:r>
+            <a:endParaRPr lang="en-US" b="0" dirty="0"/>
+          </a:p>
+        </p:txBody>
+      </p:sp>
     </p:spTree>
     <p:extLst>
       <p:ext uri="{BB962C8B-B14F-4D97-AF65-F5344CB8AC3E}">
-        <p14:creationId xmlns:p14="http://schemas.microsoft.com/office/powerpoint/2010/main" xmlns="" val="1385000211"/>
+        <p14:creationId xmlns:p14="http://schemas.microsoft.com/office/powerpoint/2010/main" val="1385000211"/>
       </p:ext>
     </p:extLst>
   </p:cSld>
@@ -4898,7 +5087,7 @@
   <p:timing>
     <p:tnLst>
       <p:par>
-        <p:cTn id="1" dur="indefinite" restart="never" nodeType="tmRoot"/>
+        <p:cTn xmlns:p14="http://schemas.microsoft.com/office/powerpoint/2010/main" id="1" dur="indefinite" restart="never" nodeType="tmRoot"/>
       </p:par>
     </p:tnLst>
   </p:timing>
@@ -4939,7 +5128,7 @@
           <a:p>
             <a:r>
               <a:rPr lang="en-US" altLang="zh-CN" dirty="0" smtClean="0"/>
-              <a:t>Content</a:t>
+              <a:t>Contents</a:t>
             </a:r>
             <a:endParaRPr lang="zh-CN" altLang="en-US" dirty="0"/>
           </a:p>
@@ -5025,11 +5214,7 @@
             </a:pPr>
             <a:r>
               <a:rPr lang="en-US" altLang="zh-CN" dirty="0" smtClean="0"/>
-              <a:t>C/C++ </a:t>
-            </a:r>
-            <a:r>
-              <a:rPr lang="en-US" altLang="zh-CN" dirty="0" smtClean="0"/>
-              <a:t>Implementation</a:t>
+              <a:t>C/C++ Implementation</a:t>
             </a:r>
           </a:p>
           <a:p>
@@ -5342,15 +5527,7 @@
             <a:pPr marL="457200" indent="-457200" algn="ctr"/>
             <a:r>
               <a:rPr lang="sv-SE" altLang="zh-CN" dirty="0" smtClean="0"/>
-              <a:t>MInt(C1</a:t>
-            </a:r>
-            <a:r>
-              <a:rPr lang="sv-SE" altLang="zh-CN" dirty="0" smtClean="0"/>
-              <a:t>, C2) = min(Int(C1) + τ (C1), Int(C2) + τ (C2</a:t>
-            </a:r>
-            <a:r>
-              <a:rPr lang="sv-SE" altLang="zh-CN" dirty="0" smtClean="0"/>
-              <a:t>))</a:t>
+              <a:t>MInt(C1, C2) = min(Int(C1) + τ (C1), Int(C2) + τ (C2))</a:t>
             </a:r>
             <a:endParaRPr lang="en-US" altLang="zh-CN" dirty="0" smtClean="0"/>
           </a:p>
@@ -5638,11 +5815,7 @@
           <a:p>
             <a:r>
               <a:rPr lang="en-US" dirty="0" smtClean="0"/>
-              <a:t>Our method imposes a minimum component size right at the beginning, unlike their method which imposes it as post processing. Essentially, we merge more than they do, the segmentation is less noisy and looks </a:t>
-            </a:r>
-            <a:r>
-              <a:rPr lang="en-US" dirty="0" smtClean="0"/>
-              <a:t>better.</a:t>
+              <a:t>Our method imposes a minimum component size right at the beginning, unlike their method which imposes it as post processing. Essentially, we merge more than they do, the segmentation is less noisy and looks better.</a:t>
             </a:r>
             <a:endParaRPr lang="en-US" dirty="0"/>
           </a:p>
@@ -5844,7 +6017,7 @@
     </p:spTree>
     <p:extLst>
       <p:ext uri="{BB962C8B-B14F-4D97-AF65-F5344CB8AC3E}">
-        <p14:creationId xmlns:p14="http://schemas.microsoft.com/office/powerpoint/2010/main" xmlns="" val="831815628"/>
+        <p14:creationId xmlns:p14="http://schemas.microsoft.com/office/powerpoint/2010/main" val="831815628"/>
       </p:ext>
     </p:extLst>
   </p:cSld>
@@ -6112,7 +6285,7 @@
           <a:blip r:embed="rId2" cstate="print">
             <a:extLst>
               <a:ext uri="{28A0092B-C50C-407E-A947-70E740481C1C}">
-                <a14:useLocalDpi xmlns:a14="http://schemas.microsoft.com/office/drawing/2010/main" xmlns="" val="0"/>
+                <a14:useLocalDpi xmlns:a14="http://schemas.microsoft.com/office/drawing/2010/main" val="0"/>
               </a:ext>
             </a:extLst>
           </a:blip>
@@ -6140,7 +6313,7 @@
           <a:blip r:embed="rId3" cstate="print">
             <a:extLst>
               <a:ext uri="{28A0092B-C50C-407E-A947-70E740481C1C}">
-                <a14:useLocalDpi xmlns:a14="http://schemas.microsoft.com/office/drawing/2010/main" xmlns="" val="0"/>
+                <a14:useLocalDpi xmlns:a14="http://schemas.microsoft.com/office/drawing/2010/main" val="0"/>
               </a:ext>
             </a:extLst>
           </a:blip>
@@ -6170,7 +6343,7 @@
           <a:blip r:embed="rId4" cstate="print">
             <a:extLst>
               <a:ext uri="{28A0092B-C50C-407E-A947-70E740481C1C}">
-                <a14:useLocalDpi xmlns:a14="http://schemas.microsoft.com/office/drawing/2010/main" xmlns="" val="0"/>
+                <a14:useLocalDpi xmlns:a14="http://schemas.microsoft.com/office/drawing/2010/main" val="0"/>
               </a:ext>
             </a:extLst>
           </a:blip>
@@ -6278,7 +6451,7 @@
     </p:spTree>
     <p:extLst>
       <p:ext uri="{BB962C8B-B14F-4D97-AF65-F5344CB8AC3E}">
-        <p14:creationId xmlns:p14="http://schemas.microsoft.com/office/powerpoint/2010/main" xmlns="" val="4159708136"/>
+        <p14:creationId xmlns:p14="http://schemas.microsoft.com/office/powerpoint/2010/main" val="4159708136"/>
       </p:ext>
     </p:extLst>
   </p:cSld>
@@ -6564,7 +6737,7 @@
     </p:spTree>
     <p:extLst>
       <p:ext uri="{BB962C8B-B14F-4D97-AF65-F5344CB8AC3E}">
-        <p14:creationId xmlns:p14="http://schemas.microsoft.com/office/powerpoint/2010/main" xmlns="" val="1114271120"/>
+        <p14:creationId xmlns:p14="http://schemas.microsoft.com/office/powerpoint/2010/main" val="1114271120"/>
       </p:ext>
     </p:extLst>
   </p:cSld>
@@ -6821,7 +6994,7 @@
           <a:blip r:embed="rId2" cstate="print">
             <a:extLst>
               <a:ext uri="{28A0092B-C50C-407E-A947-70E740481C1C}">
-                <a14:useLocalDpi xmlns:a14="http://schemas.microsoft.com/office/drawing/2010/main" xmlns="" val="0"/>
+                <a14:useLocalDpi xmlns:a14="http://schemas.microsoft.com/office/drawing/2010/main" val="0"/>
               </a:ext>
             </a:extLst>
           </a:blip>
@@ -6849,7 +7022,7 @@
           <a:blip r:embed="rId3" cstate="print">
             <a:extLst>
               <a:ext uri="{28A0092B-C50C-407E-A947-70E740481C1C}">
-                <a14:useLocalDpi xmlns:a14="http://schemas.microsoft.com/office/drawing/2010/main" xmlns="" val="0"/>
+                <a14:useLocalDpi xmlns:a14="http://schemas.microsoft.com/office/drawing/2010/main" val="0"/>
               </a:ext>
             </a:extLst>
           </a:blip>
@@ -6938,7 +7111,7 @@
     </p:spTree>
     <p:extLst>
       <p:ext uri="{BB962C8B-B14F-4D97-AF65-F5344CB8AC3E}">
-        <p14:creationId xmlns:p14="http://schemas.microsoft.com/office/powerpoint/2010/main" xmlns="" val="554404530"/>
+        <p14:creationId xmlns:p14="http://schemas.microsoft.com/office/powerpoint/2010/main" val="554404530"/>
       </p:ext>
     </p:extLst>
   </p:cSld>
@@ -7226,7 +7399,7 @@
           <a:blip r:embed="rId2" cstate="print">
             <a:extLst>
               <a:ext uri="{28A0092B-C50C-407E-A947-70E740481C1C}">
-                <a14:useLocalDpi xmlns:a14="http://schemas.microsoft.com/office/drawing/2010/main" xmlns="" val="0"/>
+                <a14:useLocalDpi xmlns:a14="http://schemas.microsoft.com/office/drawing/2010/main" val="0"/>
               </a:ext>
             </a:extLst>
           </a:blip>
@@ -7256,7 +7429,7 @@
           <a:blip r:embed="rId3" cstate="print">
             <a:extLst>
               <a:ext uri="{28A0092B-C50C-407E-A947-70E740481C1C}">
-                <a14:useLocalDpi xmlns:a14="http://schemas.microsoft.com/office/drawing/2010/main" xmlns="" val="0"/>
+                <a14:useLocalDpi xmlns:a14="http://schemas.microsoft.com/office/drawing/2010/main" val="0"/>
               </a:ext>
             </a:extLst>
           </a:blip>
@@ -7323,7 +7496,7 @@
     </p:spTree>
     <p:extLst>
       <p:ext uri="{BB962C8B-B14F-4D97-AF65-F5344CB8AC3E}">
-        <p14:creationId xmlns:p14="http://schemas.microsoft.com/office/powerpoint/2010/main" xmlns="" val="3078452440"/>
+        <p14:creationId xmlns:p14="http://schemas.microsoft.com/office/powerpoint/2010/main" val="3078452440"/>
       </p:ext>
     </p:extLst>
   </p:cSld>
@@ -7629,7 +7802,7 @@
     </p:spTree>
     <p:extLst>
       <p:ext uri="{BB962C8B-B14F-4D97-AF65-F5344CB8AC3E}">
-        <p14:creationId xmlns:p14="http://schemas.microsoft.com/office/powerpoint/2010/main" xmlns="" val="302842593"/>
+        <p14:creationId xmlns:p14="http://schemas.microsoft.com/office/powerpoint/2010/main" val="302842593"/>
       </p:ext>
     </p:extLst>
   </p:cSld>

--- a/8_report/presentation.pptx
+++ b/8_report/presentation.pptx
@@ -5,7 +5,7 @@
     <p:sldMasterId id="2147483912" r:id="rId1"/>
   </p:sldMasterIdLst>
   <p:notesMasterIdLst>
-    <p:notesMasterId r:id="rId13"/>
+    <p:notesMasterId r:id="rId15"/>
   </p:notesMasterIdLst>
   <p:sldIdLst>
     <p:sldId id="256" r:id="rId2"/>
@@ -14,11 +14,13 @@
     <p:sldId id="267" r:id="rId5"/>
     <p:sldId id="268" r:id="rId6"/>
     <p:sldId id="269" r:id="rId7"/>
-    <p:sldId id="270" r:id="rId8"/>
-    <p:sldId id="272" r:id="rId9"/>
+    <p:sldId id="276" r:id="rId8"/>
+    <p:sldId id="270" r:id="rId9"/>
     <p:sldId id="271" r:id="rId10"/>
-    <p:sldId id="273" r:id="rId11"/>
-    <p:sldId id="266" r:id="rId12"/>
+    <p:sldId id="278" r:id="rId11"/>
+    <p:sldId id="277" r:id="rId12"/>
+    <p:sldId id="273" r:id="rId13"/>
+    <p:sldId id="266" r:id="rId14"/>
   </p:sldIdLst>
   <p:sldSz cx="9144000" cy="6858000" type="screen4x3"/>
   <p:notesSz cx="6858000" cy="9144000"/>
@@ -203,7 +205,7 @@
             <a:fld id="{A03E28E0-41BE-4005-8C72-09D666597848}" type="datetimeFigureOut">
               <a:rPr lang="en-US" smtClean="0"/>
               <a:pPr/>
-              <a:t>3/9/15</a:t>
+              <a:t>3/9/2015</a:t>
             </a:fld>
             <a:endParaRPr lang="en-US"/>
           </a:p>
@@ -372,7 +374,7 @@
     </p:spTree>
     <p:extLst>
       <p:ext uri="{BB962C8B-B14F-4D97-AF65-F5344CB8AC3E}">
-        <p14:creationId xmlns:p14="http://schemas.microsoft.com/office/powerpoint/2010/main" val="2771071978"/>
+        <p14:creationId xmlns:p14="http://schemas.microsoft.com/office/powerpoint/2010/main" xmlns="" val="2771071978"/>
       </p:ext>
     </p:extLst>
   </p:cSld>
@@ -547,7 +549,7 @@
     </p:spTree>
     <p:extLst>
       <p:ext uri="{BB962C8B-B14F-4D97-AF65-F5344CB8AC3E}">
-        <p14:creationId xmlns:p14="http://schemas.microsoft.com/office/powerpoint/2010/main" val="3228984243"/>
+        <p14:creationId xmlns:p14="http://schemas.microsoft.com/office/powerpoint/2010/main" xmlns="" val="3228984243"/>
       </p:ext>
     </p:extLst>
   </p:cSld>
@@ -4148,7 +4150,7 @@
     </p:spTree>
     <p:extLst>
       <p:ext uri="{BB962C8B-B14F-4D97-AF65-F5344CB8AC3E}">
-        <p14:creationId xmlns:p14="http://schemas.microsoft.com/office/powerpoint/2010/main" val="3953207923"/>
+        <p14:creationId xmlns:p14="http://schemas.microsoft.com/office/powerpoint/2010/main" xmlns="" val="3953207923"/>
       </p:ext>
     </p:extLst>
   </p:cSld>
@@ -4158,7 +4160,7 @@
   <p:timing>
     <p:tnLst>
       <p:par>
-        <p:cTn xmlns:p14="http://schemas.microsoft.com/office/powerpoint/2010/main" id="1" dur="indefinite" restart="never" nodeType="tmRoot"/>
+        <p:cTn id="1" dur="indefinite" restart="never" nodeType="tmRoot"/>
       </p:par>
     </p:tnLst>
   </p:timing>
@@ -4199,6 +4201,847 @@
           <a:p>
             <a:r>
               <a:rPr lang="en-US" dirty="0" smtClean="0"/>
+              <a:t>Multidimensional graph construct</a:t>
+            </a:r>
+            <a:endParaRPr lang="en-US" dirty="0"/>
+          </a:p>
+        </p:txBody>
+      </p:sp>
+      <p:sp>
+        <p:nvSpPr>
+          <p:cNvPr id="4" name="Slide Number Placeholder 3"/>
+          <p:cNvSpPr>
+            <a:spLocks noGrp="1"/>
+          </p:cNvSpPr>
+          <p:nvPr>
+            <p:ph type="sldNum" sz="quarter" idx="12"/>
+          </p:nvPr>
+        </p:nvSpPr>
+        <p:spPr/>
+        <p:txBody>
+          <a:bodyPr/>
+          <a:lstStyle/>
+          <a:p>
+            <a:fld id="{F38DF745-7D3F-47F4-83A3-874385CFAA69}" type="slidenum">
+              <a:rPr lang="en-US" smtClean="0"/>
+              <a:pPr/>
+              <a:t>10</a:t>
+            </a:fld>
+            <a:endParaRPr lang="en-US"/>
+          </a:p>
+        </p:txBody>
+      </p:sp>
+      <p:sp>
+        <p:nvSpPr>
+          <p:cNvPr id="5" name="Rectangle 4"/>
+          <p:cNvSpPr/>
+          <p:nvPr/>
+        </p:nvSpPr>
+        <p:spPr>
+          <a:xfrm>
+            <a:off x="0" y="6400800"/>
+            <a:ext cx="2133600" cy="457200"/>
+          </a:xfrm>
+          <a:prstGeom prst="rect">
+            <a:avLst/>
+          </a:prstGeom>
+          <a:effectLst/>
+        </p:spPr>
+        <p:style>
+          <a:lnRef idx="1">
+            <a:schemeClr val="accent1"/>
+          </a:lnRef>
+          <a:fillRef idx="3">
+            <a:schemeClr val="accent1"/>
+          </a:fillRef>
+          <a:effectRef idx="2">
+            <a:schemeClr val="accent1"/>
+          </a:effectRef>
+          <a:fontRef idx="minor">
+            <a:schemeClr val="lt1"/>
+          </a:fontRef>
+        </p:style>
+        <p:txBody>
+          <a:bodyPr rtlCol="0" anchor="ctr"/>
+          <a:lstStyle/>
+          <a:p>
+            <a:pPr algn="ctr"/>
+            <a:r>
+              <a:rPr lang="en-US" sz="1400" dirty="0" smtClean="0">
+                <a:solidFill>
+                  <a:schemeClr val="accent6">
+                    <a:lumMod val="40000"/>
+                    <a:lumOff val="60000"/>
+                  </a:schemeClr>
+                </a:solidFill>
+              </a:rPr>
+              <a:t>ECE 278</a:t>
+            </a:r>
+          </a:p>
+          <a:p>
+            <a:pPr algn="ctr"/>
+            <a:r>
+              <a:rPr lang="en-US" sz="1400" dirty="0" smtClean="0">
+                <a:solidFill>
+                  <a:schemeClr val="accent6">
+                    <a:lumMod val="40000"/>
+                    <a:lumOff val="60000"/>
+                  </a:schemeClr>
+                </a:solidFill>
+              </a:rPr>
+              <a:t>Winter 2015</a:t>
+            </a:r>
+          </a:p>
+        </p:txBody>
+      </p:sp>
+      <p:sp>
+        <p:nvSpPr>
+          <p:cNvPr id="6" name="Rectangle 5"/>
+          <p:cNvSpPr/>
+          <p:nvPr/>
+        </p:nvSpPr>
+        <p:spPr>
+          <a:xfrm>
+            <a:off x="2514600" y="6400800"/>
+            <a:ext cx="3352800" cy="457200"/>
+          </a:xfrm>
+          <a:prstGeom prst="rect">
+            <a:avLst/>
+          </a:prstGeom>
+          <a:ln>
+            <a:solidFill>
+              <a:schemeClr val="accent1"/>
+            </a:solidFill>
+          </a:ln>
+          <a:effectLst/>
+        </p:spPr>
+        <p:style>
+          <a:lnRef idx="1">
+            <a:schemeClr val="accent1"/>
+          </a:lnRef>
+          <a:fillRef idx="3">
+            <a:schemeClr val="accent1"/>
+          </a:fillRef>
+          <a:effectRef idx="2">
+            <a:schemeClr val="accent1"/>
+          </a:effectRef>
+          <a:fontRef idx="minor">
+            <a:schemeClr val="lt1"/>
+          </a:fontRef>
+        </p:style>
+        <p:txBody>
+          <a:bodyPr rtlCol="0" anchor="ctr"/>
+          <a:lstStyle/>
+          <a:p>
+            <a:pPr algn="ctr"/>
+            <a:r>
+              <a:rPr lang="en-US" sz="1400" dirty="0" smtClean="0">
+                <a:solidFill>
+                  <a:schemeClr val="accent6">
+                    <a:lumMod val="40000"/>
+                    <a:lumOff val="60000"/>
+                  </a:schemeClr>
+                </a:solidFill>
+              </a:rPr>
+              <a:t>Graph-Based Segmentation</a:t>
+            </a:r>
+            <a:endParaRPr lang="en-US" sz="1400" dirty="0">
+              <a:solidFill>
+                <a:schemeClr val="accent6">
+                  <a:lumMod val="40000"/>
+                  <a:lumOff val="60000"/>
+                </a:schemeClr>
+              </a:solidFill>
+            </a:endParaRPr>
+          </a:p>
+        </p:txBody>
+      </p:sp>
+      <p:sp>
+        <p:nvSpPr>
+          <p:cNvPr id="7" name="Right Triangle 6"/>
+          <p:cNvSpPr/>
+          <p:nvPr/>
+        </p:nvSpPr>
+        <p:spPr>
+          <a:xfrm>
+            <a:off x="5867400" y="6400800"/>
+            <a:ext cx="609600" cy="457200"/>
+          </a:xfrm>
+          <a:prstGeom prst="rtTriangle">
+            <a:avLst/>
+          </a:prstGeom>
+          <a:ln>
+            <a:solidFill>
+              <a:schemeClr val="accent1"/>
+            </a:solidFill>
+          </a:ln>
+          <a:effectLst/>
+        </p:spPr>
+        <p:style>
+          <a:lnRef idx="1">
+            <a:schemeClr val="accent1"/>
+          </a:lnRef>
+          <a:fillRef idx="3">
+            <a:schemeClr val="accent1"/>
+          </a:fillRef>
+          <a:effectRef idx="2">
+            <a:schemeClr val="accent1"/>
+          </a:effectRef>
+          <a:fontRef idx="minor">
+            <a:schemeClr val="lt1"/>
+          </a:fontRef>
+        </p:style>
+        <p:txBody>
+          <a:bodyPr rtlCol="0" anchor="ctr"/>
+          <a:lstStyle/>
+          <a:p>
+            <a:pPr algn="ctr"/>
+            <a:endParaRPr lang="en-US"/>
+          </a:p>
+        </p:txBody>
+      </p:sp>
+      <p:pic>
+        <p:nvPicPr>
+          <p:cNvPr id="13" name="Picture 12" descr="lena.tiff"/>
+          <p:cNvPicPr>
+            <a:picLocks noChangeAspect="1"/>
+          </p:cNvPicPr>
+          <p:nvPr/>
+        </p:nvPicPr>
+        <p:blipFill>
+          <a:blip r:embed="rId2" cstate="print">
+            <a:extLst>
+              <a:ext uri="{28A0092B-C50C-407E-A947-70E740481C1C}">
+                <a14:useLocalDpi xmlns:a14="http://schemas.microsoft.com/office/drawing/2010/main" xmlns="" val="0"/>
+              </a:ext>
+            </a:extLst>
+          </a:blip>
+          <a:stretch>
+            <a:fillRect/>
+          </a:stretch>
+        </p:blipFill>
+        <p:spPr>
+          <a:xfrm>
+            <a:off x="228600" y="1524000"/>
+            <a:ext cx="2286000" cy="2286000"/>
+          </a:xfrm>
+          <a:prstGeom prst="rect">
+            <a:avLst/>
+          </a:prstGeom>
+        </p:spPr>
+      </p:pic>
+      <p:sp>
+        <p:nvSpPr>
+          <p:cNvPr id="14" name="TextBox 13"/>
+          <p:cNvSpPr txBox="1"/>
+          <p:nvPr/>
+        </p:nvSpPr>
+        <p:spPr>
+          <a:xfrm>
+            <a:off x="2590800" y="3352800"/>
+            <a:ext cx="1557713" cy="369332"/>
+          </a:xfrm>
+          <a:prstGeom prst="rect">
+            <a:avLst/>
+          </a:prstGeom>
+          <a:noFill/>
+        </p:spPr>
+        <p:txBody>
+          <a:bodyPr wrap="none" rtlCol="0">
+            <a:spAutoFit/>
+          </a:bodyPr>
+          <a:lstStyle/>
+          <a:p>
+            <a:r>
+              <a:rPr lang="en-US" dirty="0" smtClean="0"/>
+              <a:t>Original Lena</a:t>
+            </a:r>
+            <a:endParaRPr lang="en-US" dirty="0"/>
+          </a:p>
+        </p:txBody>
+      </p:sp>
+      <p:sp>
+        <p:nvSpPr>
+          <p:cNvPr id="15" name="TextBox 14"/>
+          <p:cNvSpPr txBox="1"/>
+          <p:nvPr/>
+        </p:nvSpPr>
+        <p:spPr>
+          <a:xfrm>
+            <a:off x="6477000" y="3429000"/>
+            <a:ext cx="2048638" cy="369332"/>
+          </a:xfrm>
+          <a:prstGeom prst="rect">
+            <a:avLst/>
+          </a:prstGeom>
+          <a:noFill/>
+        </p:spPr>
+        <p:txBody>
+          <a:bodyPr wrap="none" rtlCol="0">
+            <a:spAutoFit/>
+          </a:bodyPr>
+          <a:lstStyle/>
+          <a:p>
+            <a:r>
+              <a:rPr lang="en-US" dirty="0" err="1"/>
+              <a:t>x</a:t>
+            </a:r>
+            <a:r>
+              <a:rPr lang="en-US" dirty="0" err="1" smtClean="0"/>
+              <a:t>,y,Y,Cr,Cb</a:t>
+            </a:r>
+            <a:r>
+              <a:rPr lang="en-US" dirty="0" smtClean="0"/>
+              <a:t> </a:t>
+            </a:r>
+            <a:r>
+              <a:rPr lang="en-US" dirty="0" smtClean="0"/>
+              <a:t>space</a:t>
+            </a:r>
+            <a:endParaRPr lang="en-US" dirty="0"/>
+          </a:p>
+        </p:txBody>
+      </p:sp>
+      <p:sp>
+        <p:nvSpPr>
+          <p:cNvPr id="17" name="TextBox 16"/>
+          <p:cNvSpPr txBox="1"/>
+          <p:nvPr/>
+        </p:nvSpPr>
+        <p:spPr>
+          <a:xfrm>
+            <a:off x="2971800" y="5955268"/>
+            <a:ext cx="1809021" cy="369332"/>
+          </a:xfrm>
+          <a:prstGeom prst="rect">
+            <a:avLst/>
+          </a:prstGeom>
+          <a:noFill/>
+        </p:spPr>
+        <p:txBody>
+          <a:bodyPr wrap="none" rtlCol="0">
+            <a:spAutoFit/>
+          </a:bodyPr>
+          <a:lstStyle/>
+          <a:p>
+            <a:r>
+              <a:rPr lang="en-US" dirty="0" err="1" smtClean="0"/>
+              <a:t>x,y,H,S,V</a:t>
+            </a:r>
+            <a:r>
+              <a:rPr lang="en-US" dirty="0" smtClean="0"/>
+              <a:t> space</a:t>
+            </a:r>
+            <a:endParaRPr lang="en-US" dirty="0"/>
+          </a:p>
+        </p:txBody>
+      </p:sp>
+      <p:sp>
+        <p:nvSpPr>
+          <p:cNvPr id="18" name="TextBox 17"/>
+          <p:cNvSpPr txBox="1"/>
+          <p:nvPr/>
+        </p:nvSpPr>
+        <p:spPr>
+          <a:xfrm>
+            <a:off x="7144851" y="5879068"/>
+            <a:ext cx="1770549" cy="369332"/>
+          </a:xfrm>
+          <a:prstGeom prst="rect">
+            <a:avLst/>
+          </a:prstGeom>
+          <a:noFill/>
+        </p:spPr>
+        <p:txBody>
+          <a:bodyPr wrap="none" rtlCol="0">
+            <a:spAutoFit/>
+          </a:bodyPr>
+          <a:lstStyle/>
+          <a:p>
+            <a:r>
+              <a:rPr lang="en-US" dirty="0" err="1" smtClean="0"/>
+              <a:t>x,y,L,</a:t>
+            </a:r>
+            <a:r>
+              <a:rPr lang="en-US" dirty="0" err="1"/>
+              <a:t>A</a:t>
+            </a:r>
+            <a:r>
+              <a:rPr lang="en-US" dirty="0" err="1" smtClean="0"/>
+              <a:t>,</a:t>
+            </a:r>
+            <a:r>
+              <a:rPr lang="en-US" dirty="0" err="1"/>
+              <a:t>B</a:t>
+            </a:r>
+            <a:r>
+              <a:rPr lang="en-US" dirty="0" smtClean="0"/>
+              <a:t> </a:t>
+            </a:r>
+            <a:r>
+              <a:rPr lang="en-US" dirty="0" smtClean="0"/>
+              <a:t>space</a:t>
+            </a:r>
+            <a:endParaRPr lang="en-US" dirty="0"/>
+          </a:p>
+        </p:txBody>
+      </p:sp>
+      <p:pic>
+        <p:nvPicPr>
+          <p:cNvPr id="1026" name="Picture 2" descr="D:\Jonathan\Work\MS1Winter\ECE278A\graph-based-segmentation\knn-ann\results\lena512YCrCb_norm.png"/>
+          <p:cNvPicPr>
+            <a:picLocks noChangeAspect="1" noChangeArrowheads="1"/>
+          </p:cNvPicPr>
+          <p:nvPr/>
+        </p:nvPicPr>
+        <p:blipFill>
+          <a:blip r:embed="rId3" cstate="print"/>
+          <a:srcRect/>
+          <a:stretch>
+            <a:fillRect/>
+          </a:stretch>
+        </p:blipFill>
+        <p:spPr bwMode="auto">
+          <a:xfrm>
+            <a:off x="4191000" y="1524000"/>
+            <a:ext cx="2162175" cy="2162175"/>
+          </a:xfrm>
+          <a:prstGeom prst="rect">
+            <a:avLst/>
+          </a:prstGeom>
+          <a:noFill/>
+        </p:spPr>
+      </p:pic>
+      <p:pic>
+        <p:nvPicPr>
+          <p:cNvPr id="1027" name="Picture 3" descr="D:\Jonathan\Work\MS1Winter\ECE278A\graph-based-segmentation\knn-ann\results\lena512HSV_norm.png"/>
+          <p:cNvPicPr>
+            <a:picLocks noChangeAspect="1" noChangeArrowheads="1"/>
+          </p:cNvPicPr>
+          <p:nvPr/>
+        </p:nvPicPr>
+        <p:blipFill>
+          <a:blip r:embed="rId4" cstate="print"/>
+          <a:srcRect/>
+          <a:stretch>
+            <a:fillRect/>
+          </a:stretch>
+        </p:blipFill>
+        <p:spPr bwMode="auto">
+          <a:xfrm>
+            <a:off x="914400" y="4114800"/>
+            <a:ext cx="2133600" cy="2133600"/>
+          </a:xfrm>
+          <a:prstGeom prst="rect">
+            <a:avLst/>
+          </a:prstGeom>
+          <a:noFill/>
+        </p:spPr>
+      </p:pic>
+      <p:pic>
+        <p:nvPicPr>
+          <p:cNvPr id="1028" name="Picture 4" descr="D:\Jonathan\Work\MS1Winter\ECE278A\graph-based-segmentation\knn-ann\results\lena512Lab_norm.png"/>
+          <p:cNvPicPr>
+            <a:picLocks noChangeAspect="1" noChangeArrowheads="1"/>
+          </p:cNvPicPr>
+          <p:nvPr/>
+        </p:nvPicPr>
+        <p:blipFill>
+          <a:blip r:embed="rId5" cstate="print"/>
+          <a:srcRect/>
+          <a:stretch>
+            <a:fillRect/>
+          </a:stretch>
+        </p:blipFill>
+        <p:spPr bwMode="auto">
+          <a:xfrm>
+            <a:off x="4876800" y="3962400"/>
+            <a:ext cx="2209800" cy="2209800"/>
+          </a:xfrm>
+          <a:prstGeom prst="rect">
+            <a:avLst/>
+          </a:prstGeom>
+          <a:noFill/>
+        </p:spPr>
+      </p:pic>
+    </p:spTree>
+    <p:extLst>
+      <p:ext uri="{BB962C8B-B14F-4D97-AF65-F5344CB8AC3E}">
+        <p14:creationId xmlns:p14="http://schemas.microsoft.com/office/powerpoint/2010/main" xmlns="" val="554404530"/>
+      </p:ext>
+    </p:extLst>
+  </p:cSld>
+  <p:clrMapOvr>
+    <a:masterClrMapping/>
+  </p:clrMapOvr>
+</p:sld>
+</file>
+
+<file path=ppt/slides/slide11.xml><?xml version="1.0" encoding="utf-8"?>
+<p:sld xmlns:a="http://schemas.openxmlformats.org/drawingml/2006/main" xmlns:r="http://schemas.openxmlformats.org/officeDocument/2006/relationships" xmlns:p="http://schemas.openxmlformats.org/presentationml/2006/main">
+  <p:cSld>
+    <p:spTree>
+      <p:nvGrpSpPr>
+        <p:cNvPr id="1" name=""/>
+        <p:cNvGrpSpPr/>
+        <p:nvPr/>
+      </p:nvGrpSpPr>
+      <p:grpSpPr>
+        <a:xfrm>
+          <a:off x="0" y="0"/>
+          <a:ext cx="0" cy="0"/>
+          <a:chOff x="0" y="0"/>
+          <a:chExt cx="0" cy="0"/>
+        </a:xfrm>
+      </p:grpSpPr>
+      <p:sp>
+        <p:nvSpPr>
+          <p:cNvPr id="2" name="Title 1"/>
+          <p:cNvSpPr>
+            <a:spLocks noGrp="1"/>
+          </p:cNvSpPr>
+          <p:nvPr>
+            <p:ph type="title"/>
+          </p:nvPr>
+        </p:nvSpPr>
+        <p:spPr/>
+        <p:txBody>
+          <a:bodyPr/>
+          <a:lstStyle/>
+          <a:p>
+            <a:r>
+              <a:rPr lang="en-US" dirty="0" err="1" smtClean="0"/>
+              <a:t>MultiDim</a:t>
+            </a:r>
+            <a:r>
+              <a:rPr lang="en-US" dirty="0" smtClean="0"/>
+              <a:t>. Implementation</a:t>
+            </a:r>
+            <a:endParaRPr lang="en-US" dirty="0"/>
+          </a:p>
+        </p:txBody>
+      </p:sp>
+      <p:sp>
+        <p:nvSpPr>
+          <p:cNvPr id="3" name="Content Placeholder 2"/>
+          <p:cNvSpPr>
+            <a:spLocks noGrp="1"/>
+          </p:cNvSpPr>
+          <p:nvPr>
+            <p:ph idx="1"/>
+          </p:nvPr>
+        </p:nvSpPr>
+        <p:spPr/>
+        <p:txBody>
+          <a:bodyPr>
+            <a:normAutofit/>
+          </a:bodyPr>
+          <a:lstStyle/>
+          <a:p>
+            <a:r>
+              <a:rPr lang="en-US" dirty="0" smtClean="0"/>
+              <a:t>Exact </a:t>
+            </a:r>
+            <a:r>
+              <a:rPr lang="en-US" dirty="0" smtClean="0"/>
+              <a:t>k-</a:t>
+            </a:r>
+            <a:r>
+              <a:rPr lang="en-US" dirty="0"/>
+              <a:t>n</a:t>
+            </a:r>
+            <a:r>
+              <a:rPr lang="en-US" dirty="0" smtClean="0"/>
+              <a:t>earest </a:t>
+            </a:r>
+            <a:r>
+              <a:rPr lang="en-US" dirty="0"/>
+              <a:t>n</a:t>
+            </a:r>
+            <a:r>
+              <a:rPr lang="en-US" dirty="0" smtClean="0"/>
+              <a:t>eighbor for every pixel runs too slowly (~30 minutes for 512x512 image</a:t>
+            </a:r>
+            <a:r>
+              <a:rPr lang="en-US" dirty="0" smtClean="0"/>
+              <a:t>).</a:t>
+            </a:r>
+          </a:p>
+          <a:p>
+            <a:endParaRPr lang="en-US" dirty="0"/>
+          </a:p>
+          <a:p>
+            <a:r>
+              <a:rPr lang="en-US" dirty="0" smtClean="0"/>
+              <a:t>Approximate k-nearest neighbor runs in 2 or 3 minutes for image of the same size</a:t>
+            </a:r>
+            <a:r>
+              <a:rPr lang="en-US" dirty="0" smtClean="0"/>
+              <a:t>. </a:t>
+            </a:r>
+          </a:p>
+          <a:p>
+            <a:endParaRPr lang="en-US" dirty="0" smtClean="0"/>
+          </a:p>
+          <a:p>
+            <a:r>
+              <a:rPr lang="en-US" dirty="0" smtClean="0"/>
+              <a:t>KNN implemented with Boost library.</a:t>
+            </a:r>
+          </a:p>
+          <a:p>
+            <a:r>
+              <a:rPr lang="en-US" dirty="0" smtClean="0"/>
+              <a:t>ANN i</a:t>
+            </a:r>
+            <a:r>
+              <a:rPr lang="en-US" dirty="0" smtClean="0"/>
+              <a:t>mplemented with FLANN library.</a:t>
+            </a:r>
+            <a:endParaRPr lang="en-US" dirty="0" smtClean="0"/>
+          </a:p>
+        </p:txBody>
+      </p:sp>
+      <p:sp>
+        <p:nvSpPr>
+          <p:cNvPr id="4" name="Slide Number Placeholder 3"/>
+          <p:cNvSpPr>
+            <a:spLocks noGrp="1"/>
+          </p:cNvSpPr>
+          <p:nvPr>
+            <p:ph type="sldNum" sz="quarter" idx="12"/>
+          </p:nvPr>
+        </p:nvSpPr>
+        <p:spPr/>
+        <p:txBody>
+          <a:bodyPr/>
+          <a:lstStyle/>
+          <a:p>
+            <a:fld id="{F38DF745-7D3F-47F4-83A3-874385CFAA69}" type="slidenum">
+              <a:rPr lang="en-US" smtClean="0"/>
+              <a:pPr/>
+              <a:t>11</a:t>
+            </a:fld>
+            <a:endParaRPr lang="en-US"/>
+          </a:p>
+        </p:txBody>
+      </p:sp>
+      <p:sp>
+        <p:nvSpPr>
+          <p:cNvPr id="5" name="Rectangle 4"/>
+          <p:cNvSpPr/>
+          <p:nvPr/>
+        </p:nvSpPr>
+        <p:spPr>
+          <a:xfrm>
+            <a:off x="0" y="6400800"/>
+            <a:ext cx="2133600" cy="457200"/>
+          </a:xfrm>
+          <a:prstGeom prst="rect">
+            <a:avLst/>
+          </a:prstGeom>
+          <a:effectLst/>
+        </p:spPr>
+        <p:style>
+          <a:lnRef idx="1">
+            <a:schemeClr val="accent1"/>
+          </a:lnRef>
+          <a:fillRef idx="3">
+            <a:schemeClr val="accent1"/>
+          </a:fillRef>
+          <a:effectRef idx="2">
+            <a:schemeClr val="accent1"/>
+          </a:effectRef>
+          <a:fontRef idx="minor">
+            <a:schemeClr val="lt1"/>
+          </a:fontRef>
+        </p:style>
+        <p:txBody>
+          <a:bodyPr rtlCol="0" anchor="ctr"/>
+          <a:lstStyle/>
+          <a:p>
+            <a:pPr algn="ctr"/>
+            <a:r>
+              <a:rPr lang="en-US" sz="1400" dirty="0" smtClean="0">
+                <a:solidFill>
+                  <a:schemeClr val="accent6">
+                    <a:lumMod val="40000"/>
+                    <a:lumOff val="60000"/>
+                  </a:schemeClr>
+                </a:solidFill>
+              </a:rPr>
+              <a:t>ECE 278</a:t>
+            </a:r>
+          </a:p>
+          <a:p>
+            <a:pPr algn="ctr"/>
+            <a:r>
+              <a:rPr lang="en-US" sz="1400" dirty="0" smtClean="0">
+                <a:solidFill>
+                  <a:schemeClr val="accent6">
+                    <a:lumMod val="40000"/>
+                    <a:lumOff val="60000"/>
+                  </a:schemeClr>
+                </a:solidFill>
+              </a:rPr>
+              <a:t>Winter 2015</a:t>
+            </a:r>
+          </a:p>
+        </p:txBody>
+      </p:sp>
+      <p:sp>
+        <p:nvSpPr>
+          <p:cNvPr id="6" name="Rectangle 5"/>
+          <p:cNvSpPr/>
+          <p:nvPr/>
+        </p:nvSpPr>
+        <p:spPr>
+          <a:xfrm>
+            <a:off x="2514600" y="6400800"/>
+            <a:ext cx="3352800" cy="457200"/>
+          </a:xfrm>
+          <a:prstGeom prst="rect">
+            <a:avLst/>
+          </a:prstGeom>
+          <a:ln>
+            <a:solidFill>
+              <a:schemeClr val="accent1"/>
+            </a:solidFill>
+          </a:ln>
+          <a:effectLst/>
+        </p:spPr>
+        <p:style>
+          <a:lnRef idx="1">
+            <a:schemeClr val="accent1"/>
+          </a:lnRef>
+          <a:fillRef idx="3">
+            <a:schemeClr val="accent1"/>
+          </a:fillRef>
+          <a:effectRef idx="2">
+            <a:schemeClr val="accent1"/>
+          </a:effectRef>
+          <a:fontRef idx="minor">
+            <a:schemeClr val="lt1"/>
+          </a:fontRef>
+        </p:style>
+        <p:txBody>
+          <a:bodyPr rtlCol="0" anchor="ctr"/>
+          <a:lstStyle/>
+          <a:p>
+            <a:pPr algn="ctr"/>
+            <a:r>
+              <a:rPr lang="en-US" sz="1400" dirty="0" smtClean="0">
+                <a:solidFill>
+                  <a:schemeClr val="accent6">
+                    <a:lumMod val="40000"/>
+                    <a:lumOff val="60000"/>
+                  </a:schemeClr>
+                </a:solidFill>
+              </a:rPr>
+              <a:t>Graph-Based Segmentation</a:t>
+            </a:r>
+            <a:endParaRPr lang="en-US" sz="1400" dirty="0">
+              <a:solidFill>
+                <a:schemeClr val="accent6">
+                  <a:lumMod val="40000"/>
+                  <a:lumOff val="60000"/>
+                </a:schemeClr>
+              </a:solidFill>
+            </a:endParaRPr>
+          </a:p>
+        </p:txBody>
+      </p:sp>
+      <p:sp>
+        <p:nvSpPr>
+          <p:cNvPr id="7" name="Right Triangle 6"/>
+          <p:cNvSpPr/>
+          <p:nvPr/>
+        </p:nvSpPr>
+        <p:spPr>
+          <a:xfrm>
+            <a:off x="5867400" y="6400800"/>
+            <a:ext cx="609600" cy="457200"/>
+          </a:xfrm>
+          <a:prstGeom prst="rtTriangle">
+            <a:avLst/>
+          </a:prstGeom>
+          <a:ln>
+            <a:solidFill>
+              <a:schemeClr val="accent1"/>
+            </a:solidFill>
+          </a:ln>
+          <a:effectLst/>
+        </p:spPr>
+        <p:style>
+          <a:lnRef idx="1">
+            <a:schemeClr val="accent1"/>
+          </a:lnRef>
+          <a:fillRef idx="3">
+            <a:schemeClr val="accent1"/>
+          </a:fillRef>
+          <a:effectRef idx="2">
+            <a:schemeClr val="accent1"/>
+          </a:effectRef>
+          <a:fontRef idx="minor">
+            <a:schemeClr val="lt1"/>
+          </a:fontRef>
+        </p:style>
+        <p:txBody>
+          <a:bodyPr rtlCol="0" anchor="ctr"/>
+          <a:lstStyle/>
+          <a:p>
+            <a:pPr algn="ctr"/>
+            <a:endParaRPr lang="en-US"/>
+          </a:p>
+        </p:txBody>
+      </p:sp>
+    </p:spTree>
+    <p:extLst>
+      <p:ext uri="{BB962C8B-B14F-4D97-AF65-F5344CB8AC3E}">
+        <p14:creationId xmlns:p14="http://schemas.microsoft.com/office/powerpoint/2010/main" xmlns="" val="302842593"/>
+      </p:ext>
+    </p:extLst>
+  </p:cSld>
+  <p:clrMapOvr>
+    <a:masterClrMapping/>
+  </p:clrMapOvr>
+</p:sld>
+</file>
+
+<file path=ppt/slides/slide12.xml><?xml version="1.0" encoding="utf-8"?>
+<p:sld xmlns:a="http://schemas.openxmlformats.org/drawingml/2006/main" xmlns:r="http://schemas.openxmlformats.org/officeDocument/2006/relationships" xmlns:p="http://schemas.openxmlformats.org/presentationml/2006/main">
+  <p:cSld>
+    <p:spTree>
+      <p:nvGrpSpPr>
+        <p:cNvPr id="1" name=""/>
+        <p:cNvGrpSpPr/>
+        <p:nvPr/>
+      </p:nvGrpSpPr>
+      <p:grpSpPr>
+        <a:xfrm>
+          <a:off x="0" y="0"/>
+          <a:ext cx="0" cy="0"/>
+          <a:chOff x="0" y="0"/>
+          <a:chExt cx="0" cy="0"/>
+        </a:xfrm>
+      </p:grpSpPr>
+      <p:sp>
+        <p:nvSpPr>
+          <p:cNvPr id="2" name="Title 1"/>
+          <p:cNvSpPr>
+            <a:spLocks noGrp="1"/>
+          </p:cNvSpPr>
+          <p:nvPr>
+            <p:ph type="title"/>
+          </p:nvPr>
+        </p:nvSpPr>
+        <p:spPr/>
+        <p:txBody>
+          <a:bodyPr/>
+          <a:lstStyle/>
+          <a:p>
+            <a:r>
+              <a:rPr lang="en-US" dirty="0" smtClean="0"/>
               <a:t>Performance</a:t>
             </a:r>
             <a:endParaRPr lang="en-US" dirty="0"/>
@@ -4215,7 +5058,7 @@
             <p:ph idx="1"/>
             <p:extLst>
               <p:ext uri="{D42A27DB-BD31-4B8C-83A1-F6EECF244321}">
-                <p14:modId xmlns:p14="http://schemas.microsoft.com/office/powerpoint/2010/main" val="3474376239"/>
+                <p14:modId xmlns:p14="http://schemas.microsoft.com/office/powerpoint/2010/main" xmlns="" val="3474376239"/>
               </p:ext>
             </p:extLst>
           </p:nvPr>
@@ -4413,7 +5256,7 @@
             <a:fld id="{F38DF745-7D3F-47F4-83A3-874385CFAA69}" type="slidenum">
               <a:rPr lang="en-US" smtClean="0"/>
               <a:pPr/>
-              <a:t>10</a:t>
+              <a:t>12</a:t>
             </a:fld>
             <a:endParaRPr lang="en-US"/>
           </a:p>
@@ -4629,7 +5472,7 @@
     </p:spTree>
     <p:extLst>
       <p:ext uri="{BB962C8B-B14F-4D97-AF65-F5344CB8AC3E}">
-        <p14:creationId xmlns:p14="http://schemas.microsoft.com/office/powerpoint/2010/main" val="2206376881"/>
+        <p14:creationId xmlns:p14="http://schemas.microsoft.com/office/powerpoint/2010/main" xmlns="" val="2206376881"/>
       </p:ext>
     </p:extLst>
   </p:cSld>
@@ -4639,7 +5482,7 @@
 </p:sld>
 </file>
 
-<file path=ppt/slides/slide11.xml><?xml version="1.0" encoding="utf-8"?>
+<file path=ppt/slides/slide13.xml><?xml version="1.0" encoding="utf-8"?>
 <p:sld xmlns:a="http://schemas.openxmlformats.org/drawingml/2006/main" xmlns:r="http://schemas.openxmlformats.org/officeDocument/2006/relationships" xmlns:p="http://schemas.openxmlformats.org/presentationml/2006/main">
   <p:cSld>
     <p:spTree>
@@ -4697,7 +5540,7 @@
             <a:fld id="{F38DF745-7D3F-47F4-83A3-874385CFAA69}" type="slidenum">
               <a:rPr lang="en-US" smtClean="0"/>
               <a:pPr/>
-              <a:t>11</a:t>
+              <a:t>13</a:t>
             </a:fld>
             <a:endParaRPr lang="en-US"/>
           </a:p>
@@ -5077,7 +5920,7 @@
     </p:spTree>
     <p:extLst>
       <p:ext uri="{BB962C8B-B14F-4D97-AF65-F5344CB8AC3E}">
-        <p14:creationId xmlns:p14="http://schemas.microsoft.com/office/powerpoint/2010/main" val="1385000211"/>
+        <p14:creationId xmlns:p14="http://schemas.microsoft.com/office/powerpoint/2010/main" xmlns="" val="1385000211"/>
       </p:ext>
     </p:extLst>
   </p:cSld>
@@ -5087,7 +5930,7 @@
   <p:timing>
     <p:tnLst>
       <p:par>
-        <p:cTn xmlns:p14="http://schemas.microsoft.com/office/powerpoint/2010/main" id="1" dur="indefinite" restart="never" nodeType="tmRoot"/>
+        <p:cTn id="1" dur="indefinite" restart="never" nodeType="tmRoot"/>
       </p:par>
     </p:tnLst>
   </p:timing>
@@ -5203,9 +6046,18 @@
               <a:buChar char="l"/>
             </a:pPr>
             <a:r>
-              <a:rPr lang="en-US" altLang="zh-CN" dirty="0" smtClean="0"/>
-              <a:t>Java Implementation (Android)</a:t>
-            </a:r>
+              <a:rPr lang="en-US" altLang="zh-CN" smtClean="0"/>
+              <a:t>Android</a:t>
+            </a:r>
+            <a:r>
+              <a:rPr lang="en-US" altLang="zh-CN" smtClean="0"/>
+              <a:t> </a:t>
+            </a:r>
+            <a:r>
+              <a:rPr lang="en-US" altLang="zh-CN" smtClean="0"/>
+              <a:t>Implementation</a:t>
+            </a:r>
+            <a:endParaRPr lang="en-US" altLang="zh-CN" dirty="0" smtClean="0"/>
           </a:p>
           <a:p>
             <a:pPr lvl="2">
@@ -5214,7 +6066,31 @@
             </a:pPr>
             <a:r>
               <a:rPr lang="en-US" altLang="zh-CN" dirty="0" smtClean="0"/>
-              <a:t>C/C++ Implementation</a:t>
+              <a:t>C/C++ </a:t>
+            </a:r>
+            <a:r>
+              <a:rPr lang="en-US" altLang="zh-CN" dirty="0" smtClean="0"/>
+              <a:t>Implementation</a:t>
+            </a:r>
+          </a:p>
+          <a:p>
+            <a:pPr lvl="3">
+              <a:buFont typeface="Wingdings" pitchFamily="2" charset="2"/>
+              <a:buChar char="l"/>
+            </a:pPr>
+            <a:r>
+              <a:rPr lang="en-US" altLang="zh-CN" dirty="0" smtClean="0"/>
+              <a:t>Best segmentation (Multi-Dim. Graph Construction)</a:t>
+            </a:r>
+          </a:p>
+          <a:p>
+            <a:pPr lvl="3">
+              <a:buFont typeface="Wingdings" pitchFamily="2" charset="2"/>
+              <a:buChar char="l"/>
+            </a:pPr>
+            <a:r>
+              <a:rPr lang="en-US" altLang="zh-CN" dirty="0" smtClean="0"/>
+              <a:t>Fastest segmentation (Performance Optimization)</a:t>
             </a:r>
           </a:p>
           <a:p>
@@ -5785,7 +6661,11 @@
           <a:p>
             <a:r>
               <a:rPr lang="en-US" dirty="0" smtClean="0"/>
-              <a:t>C/C++</a:t>
+              <a:t>Core</a:t>
+            </a:r>
+            <a:r>
+              <a:rPr lang="en-US" dirty="0" smtClean="0"/>
+              <a:t/>
             </a:r>
             <a:br>
               <a:rPr lang="en-US" dirty="0" smtClean="0"/>
@@ -5815,7 +6695,30 @@
           <a:p>
             <a:r>
               <a:rPr lang="en-US" dirty="0" smtClean="0"/>
-              <a:t>Our method imposes a minimum component size right at the beginning, unlike their method which imposes it as post processing. Essentially, we merge more than they do, the segmentation is less noisy and looks better.</a:t>
+              <a:t>Core segmentation code written in C++.</a:t>
+            </a:r>
+          </a:p>
+          <a:p>
+            <a:endParaRPr lang="en-US" dirty="0" smtClean="0"/>
+          </a:p>
+          <a:p>
+            <a:r>
+              <a:rPr lang="en-US" dirty="0" smtClean="0"/>
+              <a:t>Aimed for best performance in both speed and segmentation result.</a:t>
+            </a:r>
+            <a:endParaRPr lang="en-US" dirty="0" smtClean="0"/>
+          </a:p>
+          <a:p>
+            <a:endParaRPr lang="en-US" dirty="0" smtClean="0"/>
+          </a:p>
+          <a:p>
+            <a:r>
+              <a:rPr lang="en-US" dirty="0" smtClean="0"/>
+              <a:t>Our </a:t>
+            </a:r>
+            <a:r>
+              <a:rPr lang="en-US" dirty="0" smtClean="0"/>
+              <a:t>method imposes a minimum component size right at the beginning, unlike their method which imposes it as post processing. Essentially, we merge more than they do, the segmentation is less noisy and looks better.</a:t>
             </a:r>
             <a:endParaRPr lang="en-US" dirty="0"/>
           </a:p>
@@ -6017,7 +6920,7 @@
     </p:spTree>
     <p:extLst>
       <p:ext uri="{BB962C8B-B14F-4D97-AF65-F5344CB8AC3E}">
-        <p14:creationId xmlns:p14="http://schemas.microsoft.com/office/powerpoint/2010/main" val="831815628"/>
+        <p14:creationId xmlns:p14="http://schemas.microsoft.com/office/powerpoint/2010/main" xmlns="" val="831815628"/>
       </p:ext>
     </p:extLst>
   </p:cSld>
@@ -6285,7 +7188,7 @@
           <a:blip r:embed="rId2" cstate="print">
             <a:extLst>
               <a:ext uri="{28A0092B-C50C-407E-A947-70E740481C1C}">
-                <a14:useLocalDpi xmlns:a14="http://schemas.microsoft.com/office/drawing/2010/main" val="0"/>
+                <a14:useLocalDpi xmlns:a14="http://schemas.microsoft.com/office/drawing/2010/main" xmlns="" val="0"/>
               </a:ext>
             </a:extLst>
           </a:blip>
@@ -6313,7 +7216,7 @@
           <a:blip r:embed="rId3" cstate="print">
             <a:extLst>
               <a:ext uri="{28A0092B-C50C-407E-A947-70E740481C1C}">
-                <a14:useLocalDpi xmlns:a14="http://schemas.microsoft.com/office/drawing/2010/main" val="0"/>
+                <a14:useLocalDpi xmlns:a14="http://schemas.microsoft.com/office/drawing/2010/main" xmlns="" val="0"/>
               </a:ext>
             </a:extLst>
           </a:blip>
@@ -6343,7 +7246,7 @@
           <a:blip r:embed="rId4" cstate="print">
             <a:extLst>
               <a:ext uri="{28A0092B-C50C-407E-A947-70E740481C1C}">
-                <a14:useLocalDpi xmlns:a14="http://schemas.microsoft.com/office/drawing/2010/main" val="0"/>
+                <a14:useLocalDpi xmlns:a14="http://schemas.microsoft.com/office/drawing/2010/main" xmlns="" val="0"/>
               </a:ext>
             </a:extLst>
           </a:blip>
@@ -6451,7 +7354,7 @@
     </p:spTree>
     <p:extLst>
       <p:ext uri="{BB962C8B-B14F-4D97-AF65-F5344CB8AC3E}">
-        <p14:creationId xmlns:p14="http://schemas.microsoft.com/office/powerpoint/2010/main" val="4159708136"/>
+        <p14:creationId xmlns:p14="http://schemas.microsoft.com/office/powerpoint/2010/main" xmlns="" val="4159708136"/>
       </p:ext>
     </p:extLst>
   </p:cSld>
@@ -6518,7 +7421,23 @@
           <a:p>
             <a:r>
               <a:rPr lang="en-US" dirty="0" smtClean="0"/>
-              <a:t>Hardware limitations, especially regarding memory require us to down sample the original input image.</a:t>
+              <a:t>Hardware </a:t>
+            </a:r>
+            <a:r>
+              <a:rPr lang="en-US" dirty="0" smtClean="0"/>
+              <a:t>limitations, especially </a:t>
+            </a:r>
+            <a:r>
+              <a:rPr lang="en-US" dirty="0" smtClean="0"/>
+              <a:t>regarding memory </a:t>
+            </a:r>
+            <a:r>
+              <a:rPr lang="en-US" dirty="0" smtClean="0"/>
+              <a:t>management, which require </a:t>
+            </a:r>
+            <a:r>
+              <a:rPr lang="en-US" dirty="0" smtClean="0"/>
+              <a:t>us to down sample the original input image.</a:t>
             </a:r>
           </a:p>
           <a:p>
@@ -6536,7 +7455,11 @@
           <a:p>
             <a:r>
               <a:rPr lang="en-US" dirty="0" smtClean="0"/>
-              <a:t>Need about 5 seconds to segment the image on an average $100 phone.</a:t>
+              <a:t>Takes about </a:t>
+            </a:r>
+            <a:r>
+              <a:rPr lang="en-US" dirty="0" smtClean="0"/>
+              <a:t>5 seconds to segment the image on an average $100 phone.</a:t>
             </a:r>
           </a:p>
         </p:txBody>
@@ -6737,7 +7660,7 @@
     </p:spTree>
     <p:extLst>
       <p:ext uri="{BB962C8B-B14F-4D97-AF65-F5344CB8AC3E}">
-        <p14:creationId xmlns:p14="http://schemas.microsoft.com/office/powerpoint/2010/main" val="1114271120"/>
+        <p14:creationId xmlns:p14="http://schemas.microsoft.com/office/powerpoint/2010/main" xmlns="" val="1114271120"/>
       </p:ext>
     </p:extLst>
   </p:cSld>
@@ -6766,7 +7689,7 @@
       </p:grpSpPr>
       <p:sp>
         <p:nvSpPr>
-          <p:cNvPr id="2" name="Title 1"/>
+          <p:cNvPr id="2" name="标题 1"/>
           <p:cNvSpPr>
             <a:spLocks noGrp="1"/>
           </p:cNvSpPr>
@@ -6776,20 +7699,102 @@
         </p:nvSpPr>
         <p:spPr/>
         <p:txBody>
+          <a:bodyPr>
+            <a:normAutofit fontScale="90000"/>
+          </a:bodyPr>
+          <a:lstStyle/>
+          <a:p>
+            <a:r>
+              <a:rPr lang="en-US" altLang="zh-CN" dirty="0" smtClean="0"/>
+              <a:t>Multidimensional graph </a:t>
+            </a:r>
+            <a:r>
+              <a:rPr lang="en-US" altLang="zh-CN" dirty="0" smtClean="0"/>
+              <a:t>construct</a:t>
+            </a:r>
+            <a:br>
+              <a:rPr lang="en-US" altLang="zh-CN" dirty="0" smtClean="0"/>
+            </a:br>
+            <a:r>
+              <a:rPr lang="en-US" altLang="zh-CN" dirty="0" smtClean="0"/>
+              <a:t>In c/</a:t>
+            </a:r>
+            <a:r>
+              <a:rPr lang="en-US" altLang="zh-CN" dirty="0" err="1" smtClean="0"/>
+              <a:t>c++</a:t>
+            </a:r>
+            <a:endParaRPr lang="zh-CN" altLang="en-US" dirty="0"/>
+          </a:p>
+        </p:txBody>
+      </p:sp>
+      <p:sp>
+        <p:nvSpPr>
+          <p:cNvPr id="3" name="内容占位符 2"/>
+          <p:cNvSpPr>
+            <a:spLocks noGrp="1"/>
+          </p:cNvSpPr>
+          <p:nvPr>
+            <p:ph idx="1"/>
+          </p:nvPr>
+        </p:nvSpPr>
+        <p:spPr/>
+        <p:txBody>
           <a:bodyPr/>
           <a:lstStyle/>
           <a:p>
             <a:r>
-              <a:rPr lang="en-US" dirty="0" smtClean="0"/>
-              <a:t>Multidimensional graph construct</a:t>
-            </a:r>
-            <a:endParaRPr lang="en-US" dirty="0"/>
-          </a:p>
-        </p:txBody>
-      </p:sp>
-      <p:sp>
-        <p:nvSpPr>
-          <p:cNvPr id="4" name="Slide Number Placeholder 3"/>
+              <a:rPr lang="en-US" altLang="zh-CN" dirty="0" smtClean="0"/>
+              <a:t>Graph constructed in space:</a:t>
+            </a:r>
+          </a:p>
+          <a:p>
+            <a:r>
+              <a:rPr lang="en-US" altLang="zh-CN" dirty="0" smtClean="0"/>
+              <a:t>	</a:t>
+            </a:r>
+            <a:r>
+              <a:rPr lang="en-US" altLang="zh-CN" dirty="0" smtClean="0"/>
+              <a:t>X, Y, C1, C2, C3</a:t>
+            </a:r>
+          </a:p>
+          <a:p>
+            <a:endParaRPr lang="en-US" altLang="zh-CN" dirty="0" smtClean="0"/>
+          </a:p>
+          <a:p>
+            <a:r>
+              <a:rPr lang="en-US" altLang="zh-CN" dirty="0" smtClean="0"/>
+              <a:t>X, Y are pixel coordinates</a:t>
+            </a:r>
+          </a:p>
+          <a:p>
+            <a:r>
+              <a:rPr lang="en-US" altLang="zh-CN" dirty="0" smtClean="0"/>
+              <a:t>C1,C2, and C3 are components of different color space.</a:t>
+            </a:r>
+          </a:p>
+          <a:p>
+            <a:endParaRPr lang="en-US" altLang="zh-CN" dirty="0" smtClean="0"/>
+          </a:p>
+          <a:p>
+            <a:r>
+              <a:rPr lang="en-US" altLang="zh-CN" dirty="0" smtClean="0"/>
+              <a:t>We tried different color space (RGB, HSV, </a:t>
+            </a:r>
+            <a:r>
+              <a:rPr lang="en-US" altLang="zh-CN" dirty="0" err="1" smtClean="0"/>
+              <a:t>YCrCb</a:t>
+            </a:r>
+            <a:r>
+              <a:rPr lang="en-US" altLang="zh-CN" dirty="0" smtClean="0"/>
+              <a:t>, Lab) for best segmentation result.</a:t>
+            </a:r>
+            <a:endParaRPr lang="zh-CN" altLang="en-US" dirty="0"/>
+          </a:p>
+        </p:txBody>
+      </p:sp>
+      <p:sp>
+        <p:nvSpPr>
+          <p:cNvPr id="4" name="灯片编号占位符 3"/>
           <p:cNvSpPr>
             <a:spLocks noGrp="1"/>
           </p:cNvSpPr>
@@ -6813,7 +7818,7 @@
       </p:sp>
       <p:sp>
         <p:nvSpPr>
-          <p:cNvPr id="5" name="Rectangle 4"/>
+          <p:cNvPr id="5" name="Rectangle 7"/>
           <p:cNvSpPr/>
           <p:nvPr/>
         </p:nvSpPr>
@@ -6876,7 +7881,7 @@
       </p:sp>
       <p:sp>
         <p:nvSpPr>
-          <p:cNvPr id="6" name="Rectangle 5"/>
+          <p:cNvPr id="6" name="Rectangle 8"/>
           <p:cNvSpPr/>
           <p:nvPr/>
         </p:nvSpPr>
@@ -6938,7 +7943,7 @@
       </p:sp>
       <p:sp>
         <p:nvSpPr>
-          <p:cNvPr id="7" name="Right Triangle 6"/>
+          <p:cNvPr id="7" name="Right Triangle 9"/>
           <p:cNvSpPr/>
           <p:nvPr/>
         </p:nvSpPr>
@@ -6980,140 +7985,7 @@
           </a:p>
         </p:txBody>
       </p:sp>
-      <p:pic>
-        <p:nvPicPr>
-          <p:cNvPr id="12" name="Content Placeholder 11" descr="lena512AnnYCrCbSmoothMerge.png"/>
-          <p:cNvPicPr>
-            <a:picLocks noGrp="1" noChangeAspect="1"/>
-          </p:cNvPicPr>
-          <p:nvPr>
-            <p:ph idx="1"/>
-          </p:nvPr>
-        </p:nvPicPr>
-        <p:blipFill>
-          <a:blip r:embed="rId2" cstate="print">
-            <a:extLst>
-              <a:ext uri="{28A0092B-C50C-407E-A947-70E740481C1C}">
-                <a14:useLocalDpi xmlns:a14="http://schemas.microsoft.com/office/drawing/2010/main" val="0"/>
-              </a:ext>
-            </a:extLst>
-          </a:blip>
-          <a:srcRect l="-37114" r="-37114"/>
-          <a:stretch>
-            <a:fillRect/>
-          </a:stretch>
-        </p:blipFill>
-        <p:spPr>
-          <a:xfrm>
-            <a:off x="2895600" y="1752600"/>
-            <a:ext cx="7315200" cy="4198620"/>
-          </a:xfrm>
-        </p:spPr>
-      </p:pic>
-      <p:pic>
-        <p:nvPicPr>
-          <p:cNvPr id="13" name="Picture 12" descr="lena.tiff"/>
-          <p:cNvPicPr>
-            <a:picLocks noChangeAspect="1"/>
-          </p:cNvPicPr>
-          <p:nvPr/>
-        </p:nvPicPr>
-        <p:blipFill>
-          <a:blip r:embed="rId3" cstate="print">
-            <a:extLst>
-              <a:ext uri="{28A0092B-C50C-407E-A947-70E740481C1C}">
-                <a14:useLocalDpi xmlns:a14="http://schemas.microsoft.com/office/drawing/2010/main" val="0"/>
-              </a:ext>
-            </a:extLst>
-          </a:blip>
-          <a:stretch>
-            <a:fillRect/>
-          </a:stretch>
-        </p:blipFill>
-        <p:spPr>
-          <a:xfrm>
-            <a:off x="30927" y="1752600"/>
-            <a:ext cx="4191000" cy="4191000"/>
-          </a:xfrm>
-          <a:prstGeom prst="rect">
-            <a:avLst/>
-          </a:prstGeom>
-        </p:spPr>
-      </p:pic>
-      <p:sp>
-        <p:nvSpPr>
-          <p:cNvPr id="14" name="TextBox 13"/>
-          <p:cNvSpPr txBox="1"/>
-          <p:nvPr/>
-        </p:nvSpPr>
-        <p:spPr>
-          <a:xfrm>
-            <a:off x="0" y="5867400"/>
-            <a:ext cx="1557713" cy="369332"/>
-          </a:xfrm>
-          <a:prstGeom prst="rect">
-            <a:avLst/>
-          </a:prstGeom>
-          <a:noFill/>
-        </p:spPr>
-        <p:txBody>
-          <a:bodyPr wrap="none" rtlCol="0">
-            <a:spAutoFit/>
-          </a:bodyPr>
-          <a:lstStyle/>
-          <a:p>
-            <a:r>
-              <a:rPr lang="en-US" dirty="0" smtClean="0"/>
-              <a:t>Original Lena</a:t>
-            </a:r>
-            <a:endParaRPr lang="en-US" dirty="0"/>
-          </a:p>
-        </p:txBody>
-      </p:sp>
-      <p:sp>
-        <p:nvSpPr>
-          <p:cNvPr id="15" name="TextBox 14"/>
-          <p:cNvSpPr txBox="1"/>
-          <p:nvPr/>
-        </p:nvSpPr>
-        <p:spPr>
-          <a:xfrm>
-            <a:off x="4419600" y="5867400"/>
-            <a:ext cx="2562758" cy="369332"/>
-          </a:xfrm>
-          <a:prstGeom prst="rect">
-            <a:avLst/>
-          </a:prstGeom>
-          <a:noFill/>
-        </p:spPr>
-        <p:txBody>
-          <a:bodyPr wrap="none" rtlCol="0">
-            <a:spAutoFit/>
-          </a:bodyPr>
-          <a:lstStyle/>
-          <a:p>
-            <a:r>
-              <a:rPr lang="en-US" dirty="0" err="1"/>
-              <a:t>x</a:t>
-            </a:r>
-            <a:r>
-              <a:rPr lang="en-US" dirty="0" err="1" smtClean="0"/>
-              <a:t>,y,Y,Cr,Cb</a:t>
-            </a:r>
-            <a:r>
-              <a:rPr lang="en-US" dirty="0" smtClean="0"/>
-              <a:t> space Lena</a:t>
-            </a:r>
-            <a:endParaRPr lang="en-US" dirty="0"/>
-          </a:p>
-        </p:txBody>
-      </p:sp>
     </p:spTree>
-    <p:extLst>
-      <p:ext uri="{BB962C8B-B14F-4D97-AF65-F5344CB8AC3E}">
-        <p14:creationId xmlns:p14="http://schemas.microsoft.com/office/powerpoint/2010/main" val="554404530"/>
-      </p:ext>
-    </p:extLst>
   </p:cSld>
   <p:clrMapOvr>
     <a:masterClrMapping/>
@@ -7154,9 +8026,10 @@
           <a:lstStyle/>
           <a:p>
             <a:r>
-              <a:rPr lang="en-US" dirty="0"/>
+              <a:rPr lang="en-US" dirty="0" smtClean="0"/>
               <a:t>Multidimensional graph construct</a:t>
             </a:r>
+            <a:endParaRPr lang="en-US" dirty="0"/>
           </a:p>
         </p:txBody>
       </p:sp>
@@ -7353,73 +8226,39 @@
           </a:p>
         </p:txBody>
       </p:sp>
-      <p:sp>
-        <p:nvSpPr>
-          <p:cNvPr id="9" name="TextBox 8"/>
-          <p:cNvSpPr txBox="1"/>
-          <p:nvPr/>
-        </p:nvSpPr>
-        <p:spPr>
-          <a:xfrm>
-            <a:off x="0" y="5867400"/>
-            <a:ext cx="2387267" cy="369332"/>
-          </a:xfrm>
-          <a:prstGeom prst="rect">
-            <a:avLst/>
-          </a:prstGeom>
-          <a:noFill/>
-        </p:spPr>
-        <p:txBody>
-          <a:bodyPr wrap="none" rtlCol="0">
-            <a:spAutoFit/>
-          </a:bodyPr>
-          <a:lstStyle/>
-          <a:p>
-            <a:r>
-              <a:rPr lang="en-US" dirty="0" err="1" smtClean="0"/>
-              <a:t>x,y,H,S,V</a:t>
-            </a:r>
-            <a:r>
-              <a:rPr lang="en-US" dirty="0" smtClean="0"/>
-              <a:t> space Lena</a:t>
-            </a:r>
-            <a:endParaRPr lang="en-US" dirty="0"/>
-          </a:p>
-        </p:txBody>
-      </p:sp>
       <p:pic>
         <p:nvPicPr>
-          <p:cNvPr id="10" name="Picture 9" descr="lena512AnnHSVSmoothMerge.png"/>
+          <p:cNvPr id="12" name="Content Placeholder 11" descr="lena512AnnYCrCbSmoothMerge.png"/>
           <p:cNvPicPr>
-            <a:picLocks noChangeAspect="1"/>
+            <a:picLocks noGrp="1" noChangeAspect="1"/>
           </p:cNvPicPr>
-          <p:nvPr/>
+          <p:nvPr>
+            <p:ph idx="1"/>
+          </p:nvPr>
         </p:nvPicPr>
         <p:blipFill>
           <a:blip r:embed="rId2" cstate="print">
             <a:extLst>
               <a:ext uri="{28A0092B-C50C-407E-A947-70E740481C1C}">
-                <a14:useLocalDpi xmlns:a14="http://schemas.microsoft.com/office/drawing/2010/main" val="0"/>
+                <a14:useLocalDpi xmlns:a14="http://schemas.microsoft.com/office/drawing/2010/main" xmlns="" val="0"/>
               </a:ext>
             </a:extLst>
           </a:blip>
+          <a:srcRect l="-817" r="-816"/>
           <a:stretch>
             <a:fillRect/>
           </a:stretch>
         </p:blipFill>
         <p:spPr>
           <a:xfrm>
-            <a:off x="29810" y="1600200"/>
-            <a:ext cx="4241800" cy="4241800"/>
-          </a:xfrm>
-          <a:prstGeom prst="rect">
-            <a:avLst/>
-          </a:prstGeom>
+            <a:off x="4191000" y="1600200"/>
+            <a:ext cx="2245894" cy="2209800"/>
+          </a:xfrm>
         </p:spPr>
       </p:pic>
       <p:pic>
         <p:nvPicPr>
-          <p:cNvPr id="11" name="Picture 10" descr="lena512AnnLabSmoothMerge.png"/>
+          <p:cNvPr id="13" name="Picture 12" descr="lena.tiff"/>
           <p:cNvPicPr>
             <a:picLocks noChangeAspect="1"/>
           </p:cNvPicPr>
@@ -7429,7 +8268,7 @@
           <a:blip r:embed="rId3" cstate="print">
             <a:extLst>
               <a:ext uri="{28A0092B-C50C-407E-A947-70E740481C1C}">
-                <a14:useLocalDpi xmlns:a14="http://schemas.microsoft.com/office/drawing/2010/main" val="0"/>
+                <a14:useLocalDpi xmlns:a14="http://schemas.microsoft.com/office/drawing/2010/main" xmlns="" val="0"/>
               </a:ext>
             </a:extLst>
           </a:blip>
@@ -7439,8 +8278,8 @@
         </p:blipFill>
         <p:spPr>
           <a:xfrm>
-            <a:off x="4419600" y="1600200"/>
-            <a:ext cx="4241800" cy="4241800"/>
+            <a:off x="228600" y="1524000"/>
+            <a:ext cx="2286000" cy="2286000"/>
           </a:xfrm>
           <a:prstGeom prst="rect">
             <a:avLst/>
@@ -7449,14 +8288,14 @@
       </p:pic>
       <p:sp>
         <p:nvSpPr>
-          <p:cNvPr id="12" name="TextBox 11"/>
+          <p:cNvPr id="14" name="TextBox 13"/>
           <p:cNvSpPr txBox="1"/>
           <p:nvPr/>
         </p:nvSpPr>
         <p:spPr>
           <a:xfrm>
-            <a:off x="4419600" y="5791200"/>
-            <a:ext cx="2348945" cy="369332"/>
+            <a:off x="2590800" y="3352800"/>
+            <a:ext cx="1557713" cy="369332"/>
           </a:xfrm>
           <a:prstGeom prst="rect">
             <a:avLst/>
@@ -7470,6 +8309,172 @@
           <a:lstStyle/>
           <a:p>
             <a:r>
+              <a:rPr lang="en-US" dirty="0" smtClean="0"/>
+              <a:t>Original Lena</a:t>
+            </a:r>
+            <a:endParaRPr lang="en-US" dirty="0"/>
+          </a:p>
+        </p:txBody>
+      </p:sp>
+      <p:sp>
+        <p:nvSpPr>
+          <p:cNvPr id="15" name="TextBox 14"/>
+          <p:cNvSpPr txBox="1"/>
+          <p:nvPr/>
+        </p:nvSpPr>
+        <p:spPr>
+          <a:xfrm>
+            <a:off x="6477000" y="3429000"/>
+            <a:ext cx="2048638" cy="369332"/>
+          </a:xfrm>
+          <a:prstGeom prst="rect">
+            <a:avLst/>
+          </a:prstGeom>
+          <a:noFill/>
+        </p:spPr>
+        <p:txBody>
+          <a:bodyPr wrap="none" rtlCol="0">
+            <a:spAutoFit/>
+          </a:bodyPr>
+          <a:lstStyle/>
+          <a:p>
+            <a:r>
+              <a:rPr lang="en-US" dirty="0" err="1"/>
+              <a:t>x</a:t>
+            </a:r>
+            <a:r>
+              <a:rPr lang="en-US" dirty="0" err="1" smtClean="0"/>
+              <a:t>,y,Y,Cr,Cb</a:t>
+            </a:r>
+            <a:r>
+              <a:rPr lang="en-US" dirty="0" smtClean="0"/>
+              <a:t> </a:t>
+            </a:r>
+            <a:r>
+              <a:rPr lang="en-US" dirty="0" smtClean="0"/>
+              <a:t>space</a:t>
+            </a:r>
+            <a:endParaRPr lang="en-US" dirty="0"/>
+          </a:p>
+        </p:txBody>
+      </p:sp>
+      <p:pic>
+        <p:nvPicPr>
+          <p:cNvPr id="11" name="Picture 9" descr="lena512AnnHSVSmoothMerge.png"/>
+          <p:cNvPicPr>
+            <a:picLocks noChangeAspect="1"/>
+          </p:cNvPicPr>
+          <p:nvPr/>
+        </p:nvPicPr>
+        <p:blipFill>
+          <a:blip r:embed="rId4" cstate="print">
+            <a:extLst>
+              <a:ext uri="{28A0092B-C50C-407E-A947-70E740481C1C}">
+                <a14:useLocalDpi xmlns:a14="http://schemas.microsoft.com/office/drawing/2010/main" xmlns="" val="0"/>
+              </a:ext>
+            </a:extLst>
+          </a:blip>
+          <a:stretch>
+            <a:fillRect/>
+          </a:stretch>
+        </p:blipFill>
+        <p:spPr>
+          <a:xfrm>
+            <a:off x="838200" y="4038600"/>
+            <a:ext cx="2184400" cy="2184400"/>
+          </a:xfrm>
+          <a:prstGeom prst="rect">
+            <a:avLst/>
+          </a:prstGeom>
+        </p:spPr>
+      </p:pic>
+      <p:pic>
+        <p:nvPicPr>
+          <p:cNvPr id="16" name="Picture 10" descr="lena512AnnLabSmoothMerge.png"/>
+          <p:cNvPicPr>
+            <a:picLocks noChangeAspect="1"/>
+          </p:cNvPicPr>
+          <p:nvPr/>
+        </p:nvPicPr>
+        <p:blipFill>
+          <a:blip r:embed="rId5" cstate="print">
+            <a:extLst>
+              <a:ext uri="{28A0092B-C50C-407E-A947-70E740481C1C}">
+                <a14:useLocalDpi xmlns:a14="http://schemas.microsoft.com/office/drawing/2010/main" xmlns="" val="0"/>
+              </a:ext>
+            </a:extLst>
+          </a:blip>
+          <a:stretch>
+            <a:fillRect/>
+          </a:stretch>
+        </p:blipFill>
+        <p:spPr>
+          <a:xfrm>
+            <a:off x="4978400" y="4064000"/>
+            <a:ext cx="2184400" cy="2184400"/>
+          </a:xfrm>
+          <a:prstGeom prst="rect">
+            <a:avLst/>
+          </a:prstGeom>
+        </p:spPr>
+      </p:pic>
+      <p:sp>
+        <p:nvSpPr>
+          <p:cNvPr id="17" name="TextBox 16"/>
+          <p:cNvSpPr txBox="1"/>
+          <p:nvPr/>
+        </p:nvSpPr>
+        <p:spPr>
+          <a:xfrm>
+            <a:off x="2971800" y="5879068"/>
+            <a:ext cx="1809021" cy="369332"/>
+          </a:xfrm>
+          <a:prstGeom prst="rect">
+            <a:avLst/>
+          </a:prstGeom>
+          <a:noFill/>
+        </p:spPr>
+        <p:txBody>
+          <a:bodyPr wrap="none" rtlCol="0">
+            <a:spAutoFit/>
+          </a:bodyPr>
+          <a:lstStyle/>
+          <a:p>
+            <a:r>
+              <a:rPr lang="en-US" dirty="0" err="1" smtClean="0"/>
+              <a:t>x,y,H,S,V</a:t>
+            </a:r>
+            <a:r>
+              <a:rPr lang="en-US" dirty="0" smtClean="0"/>
+              <a:t> space</a:t>
+            </a:r>
+            <a:endParaRPr lang="en-US" dirty="0"/>
+          </a:p>
+        </p:txBody>
+      </p:sp>
+      <p:sp>
+        <p:nvSpPr>
+          <p:cNvPr id="18" name="TextBox 17"/>
+          <p:cNvSpPr txBox="1"/>
+          <p:nvPr/>
+        </p:nvSpPr>
+        <p:spPr>
+          <a:xfrm>
+            <a:off x="7144851" y="5879068"/>
+            <a:ext cx="1770549" cy="369332"/>
+          </a:xfrm>
+          <a:prstGeom prst="rect">
+            <a:avLst/>
+          </a:prstGeom>
+          <a:noFill/>
+        </p:spPr>
+        <p:txBody>
+          <a:bodyPr wrap="none" rtlCol="0">
+            <a:spAutoFit/>
+          </a:bodyPr>
+          <a:lstStyle/>
+          <a:p>
+            <a:r>
               <a:rPr lang="en-US" dirty="0" err="1" smtClean="0"/>
               <a:t>x,y,L,</a:t>
             </a:r>
@@ -7487,7 +8492,11 @@
             </a:r>
             <a:r>
               <a:rPr lang="en-US" dirty="0" smtClean="0"/>
-              <a:t> space Lena</a:t>
+              <a:t> </a:t>
+            </a:r>
+            <a:r>
+              <a:rPr lang="en-US" dirty="0" smtClean="0"/>
+              <a:t>space</a:t>
             </a:r>
             <a:endParaRPr lang="en-US" dirty="0"/>
           </a:p>
@@ -7496,7 +8505,7 @@
     </p:spTree>
     <p:extLst>
       <p:ext uri="{BB962C8B-B14F-4D97-AF65-F5344CB8AC3E}">
-        <p14:creationId xmlns:p14="http://schemas.microsoft.com/office/powerpoint/2010/main" val="3078452440"/>
+        <p14:creationId xmlns:p14="http://schemas.microsoft.com/office/powerpoint/2010/main" xmlns="" val="554404530"/>
       </p:ext>
     </p:extLst>
   </p:cSld>
@@ -7562,46 +8571,37 @@
         </p:nvSpPr>
         <p:spPr/>
         <p:txBody>
-          <a:bodyPr/>
+          <a:bodyPr>
+            <a:normAutofit/>
+          </a:bodyPr>
           <a:lstStyle/>
           <a:p>
             <a:r>
               <a:rPr lang="en-US" dirty="0" smtClean="0"/>
-              <a:t>Distance between pixels is measured by L2 distance in 5-D space.</a:t>
-            </a:r>
-          </a:p>
-          <a:p>
-            <a:endParaRPr lang="en-US" dirty="0"/>
-          </a:p>
-          <a:p>
+              <a:t>Distance between pixels is measured by L2 distance in 5-D space</a:t>
+            </a:r>
             <a:r>
               <a:rPr lang="en-US" dirty="0" smtClean="0"/>
-              <a:t>Exact k-</a:t>
-            </a:r>
-            <a:r>
-              <a:rPr lang="en-US" dirty="0"/>
-              <a:t>n</a:t>
-            </a:r>
+              <a:t>. </a:t>
+            </a:r>
+            <a:endParaRPr lang="en-US" dirty="0" smtClean="0"/>
+          </a:p>
+          <a:p>
+            <a:endParaRPr lang="en-US" dirty="0" smtClean="0"/>
+          </a:p>
+          <a:p>
             <a:r>
               <a:rPr lang="en-US" dirty="0" smtClean="0"/>
-              <a:t>earest </a:t>
-            </a:r>
-            <a:r>
-              <a:rPr lang="en-US" dirty="0"/>
-              <a:t>n</a:t>
-            </a:r>
+              <a:t>However, component in the 5D feature doesn’t have the same range! X, Y is based on image size and C1,C2,C3 is different for different color space</a:t>
+            </a:r>
+          </a:p>
+          <a:p>
+            <a:endParaRPr lang="en-US" dirty="0" smtClean="0"/>
+          </a:p>
+          <a:p>
             <a:r>
               <a:rPr lang="en-US" dirty="0" smtClean="0"/>
-              <a:t>eighbor for every pixel runs too slowly (~30 minutes for 512x512 image).</a:t>
-            </a:r>
-          </a:p>
-          <a:p>
-            <a:endParaRPr lang="en-US" dirty="0"/>
-          </a:p>
-          <a:p>
-            <a:r>
-              <a:rPr lang="en-US" dirty="0" smtClean="0"/>
-              <a:t>Approximate k-nearest neighbor runs in 2 or 3 minutes for image of the same size.</a:t>
+              <a:t>Thus, normalization is needed for comparison’s sake.</a:t>
             </a:r>
           </a:p>
         </p:txBody>
@@ -7802,7 +8802,7 @@
     </p:spTree>
     <p:extLst>
       <p:ext uri="{BB962C8B-B14F-4D97-AF65-F5344CB8AC3E}">
-        <p14:creationId xmlns:p14="http://schemas.microsoft.com/office/powerpoint/2010/main" val="302842593"/>
+        <p14:creationId xmlns:p14="http://schemas.microsoft.com/office/powerpoint/2010/main" xmlns="" val="302842593"/>
       </p:ext>
     </p:extLst>
   </p:cSld>

--- a/8_report/presentation.pptx
+++ b/8_report/presentation.pptx
@@ -205,7 +205,7 @@
             <a:fld id="{A03E28E0-41BE-4005-8C72-09D666597848}" type="datetimeFigureOut">
               <a:rPr lang="en-US" smtClean="0"/>
               <a:pPr/>
-              <a:t>3/9/2015</a:t>
+              <a:t>3/9/15</a:t>
             </a:fld>
             <a:endParaRPr lang="en-US"/>
           </a:p>
@@ -374,7 +374,7 @@
     </p:spTree>
     <p:extLst>
       <p:ext uri="{BB962C8B-B14F-4D97-AF65-F5344CB8AC3E}">
-        <p14:creationId xmlns:p14="http://schemas.microsoft.com/office/powerpoint/2010/main" xmlns="" val="2771071978"/>
+        <p14:creationId xmlns:p14="http://schemas.microsoft.com/office/powerpoint/2010/main" val="2771071978"/>
       </p:ext>
     </p:extLst>
   </p:cSld>
@@ -549,7 +549,7 @@
     </p:spTree>
     <p:extLst>
       <p:ext uri="{BB962C8B-B14F-4D97-AF65-F5344CB8AC3E}">
-        <p14:creationId xmlns:p14="http://schemas.microsoft.com/office/powerpoint/2010/main" xmlns="" val="3228984243"/>
+        <p14:creationId xmlns:p14="http://schemas.microsoft.com/office/powerpoint/2010/main" val="3228984243"/>
       </p:ext>
     </p:extLst>
   </p:cSld>
@@ -4150,7 +4150,7 @@
     </p:spTree>
     <p:extLst>
       <p:ext uri="{BB962C8B-B14F-4D97-AF65-F5344CB8AC3E}">
-        <p14:creationId xmlns:p14="http://schemas.microsoft.com/office/powerpoint/2010/main" xmlns="" val="3953207923"/>
+        <p14:creationId xmlns:p14="http://schemas.microsoft.com/office/powerpoint/2010/main" val="3953207923"/>
       </p:ext>
     </p:extLst>
   </p:cSld>
@@ -4160,7 +4160,7 @@
   <p:timing>
     <p:tnLst>
       <p:par>
-        <p:cTn id="1" dur="indefinite" restart="never" nodeType="tmRoot"/>
+        <p:cTn xmlns:p14="http://schemas.microsoft.com/office/powerpoint/2010/main" id="1" dur="indefinite" restart="never" nodeType="tmRoot"/>
       </p:par>
     </p:tnLst>
   </p:timing>
@@ -4412,7 +4412,7 @@
           <a:blip r:embed="rId2" cstate="print">
             <a:extLst>
               <a:ext uri="{28A0092B-C50C-407E-A947-70E740481C1C}">
-                <a14:useLocalDpi xmlns:a14="http://schemas.microsoft.com/office/drawing/2010/main" xmlns="" val="0"/>
+                <a14:useLocalDpi xmlns:a14="http://schemas.microsoft.com/office/drawing/2010/main" val="0"/>
               </a:ext>
             </a:extLst>
           </a:blip>
@@ -4492,11 +4492,7 @@
             </a:r>
             <a:r>
               <a:rPr lang="en-US" dirty="0" smtClean="0"/>
-              <a:t> </a:t>
-            </a:r>
-            <a:r>
-              <a:rPr lang="en-US" dirty="0" smtClean="0"/>
-              <a:t>space</a:t>
+              <a:t> space</a:t>
             </a:r>
             <a:endParaRPr lang="en-US" dirty="0"/>
           </a:p>
@@ -4576,11 +4572,7 @@
             </a:r>
             <a:r>
               <a:rPr lang="en-US" dirty="0" smtClean="0"/>
-              <a:t> </a:t>
-            </a:r>
-            <a:r>
-              <a:rPr lang="en-US" dirty="0" smtClean="0"/>
-              <a:t>space</a:t>
+              <a:t> space</a:t>
             </a:r>
             <a:endParaRPr lang="en-US" dirty="0"/>
           </a:p>
@@ -4667,13 +4659,20 @@
     </p:spTree>
     <p:extLst>
       <p:ext uri="{BB962C8B-B14F-4D97-AF65-F5344CB8AC3E}">
-        <p14:creationId xmlns:p14="http://schemas.microsoft.com/office/powerpoint/2010/main" xmlns="" val="554404530"/>
+        <p14:creationId xmlns:p14="http://schemas.microsoft.com/office/powerpoint/2010/main" val="554404530"/>
       </p:ext>
     </p:extLst>
   </p:cSld>
   <p:clrMapOvr>
     <a:masterClrMapping/>
   </p:clrMapOvr>
+  <p:timing>
+    <p:tnLst>
+      <p:par>
+        <p:cTn xmlns:p14="http://schemas.microsoft.com/office/powerpoint/2010/main" id="1" dur="indefinite" restart="never" nodeType="tmRoot"/>
+      </p:par>
+    </p:tnLst>
+  </p:timing>
 </p:sld>
 </file>
 
@@ -4740,11 +4739,7 @@
           <a:p>
             <a:r>
               <a:rPr lang="en-US" dirty="0" smtClean="0"/>
-              <a:t>Exact </a:t>
-            </a:r>
-            <a:r>
-              <a:rPr lang="en-US" dirty="0" smtClean="0"/>
-              <a:t>k-</a:t>
+              <a:t>Exact k-</a:t>
             </a:r>
             <a:r>
               <a:rPr lang="en-US" dirty="0"/>
@@ -4760,24 +4755,16 @@
             </a:r>
             <a:r>
               <a:rPr lang="en-US" dirty="0" smtClean="0"/>
-              <a:t>eighbor for every pixel runs too slowly (~30 minutes for 512x512 image</a:t>
-            </a:r>
+              <a:t>eighbor for every pixel runs too slowly (~30 minutes for 512x512 image).</a:t>
+            </a:r>
+          </a:p>
+          <a:p>
+            <a:endParaRPr lang="en-US" dirty="0"/>
+          </a:p>
+          <a:p>
             <a:r>
               <a:rPr lang="en-US" dirty="0" smtClean="0"/>
-              <a:t>).</a:t>
-            </a:r>
-          </a:p>
-          <a:p>
-            <a:endParaRPr lang="en-US" dirty="0"/>
-          </a:p>
-          <a:p>
-            <a:r>
-              <a:rPr lang="en-US" dirty="0" smtClean="0"/>
-              <a:t>Approximate k-nearest neighbor runs in 2 or 3 minutes for image of the same size</a:t>
-            </a:r>
-            <a:r>
-              <a:rPr lang="en-US" dirty="0" smtClean="0"/>
-              <a:t>. </a:t>
+              <a:t>Approximate k-nearest neighbor runs in 2 or 3 minutes for image of the same size. </a:t>
             </a:r>
           </a:p>
           <a:p>
@@ -4792,13 +4779,8 @@
           <a:p>
             <a:r>
               <a:rPr lang="en-US" dirty="0" smtClean="0"/>
-              <a:t>ANN i</a:t>
-            </a:r>
-            <a:r>
-              <a:rPr lang="en-US" dirty="0" smtClean="0"/>
-              <a:t>mplemented with FLANN library.</a:t>
-            </a:r>
-            <a:endParaRPr lang="en-US" dirty="0" smtClean="0"/>
+              <a:t>ANN implemented with FLANN library.</a:t>
+            </a:r>
           </a:p>
         </p:txBody>
       </p:sp>
@@ -4998,13 +4980,20 @@
     </p:spTree>
     <p:extLst>
       <p:ext uri="{BB962C8B-B14F-4D97-AF65-F5344CB8AC3E}">
-        <p14:creationId xmlns:p14="http://schemas.microsoft.com/office/powerpoint/2010/main" xmlns="" val="302842593"/>
+        <p14:creationId xmlns:p14="http://schemas.microsoft.com/office/powerpoint/2010/main" val="302842593"/>
       </p:ext>
     </p:extLst>
   </p:cSld>
   <p:clrMapOvr>
     <a:masterClrMapping/>
   </p:clrMapOvr>
+  <p:timing>
+    <p:tnLst>
+      <p:par>
+        <p:cTn xmlns:p14="http://schemas.microsoft.com/office/powerpoint/2010/main" id="1" dur="indefinite" restart="never" nodeType="tmRoot"/>
+      </p:par>
+    </p:tnLst>
+  </p:timing>
 </p:sld>
 </file>
 
@@ -5058,7 +5047,7 @@
             <p:ph idx="1"/>
             <p:extLst>
               <p:ext uri="{D42A27DB-BD31-4B8C-83A1-F6EECF244321}">
-                <p14:modId xmlns:p14="http://schemas.microsoft.com/office/powerpoint/2010/main" xmlns="" val="3474376239"/>
+                <p14:modId xmlns:p14="http://schemas.microsoft.com/office/powerpoint/2010/main" val="3474376239"/>
               </p:ext>
             </p:extLst>
           </p:nvPr>
@@ -5472,13 +5461,20 @@
     </p:spTree>
     <p:extLst>
       <p:ext uri="{BB962C8B-B14F-4D97-AF65-F5344CB8AC3E}">
-        <p14:creationId xmlns:p14="http://schemas.microsoft.com/office/powerpoint/2010/main" xmlns="" val="2206376881"/>
+        <p14:creationId xmlns:p14="http://schemas.microsoft.com/office/powerpoint/2010/main" val="2206376881"/>
       </p:ext>
     </p:extLst>
   </p:cSld>
   <p:clrMapOvr>
     <a:masterClrMapping/>
   </p:clrMapOvr>
+  <p:timing>
+    <p:tnLst>
+      <p:par>
+        <p:cTn xmlns:p14="http://schemas.microsoft.com/office/powerpoint/2010/main" id="1" dur="indefinite" restart="never" nodeType="tmRoot"/>
+      </p:par>
+    </p:tnLst>
+  </p:timing>
 </p:sld>
 </file>
 
@@ -5920,7 +5916,7 @@
     </p:spTree>
     <p:extLst>
       <p:ext uri="{BB962C8B-B14F-4D97-AF65-F5344CB8AC3E}">
-        <p14:creationId xmlns:p14="http://schemas.microsoft.com/office/powerpoint/2010/main" xmlns="" val="1385000211"/>
+        <p14:creationId xmlns:p14="http://schemas.microsoft.com/office/powerpoint/2010/main" val="1385000211"/>
       </p:ext>
     </p:extLst>
   </p:cSld>
@@ -5930,7 +5926,7 @@
   <p:timing>
     <p:tnLst>
       <p:par>
-        <p:cTn id="1" dur="indefinite" restart="never" nodeType="tmRoot"/>
+        <p:cTn xmlns:p14="http://schemas.microsoft.com/office/powerpoint/2010/main" id="1" dur="indefinite" restart="never" nodeType="tmRoot"/>
       </p:par>
     </p:tnLst>
   </p:timing>
@@ -6047,15 +6043,7 @@
             </a:pPr>
             <a:r>
               <a:rPr lang="en-US" altLang="zh-CN" smtClean="0"/>
-              <a:t>Android</a:t>
-            </a:r>
-            <a:r>
-              <a:rPr lang="en-US" altLang="zh-CN" smtClean="0"/>
-              <a:t> </a:t>
-            </a:r>
-            <a:r>
-              <a:rPr lang="en-US" altLang="zh-CN" smtClean="0"/>
-              <a:t>Implementation</a:t>
+              <a:t>Android Implementation</a:t>
             </a:r>
             <a:endParaRPr lang="en-US" altLang="zh-CN" dirty="0" smtClean="0"/>
           </a:p>
@@ -6066,11 +6054,7 @@
             </a:pPr>
             <a:r>
               <a:rPr lang="en-US" altLang="zh-CN" dirty="0" smtClean="0"/>
-              <a:t>C/C++ </a:t>
-            </a:r>
-            <a:r>
-              <a:rPr lang="en-US" altLang="zh-CN" dirty="0" smtClean="0"/>
-              <a:t>Implementation</a:t>
+              <a:t>C/C++ Implementation</a:t>
             </a:r>
           </a:p>
           <a:p>
@@ -6311,6 +6295,13 @@
   <p:clrMapOvr>
     <a:masterClrMapping/>
   </p:clrMapOvr>
+  <p:timing>
+    <p:tnLst>
+      <p:par>
+        <p:cTn xmlns:p14="http://schemas.microsoft.com/office/powerpoint/2010/main" id="1" dur="indefinite" restart="never" nodeType="tmRoot"/>
+      </p:par>
+    </p:tnLst>
+  </p:timing>
 </p:sld>
 </file>
 
@@ -6396,7 +6387,15 @@
             </a:pPr>
             <a:r>
               <a:rPr lang="en-US" altLang="zh-CN" dirty="0" smtClean="0"/>
-              <a:t>Perform graph cut (merge pixels)</a:t>
+              <a:t>Perform graph </a:t>
+            </a:r>
+            <a:r>
+              <a:rPr lang="en-US" altLang="zh-CN" dirty="0" smtClean="0"/>
+              <a:t>merge (</a:t>
+            </a:r>
+            <a:r>
+              <a:rPr lang="en-US" altLang="zh-CN" dirty="0" smtClean="0"/>
+              <a:t>merge pixels)</a:t>
             </a:r>
           </a:p>
           <a:p>
@@ -6624,6 +6623,13 @@
   <p:clrMapOvr>
     <a:masterClrMapping/>
   </p:clrMapOvr>
+  <p:timing>
+    <p:tnLst>
+      <p:par>
+        <p:cTn xmlns:p14="http://schemas.microsoft.com/office/powerpoint/2010/main" id="1" dur="indefinite" restart="never" nodeType="tmRoot"/>
+      </p:par>
+    </p:tnLst>
+  </p:timing>
 </p:sld>
 </file>
 
@@ -6663,10 +6669,6 @@
               <a:rPr lang="en-US" dirty="0" smtClean="0"/>
               <a:t>Core</a:t>
             </a:r>
-            <a:r>
-              <a:rPr lang="en-US" dirty="0" smtClean="0"/>
-              <a:t/>
-            </a:r>
             <a:br>
               <a:rPr lang="en-US" dirty="0" smtClean="0"/>
             </a:br>
@@ -6706,19 +6708,14 @@
               <a:rPr lang="en-US" dirty="0" smtClean="0"/>
               <a:t>Aimed for best performance in both speed and segmentation result.</a:t>
             </a:r>
+          </a:p>
+          <a:p>
             <a:endParaRPr lang="en-US" dirty="0" smtClean="0"/>
           </a:p>
           <a:p>
-            <a:endParaRPr lang="en-US" dirty="0" smtClean="0"/>
-          </a:p>
-          <a:p>
             <a:r>
               <a:rPr lang="en-US" dirty="0" smtClean="0"/>
-              <a:t>Our </a:t>
-            </a:r>
-            <a:r>
-              <a:rPr lang="en-US" dirty="0" smtClean="0"/>
-              <a:t>method imposes a minimum component size right at the beginning, unlike their method which imposes it as post processing. Essentially, we merge more than they do, the segmentation is less noisy and looks better.</a:t>
+              <a:t>Our method imposes a minimum component size right at the beginning, unlike their method which imposes it as post processing. Essentially, we merge more than they do, the segmentation is less noisy and looks better.</a:t>
             </a:r>
             <a:endParaRPr lang="en-US" dirty="0"/>
           </a:p>
@@ -6920,13 +6917,20 @@
     </p:spTree>
     <p:extLst>
       <p:ext uri="{BB962C8B-B14F-4D97-AF65-F5344CB8AC3E}">
-        <p14:creationId xmlns:p14="http://schemas.microsoft.com/office/powerpoint/2010/main" xmlns="" val="831815628"/>
+        <p14:creationId xmlns:p14="http://schemas.microsoft.com/office/powerpoint/2010/main" val="831815628"/>
       </p:ext>
     </p:extLst>
   </p:cSld>
   <p:clrMapOvr>
     <a:masterClrMapping/>
   </p:clrMapOvr>
+  <p:timing>
+    <p:tnLst>
+      <p:par>
+        <p:cTn xmlns:p14="http://schemas.microsoft.com/office/powerpoint/2010/main" id="1" dur="indefinite" restart="never" nodeType="tmRoot"/>
+      </p:par>
+    </p:tnLst>
+  </p:timing>
 </p:sld>
 </file>
 
@@ -7188,7 +7192,7 @@
           <a:blip r:embed="rId2" cstate="print">
             <a:extLst>
               <a:ext uri="{28A0092B-C50C-407E-A947-70E740481C1C}">
-                <a14:useLocalDpi xmlns:a14="http://schemas.microsoft.com/office/drawing/2010/main" xmlns="" val="0"/>
+                <a14:useLocalDpi xmlns:a14="http://schemas.microsoft.com/office/drawing/2010/main" val="0"/>
               </a:ext>
             </a:extLst>
           </a:blip>
@@ -7216,7 +7220,7 @@
           <a:blip r:embed="rId3" cstate="print">
             <a:extLst>
               <a:ext uri="{28A0092B-C50C-407E-A947-70E740481C1C}">
-                <a14:useLocalDpi xmlns:a14="http://schemas.microsoft.com/office/drawing/2010/main" xmlns="" val="0"/>
+                <a14:useLocalDpi xmlns:a14="http://schemas.microsoft.com/office/drawing/2010/main" val="0"/>
               </a:ext>
             </a:extLst>
           </a:blip>
@@ -7246,7 +7250,7 @@
           <a:blip r:embed="rId4" cstate="print">
             <a:extLst>
               <a:ext uri="{28A0092B-C50C-407E-A947-70E740481C1C}">
-                <a14:useLocalDpi xmlns:a14="http://schemas.microsoft.com/office/drawing/2010/main" xmlns="" val="0"/>
+                <a14:useLocalDpi xmlns:a14="http://schemas.microsoft.com/office/drawing/2010/main" val="0"/>
               </a:ext>
             </a:extLst>
           </a:blip>
@@ -7354,13 +7358,20 @@
     </p:spTree>
     <p:extLst>
       <p:ext uri="{BB962C8B-B14F-4D97-AF65-F5344CB8AC3E}">
-        <p14:creationId xmlns:p14="http://schemas.microsoft.com/office/powerpoint/2010/main" xmlns="" val="4159708136"/>
+        <p14:creationId xmlns:p14="http://schemas.microsoft.com/office/powerpoint/2010/main" val="4159708136"/>
       </p:ext>
     </p:extLst>
   </p:cSld>
   <p:clrMapOvr>
     <a:masterClrMapping/>
   </p:clrMapOvr>
+  <p:timing>
+    <p:tnLst>
+      <p:par>
+        <p:cTn xmlns:p14="http://schemas.microsoft.com/office/powerpoint/2010/main" id="1" dur="indefinite" restart="never" nodeType="tmRoot"/>
+      </p:par>
+    </p:tnLst>
+  </p:timing>
 </p:sld>
 </file>
 
@@ -7421,23 +7432,7 @@
           <a:p>
             <a:r>
               <a:rPr lang="en-US" dirty="0" smtClean="0"/>
-              <a:t>Hardware </a:t>
-            </a:r>
-            <a:r>
-              <a:rPr lang="en-US" dirty="0" smtClean="0"/>
-              <a:t>limitations, especially </a:t>
-            </a:r>
-            <a:r>
-              <a:rPr lang="en-US" dirty="0" smtClean="0"/>
-              <a:t>regarding memory </a:t>
-            </a:r>
-            <a:r>
-              <a:rPr lang="en-US" dirty="0" smtClean="0"/>
-              <a:t>management, which require </a:t>
-            </a:r>
-            <a:r>
-              <a:rPr lang="en-US" dirty="0" smtClean="0"/>
-              <a:t>us to down sample the original input image.</a:t>
+              <a:t>Hardware limitations, especially regarding memory management, which require us to down sample the original input image.</a:t>
             </a:r>
           </a:p>
           <a:p>
@@ -7455,11 +7450,7 @@
           <a:p>
             <a:r>
               <a:rPr lang="en-US" dirty="0" smtClean="0"/>
-              <a:t>Takes about </a:t>
-            </a:r>
-            <a:r>
-              <a:rPr lang="en-US" dirty="0" smtClean="0"/>
-              <a:t>5 seconds to segment the image on an average $100 phone.</a:t>
+              <a:t>Takes about 5 seconds to segment the image on an average $100 phone.</a:t>
             </a:r>
           </a:p>
         </p:txBody>
@@ -7660,13 +7651,20 @@
     </p:spTree>
     <p:extLst>
       <p:ext uri="{BB962C8B-B14F-4D97-AF65-F5344CB8AC3E}">
-        <p14:creationId xmlns:p14="http://schemas.microsoft.com/office/powerpoint/2010/main" xmlns="" val="1114271120"/>
+        <p14:creationId xmlns:p14="http://schemas.microsoft.com/office/powerpoint/2010/main" val="1114271120"/>
       </p:ext>
     </p:extLst>
   </p:cSld>
   <p:clrMapOvr>
     <a:masterClrMapping/>
   </p:clrMapOvr>
+  <p:timing>
+    <p:tnLst>
+      <p:par>
+        <p:cTn xmlns:p14="http://schemas.microsoft.com/office/powerpoint/2010/main" id="1" dur="indefinite" restart="never" nodeType="tmRoot"/>
+      </p:par>
+    </p:tnLst>
+  </p:timing>
 </p:sld>
 </file>
 
@@ -7706,11 +7704,7 @@
           <a:p>
             <a:r>
               <a:rPr lang="en-US" altLang="zh-CN" dirty="0" smtClean="0"/>
-              <a:t>Multidimensional graph </a:t>
-            </a:r>
-            <a:r>
-              <a:rPr lang="en-US" altLang="zh-CN" dirty="0" smtClean="0"/>
-              <a:t>construct</a:t>
+              <a:t>Multidimensional graph construct</a:t>
             </a:r>
             <a:br>
               <a:rPr lang="en-US" altLang="zh-CN" dirty="0" smtClean="0"/>
@@ -7750,11 +7744,7 @@
           <a:p>
             <a:r>
               <a:rPr lang="en-US" altLang="zh-CN" dirty="0" smtClean="0"/>
-              <a:t>	</a:t>
-            </a:r>
-            <a:r>
-              <a:rPr lang="en-US" altLang="zh-CN" dirty="0" smtClean="0"/>
-              <a:t>X, Y, C1, C2, C3</a:t>
+              <a:t>	X, Y, C1, C2, C3</a:t>
             </a:r>
           </a:p>
           <a:p>
@@ -7990,6 +7980,13 @@
   <p:clrMapOvr>
     <a:masterClrMapping/>
   </p:clrMapOvr>
+  <p:timing>
+    <p:tnLst>
+      <p:par>
+        <p:cTn xmlns:p14="http://schemas.microsoft.com/office/powerpoint/2010/main" id="1" dur="indefinite" restart="never" nodeType="tmRoot"/>
+      </p:par>
+    </p:tnLst>
+  </p:timing>
 </p:sld>
 </file>
 
@@ -8240,7 +8237,7 @@
           <a:blip r:embed="rId2" cstate="print">
             <a:extLst>
               <a:ext uri="{28A0092B-C50C-407E-A947-70E740481C1C}">
-                <a14:useLocalDpi xmlns:a14="http://schemas.microsoft.com/office/drawing/2010/main" xmlns="" val="0"/>
+                <a14:useLocalDpi xmlns:a14="http://schemas.microsoft.com/office/drawing/2010/main" val="0"/>
               </a:ext>
             </a:extLst>
           </a:blip>
@@ -8268,7 +8265,7 @@
           <a:blip r:embed="rId3" cstate="print">
             <a:extLst>
               <a:ext uri="{28A0092B-C50C-407E-A947-70E740481C1C}">
-                <a14:useLocalDpi xmlns:a14="http://schemas.microsoft.com/office/drawing/2010/main" xmlns="" val="0"/>
+                <a14:useLocalDpi xmlns:a14="http://schemas.microsoft.com/office/drawing/2010/main" val="0"/>
               </a:ext>
             </a:extLst>
           </a:blip>
@@ -8348,11 +8345,7 @@
             </a:r>
             <a:r>
               <a:rPr lang="en-US" dirty="0" smtClean="0"/>
-              <a:t> </a:t>
-            </a:r>
-            <a:r>
-              <a:rPr lang="en-US" dirty="0" smtClean="0"/>
-              <a:t>space</a:t>
+              <a:t> space</a:t>
             </a:r>
             <a:endParaRPr lang="en-US" dirty="0"/>
           </a:p>
@@ -8370,7 +8363,7 @@
           <a:blip r:embed="rId4" cstate="print">
             <a:extLst>
               <a:ext uri="{28A0092B-C50C-407E-A947-70E740481C1C}">
-                <a14:useLocalDpi xmlns:a14="http://schemas.microsoft.com/office/drawing/2010/main" xmlns="" val="0"/>
+                <a14:useLocalDpi xmlns:a14="http://schemas.microsoft.com/office/drawing/2010/main" val="0"/>
               </a:ext>
             </a:extLst>
           </a:blip>
@@ -8400,7 +8393,7 @@
           <a:blip r:embed="rId5" cstate="print">
             <a:extLst>
               <a:ext uri="{28A0092B-C50C-407E-A947-70E740481C1C}">
-                <a14:useLocalDpi xmlns:a14="http://schemas.microsoft.com/office/drawing/2010/main" xmlns="" val="0"/>
+                <a14:useLocalDpi xmlns:a14="http://schemas.microsoft.com/office/drawing/2010/main" val="0"/>
               </a:ext>
             </a:extLst>
           </a:blip>
@@ -8492,11 +8485,7 @@
             </a:r>
             <a:r>
               <a:rPr lang="en-US" dirty="0" smtClean="0"/>
-              <a:t> </a:t>
-            </a:r>
-            <a:r>
-              <a:rPr lang="en-US" dirty="0" smtClean="0"/>
-              <a:t>space</a:t>
+              <a:t> space</a:t>
             </a:r>
             <a:endParaRPr lang="en-US" dirty="0"/>
           </a:p>
@@ -8505,13 +8494,20 @@
     </p:spTree>
     <p:extLst>
       <p:ext uri="{BB962C8B-B14F-4D97-AF65-F5344CB8AC3E}">
-        <p14:creationId xmlns:p14="http://schemas.microsoft.com/office/powerpoint/2010/main" xmlns="" val="554404530"/>
+        <p14:creationId xmlns:p14="http://schemas.microsoft.com/office/powerpoint/2010/main" val="554404530"/>
       </p:ext>
     </p:extLst>
   </p:cSld>
   <p:clrMapOvr>
     <a:masterClrMapping/>
   </p:clrMapOvr>
+  <p:timing>
+    <p:tnLst>
+      <p:par>
+        <p:cTn xmlns:p14="http://schemas.microsoft.com/office/powerpoint/2010/main" id="1" dur="indefinite" restart="never" nodeType="tmRoot"/>
+      </p:par>
+    </p:tnLst>
+  </p:timing>
 </p:sld>
 </file>
 
@@ -8578,13 +8574,8 @@
           <a:p>
             <a:r>
               <a:rPr lang="en-US" dirty="0" smtClean="0"/>
-              <a:t>Distance between pixels is measured by L2 distance in 5-D space</a:t>
-            </a:r>
-            <a:r>
-              <a:rPr lang="en-US" dirty="0" smtClean="0"/>
-              <a:t>. </a:t>
-            </a:r>
-            <a:endParaRPr lang="en-US" dirty="0" smtClean="0"/>
+              <a:t>Distance between pixels is measured by L2 distance in 5-D space. </a:t>
+            </a:r>
           </a:p>
           <a:p>
             <a:endParaRPr lang="en-US" dirty="0" smtClean="0"/>
@@ -8802,13 +8793,20 @@
     </p:spTree>
     <p:extLst>
       <p:ext uri="{BB962C8B-B14F-4D97-AF65-F5344CB8AC3E}">
-        <p14:creationId xmlns:p14="http://schemas.microsoft.com/office/powerpoint/2010/main" xmlns="" val="302842593"/>
+        <p14:creationId xmlns:p14="http://schemas.microsoft.com/office/powerpoint/2010/main" val="302842593"/>
       </p:ext>
     </p:extLst>
   </p:cSld>
   <p:clrMapOvr>
     <a:masterClrMapping/>
   </p:clrMapOvr>
+  <p:timing>
+    <p:tnLst>
+      <p:par>
+        <p:cTn xmlns:p14="http://schemas.microsoft.com/office/powerpoint/2010/main" id="1" dur="indefinite" restart="never" nodeType="tmRoot"/>
+      </p:par>
+    </p:tnLst>
+  </p:timing>
 </p:sld>
 </file>
 
